--- a/Faza 1/PPCAP.pptx
+++ b/Faza 1/PPCAP.pptx
@@ -1,38 +1,45 @@
 
 <file path=ppt/presentation.xml><?xml version="1.0" encoding="utf-8"?>
-<p:presentation xmlns:a="http://schemas.openxmlformats.org/drawingml/2006/main" xmlns:r="http://schemas.openxmlformats.org/officeDocument/2006/relationships" xmlns:mc="http://schemas.openxmlformats.org/markup-compatibility/2006" xmlns:mv="urn:schemas-microsoft-com:mac:vml" xmlns:p="http://schemas.openxmlformats.org/presentationml/2006/main" xmlns:c="http://schemas.openxmlformats.org/drawingml/2006/chart" xmlns:dgm="http://schemas.openxmlformats.org/drawingml/2006/diagram" xmlns:o="urn:schemas-microsoft-com:office:office" xmlns:v="urn:schemas-microsoft-com:vml" xmlns:pvml="urn:schemas-microsoft-com:office:powerpoint" xmlns:com="http://schemas.openxmlformats.org/drawingml/2006/compatibility" xmlns:p14="http://schemas.microsoft.com/office/powerpoint/2010/main" xmlns:p15="http://schemas.microsoft.com/office/powerpoint/2012/main" xmlns:ahyp="http://schemas.microsoft.com/office/drawing/2018/hyperlinkcolor" autoCompressPictures="0" embedTrueTypeFonts="1" strictFirstAndLastChars="0" saveSubsetFonts="1">
+<p:presentation xmlns:a="http://schemas.openxmlformats.org/drawingml/2006/main" xmlns:r="http://schemas.openxmlformats.org/officeDocument/2006/relationships" xmlns:p="http://schemas.openxmlformats.org/presentationml/2006/main" strictFirstAndLastChars="0" embedTrueTypeFonts="1" saveSubsetFonts="1" autoCompressPictures="0">
   <p:sldMasterIdLst>
-    <p:sldMasterId id="2147483659" r:id="rId4"/>
+    <p:sldMasterId id="2147483659" r:id="rId1"/>
   </p:sldMasterIdLst>
   <p:notesMasterIdLst>
-    <p:notesMasterId r:id="rId5"/>
+    <p:notesMasterId r:id="rId13"/>
   </p:notesMasterIdLst>
   <p:sldIdLst>
-    <p:sldId id="256" r:id="rId6"/>
-    <p:sldId id="257" r:id="rId7"/>
-    <p:sldId id="258" r:id="rId8"/>
-    <p:sldId id="259" r:id="rId9"/>
-    <p:sldId id="260" r:id="rId10"/>
-    <p:sldId id="261" r:id="rId11"/>
-    <p:sldId id="262" r:id="rId12"/>
-    <p:sldId id="263" r:id="rId13"/>
-    <p:sldId id="264" r:id="rId14"/>
-    <p:sldId id="265" r:id="rId15"/>
-    <p:sldId id="266" r:id="rId16"/>
+    <p:sldId id="256" r:id="rId2"/>
+    <p:sldId id="257" r:id="rId3"/>
+    <p:sldId id="258" r:id="rId4"/>
+    <p:sldId id="259" r:id="rId5"/>
+    <p:sldId id="260" r:id="rId6"/>
+    <p:sldId id="261" r:id="rId7"/>
+    <p:sldId id="262" r:id="rId8"/>
+    <p:sldId id="263" r:id="rId9"/>
+    <p:sldId id="264" r:id="rId10"/>
+    <p:sldId id="265" r:id="rId11"/>
+    <p:sldId id="266" r:id="rId12"/>
   </p:sldIdLst>
-  <p:sldSz cy="5143500" cx="9144000"/>
+  <p:sldSz cx="9144000" cy="5143500" type="screen16x9"/>
   <p:notesSz cx="6858000" cy="9144000"/>
   <p:embeddedFontLst>
     <p:embeddedFont>
-      <p:font typeface="Nunito"/>
-      <p:regular r:id="rId17"/>
-      <p:bold r:id="rId18"/>
-      <p:italic r:id="rId19"/>
-      <p:boldItalic r:id="rId20"/>
+      <p:font typeface="Calibri" panose="020F0502020204030204" pitchFamily="34" charset="0"/>
+      <p:regular r:id="rId14"/>
+      <p:bold r:id="rId15"/>
+      <p:italic r:id="rId16"/>
+      <p:boldItalic r:id="rId17"/>
+    </p:embeddedFont>
+    <p:embeddedFont>
+      <p:font typeface="Nunito" panose="020B0604020202020204" charset="0"/>
+      <p:regular r:id="rId18"/>
+      <p:bold r:id="rId19"/>
+      <p:italic r:id="rId20"/>
+      <p:boldItalic r:id="rId21"/>
     </p:embeddedFont>
   </p:embeddedFontLst>
   <p:defaultTextStyle>
-    <a:defPPr lvl="0" marR="0" rtl="0" algn="l">
+    <a:defPPr marR="0" lvl="0" algn="l" rtl="0">
       <a:lnSpc>
         <a:spcPct val="100000"/>
       </a:lnSpc>
@@ -43,7 +50,7 @@
         <a:spcPts val="0"/>
       </a:spcAft>
     </a:defPPr>
-    <a:lvl1pPr lvl="0" marR="0" rtl="0" algn="l">
+    <a:lvl1pPr marR="0" lvl="0" algn="l" rtl="0">
       <a:lnSpc>
         <a:spcPct val="100000"/>
       </a:lnSpc>
@@ -57,7 +64,7 @@
         <a:srgbClr val="000000"/>
       </a:buClr>
       <a:buFont typeface="Arial"/>
-      <a:defRPr b="0" i="0" sz="1400" u="none" cap="none" strike="noStrike">
+      <a:defRPr sz="1400" b="0" i="0" u="none" strike="noStrike" cap="none">
         <a:solidFill>
           <a:srgbClr val="000000"/>
         </a:solidFill>
@@ -67,7 +74,7 @@
         <a:sym typeface="Arial"/>
       </a:defRPr>
     </a:lvl1pPr>
-    <a:lvl2pPr lvl="1" marR="0" rtl="0" algn="l">
+    <a:lvl2pPr marR="0" lvl="1" algn="l" rtl="0">
       <a:lnSpc>
         <a:spcPct val="100000"/>
       </a:lnSpc>
@@ -81,7 +88,7 @@
         <a:srgbClr val="000000"/>
       </a:buClr>
       <a:buFont typeface="Arial"/>
-      <a:defRPr b="0" i="0" sz="1400" u="none" cap="none" strike="noStrike">
+      <a:defRPr sz="1400" b="0" i="0" u="none" strike="noStrike" cap="none">
         <a:solidFill>
           <a:srgbClr val="000000"/>
         </a:solidFill>
@@ -91,7 +98,7 @@
         <a:sym typeface="Arial"/>
       </a:defRPr>
     </a:lvl2pPr>
-    <a:lvl3pPr lvl="2" marR="0" rtl="0" algn="l">
+    <a:lvl3pPr marR="0" lvl="2" algn="l" rtl="0">
       <a:lnSpc>
         <a:spcPct val="100000"/>
       </a:lnSpc>
@@ -105,7 +112,7 @@
         <a:srgbClr val="000000"/>
       </a:buClr>
       <a:buFont typeface="Arial"/>
-      <a:defRPr b="0" i="0" sz="1400" u="none" cap="none" strike="noStrike">
+      <a:defRPr sz="1400" b="0" i="0" u="none" strike="noStrike" cap="none">
         <a:solidFill>
           <a:srgbClr val="000000"/>
         </a:solidFill>
@@ -115,7 +122,7 @@
         <a:sym typeface="Arial"/>
       </a:defRPr>
     </a:lvl3pPr>
-    <a:lvl4pPr lvl="3" marR="0" rtl="0" algn="l">
+    <a:lvl4pPr marR="0" lvl="3" algn="l" rtl="0">
       <a:lnSpc>
         <a:spcPct val="100000"/>
       </a:lnSpc>
@@ -129,7 +136,7 @@
         <a:srgbClr val="000000"/>
       </a:buClr>
       <a:buFont typeface="Arial"/>
-      <a:defRPr b="0" i="0" sz="1400" u="none" cap="none" strike="noStrike">
+      <a:defRPr sz="1400" b="0" i="0" u="none" strike="noStrike" cap="none">
         <a:solidFill>
           <a:srgbClr val="000000"/>
         </a:solidFill>
@@ -139,7 +146,7 @@
         <a:sym typeface="Arial"/>
       </a:defRPr>
     </a:lvl4pPr>
-    <a:lvl5pPr lvl="4" marR="0" rtl="0" algn="l">
+    <a:lvl5pPr marR="0" lvl="4" algn="l" rtl="0">
       <a:lnSpc>
         <a:spcPct val="100000"/>
       </a:lnSpc>
@@ -153,7 +160,7 @@
         <a:srgbClr val="000000"/>
       </a:buClr>
       <a:buFont typeface="Arial"/>
-      <a:defRPr b="0" i="0" sz="1400" u="none" cap="none" strike="noStrike">
+      <a:defRPr sz="1400" b="0" i="0" u="none" strike="noStrike" cap="none">
         <a:solidFill>
           <a:srgbClr val="000000"/>
         </a:solidFill>
@@ -163,7 +170,7 @@
         <a:sym typeface="Arial"/>
       </a:defRPr>
     </a:lvl5pPr>
-    <a:lvl6pPr lvl="5" marR="0" rtl="0" algn="l">
+    <a:lvl6pPr marR="0" lvl="5" algn="l" rtl="0">
       <a:lnSpc>
         <a:spcPct val="100000"/>
       </a:lnSpc>
@@ -177,7 +184,7 @@
         <a:srgbClr val="000000"/>
       </a:buClr>
       <a:buFont typeface="Arial"/>
-      <a:defRPr b="0" i="0" sz="1400" u="none" cap="none" strike="noStrike">
+      <a:defRPr sz="1400" b="0" i="0" u="none" strike="noStrike" cap="none">
         <a:solidFill>
           <a:srgbClr val="000000"/>
         </a:solidFill>
@@ -187,7 +194,7 @@
         <a:sym typeface="Arial"/>
       </a:defRPr>
     </a:lvl6pPr>
-    <a:lvl7pPr lvl="6" marR="0" rtl="0" algn="l">
+    <a:lvl7pPr marR="0" lvl="6" algn="l" rtl="0">
       <a:lnSpc>
         <a:spcPct val="100000"/>
       </a:lnSpc>
@@ -201,7 +208,7 @@
         <a:srgbClr val="000000"/>
       </a:buClr>
       <a:buFont typeface="Arial"/>
-      <a:defRPr b="0" i="0" sz="1400" u="none" cap="none" strike="noStrike">
+      <a:defRPr sz="1400" b="0" i="0" u="none" strike="noStrike" cap="none">
         <a:solidFill>
           <a:srgbClr val="000000"/>
         </a:solidFill>
@@ -211,7 +218,7 @@
         <a:sym typeface="Arial"/>
       </a:defRPr>
     </a:lvl7pPr>
-    <a:lvl8pPr lvl="7" marR="0" rtl="0" algn="l">
+    <a:lvl8pPr marR="0" lvl="7" algn="l" rtl="0">
       <a:lnSpc>
         <a:spcPct val="100000"/>
       </a:lnSpc>
@@ -225,7 +232,7 @@
         <a:srgbClr val="000000"/>
       </a:buClr>
       <a:buFont typeface="Arial"/>
-      <a:defRPr b="0" i="0" sz="1400" u="none" cap="none" strike="noStrike">
+      <a:defRPr sz="1400" b="0" i="0" u="none" strike="noStrike" cap="none">
         <a:solidFill>
           <a:srgbClr val="000000"/>
         </a:solidFill>
@@ -235,7 +242,7 @@
         <a:sym typeface="Arial"/>
       </a:defRPr>
     </a:lvl8pPr>
-    <a:lvl9pPr lvl="8" marR="0" rtl="0" algn="l">
+    <a:lvl9pPr marR="0" lvl="8" algn="l" rtl="0">
       <a:lnSpc>
         <a:spcPct val="100000"/>
       </a:lnSpc>
@@ -249,7 +256,7 @@
         <a:srgbClr val="000000"/>
       </a:buClr>
       <a:buFont typeface="Arial"/>
-      <a:defRPr b="0" i="0" sz="1400" u="none" cap="none" strike="noStrike">
+      <a:defRPr sz="1400" b="0" i="0" u="none" strike="noStrike" cap="none">
         <a:solidFill>
           <a:srgbClr val="000000"/>
         </a:solidFill>
@@ -262,7 +269,7 @@
   </p:defaultTextStyle>
   <p:extLst>
     <p:ext uri="{EFAFB233-063F-42B5-8137-9DF3F51BA10A}">
-      <p15:sldGuideLst>
+      <p15:sldGuideLst xmlns:p15="http://schemas.microsoft.com/office/powerpoint/2012/main">
         <p15:guide id="1" orient="horz" pos="1620">
           <p15:clr>
             <a:srgbClr val="A4A3A4"/>
@@ -280,11 +287,16 @@
 </file>
 
 <file path=ppt/notesMasters/notesMaster1.xml><?xml version="1.0" encoding="utf-8"?>
-<p:notesMaster xmlns:a="http://schemas.openxmlformats.org/drawingml/2006/main" xmlns:r="http://schemas.openxmlformats.org/officeDocument/2006/relationships" xmlns:mc="http://schemas.openxmlformats.org/markup-compatibility/2006" xmlns:mv="urn:schemas-microsoft-com:mac:vml" xmlns:p="http://schemas.openxmlformats.org/presentationml/2006/main" xmlns:c="http://schemas.openxmlformats.org/drawingml/2006/chart" xmlns:dgm="http://schemas.openxmlformats.org/drawingml/2006/diagram" xmlns:o="urn:schemas-microsoft-com:office:office" xmlns:v="urn:schemas-microsoft-com:vml" xmlns:pvml="urn:schemas-microsoft-com:office:powerpoint" xmlns:com="http://schemas.openxmlformats.org/drawingml/2006/compatibility" xmlns:p14="http://schemas.microsoft.com/office/powerpoint/2010/main" xmlns:p15="http://schemas.microsoft.com/office/powerpoint/2012/main" xmlns:ahyp="http://schemas.microsoft.com/office/drawing/2018/hyperlinkcolor">
+<p:notesMaster xmlns:a="http://schemas.openxmlformats.org/drawingml/2006/main" xmlns:r="http://schemas.openxmlformats.org/officeDocument/2006/relationships" xmlns:p="http://schemas.openxmlformats.org/presentationml/2006/main">
   <p:cSld>
+    <p:bg>
+      <p:bgRef idx="1001">
+        <a:schemeClr val="bg1"/>
+      </p:bgRef>
+    </p:bg>
     <p:spTree>
       <p:nvGrpSpPr>
-        <p:cNvPr id="2" name="Shape 2"/>
+        <p:cNvPr id="1" name="Shape 2"/>
         <p:cNvGrpSpPr/>
         <p:nvPr/>
       </p:nvGrpSpPr>
@@ -299,9 +311,11 @@
       <p:sp>
         <p:nvSpPr>
           <p:cNvPr id="3" name="Google Shape;3;n"/>
-          <p:cNvSpPr/>
+          <p:cNvSpPr>
+            <a:spLocks noGrp="1" noRot="1" noChangeAspect="1"/>
+          </p:cNvSpPr>
           <p:nvPr>
-            <p:ph idx="2" type="sldImg"/>
+            <p:ph type="sldImg" idx="2"/>
           </p:nvPr>
         </p:nvSpPr>
         <p:spPr>
@@ -310,9 +324,13 @@
             <a:ext cx="6096075" cy="3429000"/>
           </a:xfrm>
           <a:custGeom>
-            <a:rect b="b" l="l" r="r" t="t"/>
+            <a:avLst/>
+            <a:gdLst/>
+            <a:ahLst/>
+            <a:cxnLst/>
+            <a:rect l="l" t="t" r="r" b="b"/>
             <a:pathLst>
-              <a:path extrusionOk="0" h="120000" w="120000">
+              <a:path w="120000" h="120000" extrusionOk="0">
                 <a:moveTo>
                   <a:pt x="0" y="0"/>
                 </a:moveTo>
@@ -330,23 +348,25 @@
             </a:pathLst>
           </a:custGeom>
           <a:noFill/>
-          <a:ln cap="flat" cmpd="sng" w="9525">
+          <a:ln w="9525" cap="flat" cmpd="sng">
             <a:solidFill>
               <a:srgbClr val="000000"/>
             </a:solidFill>
             <a:prstDash val="solid"/>
             <a:round/>
-            <a:headEnd len="sm" w="sm" type="none"/>
-            <a:tailEnd len="sm" w="sm" type="none"/>
+            <a:headEnd type="none" w="sm" len="sm"/>
+            <a:tailEnd type="none" w="sm" len="sm"/>
           </a:ln>
         </p:spPr>
       </p:sp>
       <p:sp>
         <p:nvSpPr>
           <p:cNvPr id="4" name="Google Shape;4;n"/>
-          <p:cNvSpPr txBox="1"/>
+          <p:cNvSpPr txBox="1">
+            <a:spLocks noGrp="1"/>
+          </p:cNvSpPr>
           <p:nvPr>
-            <p:ph idx="1" type="body"/>
+            <p:ph type="body" idx="1"/>
           </p:nvPr>
         </p:nvSpPr>
         <p:spPr>
@@ -363,11 +383,11 @@
           </a:ln>
         </p:spPr>
         <p:txBody>
-          <a:bodyPr anchorCtr="0" anchor="t" bIns="91425" lIns="91425" spcFirstLastPara="1" rIns="91425" wrap="square" tIns="91425">
+          <a:bodyPr spcFirstLastPara="1" wrap="square" lIns="91425" tIns="91425" rIns="91425" bIns="91425" anchor="t" anchorCtr="0">
             <a:noAutofit/>
           </a:bodyPr>
           <a:lstStyle>
-            <a:lvl1pPr indent="-298450" lvl="0" marL="457200">
+            <a:lvl1pPr marL="457200" lvl="0" indent="-298450">
               <a:spcBef>
                 <a:spcPts val="0"/>
               </a:spcBef>
@@ -378,7 +398,7 @@
               <a:buChar char="●"/>
               <a:defRPr sz="1100"/>
             </a:lvl1pPr>
-            <a:lvl2pPr indent="-298450" lvl="1" marL="914400">
+            <a:lvl2pPr marL="914400" lvl="1" indent="-298450">
               <a:spcBef>
                 <a:spcPts val="0"/>
               </a:spcBef>
@@ -389,7 +409,7 @@
               <a:buChar char="○"/>
               <a:defRPr sz="1100"/>
             </a:lvl2pPr>
-            <a:lvl3pPr indent="-298450" lvl="2" marL="1371600">
+            <a:lvl3pPr marL="1371600" lvl="2" indent="-298450">
               <a:spcBef>
                 <a:spcPts val="0"/>
               </a:spcBef>
@@ -400,7 +420,7 @@
               <a:buChar char="■"/>
               <a:defRPr sz="1100"/>
             </a:lvl3pPr>
-            <a:lvl4pPr indent="-298450" lvl="3" marL="1828800">
+            <a:lvl4pPr marL="1828800" lvl="3" indent="-298450">
               <a:spcBef>
                 <a:spcPts val="0"/>
               </a:spcBef>
@@ -411,7 +431,7 @@
               <a:buChar char="●"/>
               <a:defRPr sz="1100"/>
             </a:lvl4pPr>
-            <a:lvl5pPr indent="-298450" lvl="4" marL="2286000">
+            <a:lvl5pPr marL="2286000" lvl="4" indent="-298450">
               <a:spcBef>
                 <a:spcPts val="0"/>
               </a:spcBef>
@@ -422,7 +442,7 @@
               <a:buChar char="○"/>
               <a:defRPr sz="1100"/>
             </a:lvl5pPr>
-            <a:lvl6pPr indent="-298450" lvl="5" marL="2743200">
+            <a:lvl6pPr marL="2743200" lvl="5" indent="-298450">
               <a:spcBef>
                 <a:spcPts val="0"/>
               </a:spcBef>
@@ -433,7 +453,7 @@
               <a:buChar char="■"/>
               <a:defRPr sz="1100"/>
             </a:lvl6pPr>
-            <a:lvl7pPr indent="-298450" lvl="6" marL="3200400">
+            <a:lvl7pPr marL="3200400" lvl="6" indent="-298450">
               <a:spcBef>
                 <a:spcPts val="0"/>
               </a:spcBef>
@@ -444,7 +464,7 @@
               <a:buChar char="●"/>
               <a:defRPr sz="1100"/>
             </a:lvl7pPr>
-            <a:lvl8pPr indent="-298450" lvl="7" marL="3657600">
+            <a:lvl8pPr marL="3657600" lvl="7" indent="-298450">
               <a:spcBef>
                 <a:spcPts val="0"/>
               </a:spcBef>
@@ -455,7 +475,7 @@
               <a:buChar char="○"/>
               <a:defRPr sz="1100"/>
             </a:lvl8pPr>
-            <a:lvl9pPr indent="-298450" lvl="8" marL="4114800">
+            <a:lvl9pPr marL="4114800" lvl="8" indent="-298450">
               <a:spcBef>
                 <a:spcPts val="0"/>
               </a:spcBef>
@@ -467,14 +487,16 @@
               <a:defRPr sz="1100"/>
             </a:lvl9pPr>
           </a:lstStyle>
-          <a:p/>
+          <a:p>
+            <a:endParaRPr/>
+          </a:p>
         </p:txBody>
       </p:sp>
     </p:spTree>
   </p:cSld>
-  <p:clrMap accent1="accent1" accent2="accent2" accent3="accent3" accent4="accent4" accent5="accent5" accent6="accent6" bg1="lt1" bg2="dk2" tx1="dk1" tx2="lt2" folHlink="folHlink" hlink="hlink"/>
+  <p:clrMap bg1="lt1" tx1="dk1" bg2="dk2" tx2="lt2" accent1="accent1" accent2="accent2" accent3="accent3" accent4="accent4" accent5="accent5" accent6="accent6" hlink="hlink" folHlink="folHlink"/>
   <p:notesStyle>
-    <a:defPPr lvl="0" marR="0" rtl="0" algn="l">
+    <a:defPPr marR="0" lvl="0" algn="l" rtl="0">
       <a:lnSpc>
         <a:spcPct val="100000"/>
       </a:lnSpc>
@@ -485,7 +507,7 @@
         <a:spcPts val="0"/>
       </a:spcAft>
     </a:defPPr>
-    <a:lvl1pPr lvl="0" marR="0" rtl="0" algn="l">
+    <a:lvl1pPr marR="0" lvl="0" algn="l" rtl="0">
       <a:lnSpc>
         <a:spcPct val="100000"/>
       </a:lnSpc>
@@ -499,7 +521,7 @@
         <a:srgbClr val="000000"/>
       </a:buClr>
       <a:buFont typeface="Arial"/>
-      <a:defRPr b="0" i="0" sz="1400" u="none" cap="none" strike="noStrike">
+      <a:defRPr sz="1400" b="0" i="0" u="none" strike="noStrike" cap="none">
         <a:solidFill>
           <a:srgbClr val="000000"/>
         </a:solidFill>
@@ -509,7 +531,7 @@
         <a:sym typeface="Arial"/>
       </a:defRPr>
     </a:lvl1pPr>
-    <a:lvl2pPr lvl="1" marR="0" rtl="0" algn="l">
+    <a:lvl2pPr marR="0" lvl="1" algn="l" rtl="0">
       <a:lnSpc>
         <a:spcPct val="100000"/>
       </a:lnSpc>
@@ -523,7 +545,7 @@
         <a:srgbClr val="000000"/>
       </a:buClr>
       <a:buFont typeface="Arial"/>
-      <a:defRPr b="0" i="0" sz="1400" u="none" cap="none" strike="noStrike">
+      <a:defRPr sz="1400" b="0" i="0" u="none" strike="noStrike" cap="none">
         <a:solidFill>
           <a:srgbClr val="000000"/>
         </a:solidFill>
@@ -533,7 +555,7 @@
         <a:sym typeface="Arial"/>
       </a:defRPr>
     </a:lvl2pPr>
-    <a:lvl3pPr lvl="2" marR="0" rtl="0" algn="l">
+    <a:lvl3pPr marR="0" lvl="2" algn="l" rtl="0">
       <a:lnSpc>
         <a:spcPct val="100000"/>
       </a:lnSpc>
@@ -547,7 +569,7 @@
         <a:srgbClr val="000000"/>
       </a:buClr>
       <a:buFont typeface="Arial"/>
-      <a:defRPr b="0" i="0" sz="1400" u="none" cap="none" strike="noStrike">
+      <a:defRPr sz="1400" b="0" i="0" u="none" strike="noStrike" cap="none">
         <a:solidFill>
           <a:srgbClr val="000000"/>
         </a:solidFill>
@@ -557,7 +579,7 @@
         <a:sym typeface="Arial"/>
       </a:defRPr>
     </a:lvl3pPr>
-    <a:lvl4pPr lvl="3" marR="0" rtl="0" algn="l">
+    <a:lvl4pPr marR="0" lvl="3" algn="l" rtl="0">
       <a:lnSpc>
         <a:spcPct val="100000"/>
       </a:lnSpc>
@@ -571,7 +593,7 @@
         <a:srgbClr val="000000"/>
       </a:buClr>
       <a:buFont typeface="Arial"/>
-      <a:defRPr b="0" i="0" sz="1400" u="none" cap="none" strike="noStrike">
+      <a:defRPr sz="1400" b="0" i="0" u="none" strike="noStrike" cap="none">
         <a:solidFill>
           <a:srgbClr val="000000"/>
         </a:solidFill>
@@ -581,7 +603,7 @@
         <a:sym typeface="Arial"/>
       </a:defRPr>
     </a:lvl4pPr>
-    <a:lvl5pPr lvl="4" marR="0" rtl="0" algn="l">
+    <a:lvl5pPr marR="0" lvl="4" algn="l" rtl="0">
       <a:lnSpc>
         <a:spcPct val="100000"/>
       </a:lnSpc>
@@ -595,7 +617,7 @@
         <a:srgbClr val="000000"/>
       </a:buClr>
       <a:buFont typeface="Arial"/>
-      <a:defRPr b="0" i="0" sz="1400" u="none" cap="none" strike="noStrike">
+      <a:defRPr sz="1400" b="0" i="0" u="none" strike="noStrike" cap="none">
         <a:solidFill>
           <a:srgbClr val="000000"/>
         </a:solidFill>
@@ -605,7 +627,7 @@
         <a:sym typeface="Arial"/>
       </a:defRPr>
     </a:lvl5pPr>
-    <a:lvl6pPr lvl="5" marR="0" rtl="0" algn="l">
+    <a:lvl6pPr marR="0" lvl="5" algn="l" rtl="0">
       <a:lnSpc>
         <a:spcPct val="100000"/>
       </a:lnSpc>
@@ -619,7 +641,7 @@
         <a:srgbClr val="000000"/>
       </a:buClr>
       <a:buFont typeface="Arial"/>
-      <a:defRPr b="0" i="0" sz="1400" u="none" cap="none" strike="noStrike">
+      <a:defRPr sz="1400" b="0" i="0" u="none" strike="noStrike" cap="none">
         <a:solidFill>
           <a:srgbClr val="000000"/>
         </a:solidFill>
@@ -629,7 +651,7 @@
         <a:sym typeface="Arial"/>
       </a:defRPr>
     </a:lvl6pPr>
-    <a:lvl7pPr lvl="6" marR="0" rtl="0" algn="l">
+    <a:lvl7pPr marR="0" lvl="6" algn="l" rtl="0">
       <a:lnSpc>
         <a:spcPct val="100000"/>
       </a:lnSpc>
@@ -643,7 +665,7 @@
         <a:srgbClr val="000000"/>
       </a:buClr>
       <a:buFont typeface="Arial"/>
-      <a:defRPr b="0" i="0" sz="1400" u="none" cap="none" strike="noStrike">
+      <a:defRPr sz="1400" b="0" i="0" u="none" strike="noStrike" cap="none">
         <a:solidFill>
           <a:srgbClr val="000000"/>
         </a:solidFill>
@@ -653,7 +675,7 @@
         <a:sym typeface="Arial"/>
       </a:defRPr>
     </a:lvl7pPr>
-    <a:lvl8pPr lvl="7" marR="0" rtl="0" algn="l">
+    <a:lvl8pPr marR="0" lvl="7" algn="l" rtl="0">
       <a:lnSpc>
         <a:spcPct val="100000"/>
       </a:lnSpc>
@@ -667,7 +689,7 @@
         <a:srgbClr val="000000"/>
       </a:buClr>
       <a:buFont typeface="Arial"/>
-      <a:defRPr b="0" i="0" sz="1400" u="none" cap="none" strike="noStrike">
+      <a:defRPr sz="1400" b="0" i="0" u="none" strike="noStrike" cap="none">
         <a:solidFill>
           <a:srgbClr val="000000"/>
         </a:solidFill>
@@ -677,7 +699,7 @@
         <a:sym typeface="Arial"/>
       </a:defRPr>
     </a:lvl8pPr>
-    <a:lvl9pPr lvl="8" marR="0" rtl="0" algn="l">
+    <a:lvl9pPr marR="0" lvl="8" algn="l" rtl="0">
       <a:lnSpc>
         <a:spcPct val="100000"/>
       </a:lnSpc>
@@ -691,7 +713,7 @@
         <a:srgbClr val="000000"/>
       </a:buClr>
       <a:buFont typeface="Arial"/>
-      <a:defRPr b="0" i="0" sz="1400" u="none" cap="none" strike="noStrike">
+      <a:defRPr sz="1400" b="0" i="0" u="none" strike="noStrike" cap="none">
         <a:solidFill>
           <a:srgbClr val="000000"/>
         </a:solidFill>
@@ -706,11 +728,11 @@
 </file>
 
 <file path=ppt/notesSlides/notesSlide1.xml><?xml version="1.0" encoding="utf-8"?>
-<p:notes xmlns:a="http://schemas.openxmlformats.org/drawingml/2006/main" xmlns:r="http://schemas.openxmlformats.org/officeDocument/2006/relationships" xmlns:mc="http://schemas.openxmlformats.org/markup-compatibility/2006" xmlns:mv="urn:schemas-microsoft-com:mac:vml" xmlns:p="http://schemas.openxmlformats.org/presentationml/2006/main" xmlns:c="http://schemas.openxmlformats.org/drawingml/2006/chart" xmlns:dgm="http://schemas.openxmlformats.org/drawingml/2006/diagram" xmlns:o="urn:schemas-microsoft-com:office:office" xmlns:v="urn:schemas-microsoft-com:vml" xmlns:pvml="urn:schemas-microsoft-com:office:powerpoint" xmlns:com="http://schemas.openxmlformats.org/drawingml/2006/compatibility" xmlns:p14="http://schemas.microsoft.com/office/powerpoint/2010/main" xmlns:p15="http://schemas.microsoft.com/office/powerpoint/2012/main" xmlns:ahyp="http://schemas.microsoft.com/office/drawing/2018/hyperlinkcolor" showMasterPhAnim="0" showMasterSp="0">
+<p:notes xmlns:a="http://schemas.openxmlformats.org/drawingml/2006/main" xmlns:r="http://schemas.openxmlformats.org/officeDocument/2006/relationships" xmlns:p="http://schemas.openxmlformats.org/presentationml/2006/main" showMasterSp="0" showMasterPhAnim="0">
   <p:cSld>
     <p:spTree>
       <p:nvGrpSpPr>
-        <p:cNvPr id="124" name="Shape 124"/>
+        <p:cNvPr id="1" name="Shape 124"/>
         <p:cNvGrpSpPr/>
         <p:nvPr/>
       </p:nvGrpSpPr>
@@ -725,20 +747,26 @@
       <p:sp>
         <p:nvSpPr>
           <p:cNvPr id="125" name="Google Shape;125;p:notes"/>
-          <p:cNvSpPr/>
+          <p:cNvSpPr>
+            <a:spLocks noGrp="1" noRot="1" noChangeAspect="1"/>
+          </p:cNvSpPr>
           <p:nvPr>
-            <p:ph idx="2" type="sldImg"/>
+            <p:ph type="sldImg" idx="2"/>
           </p:nvPr>
         </p:nvSpPr>
         <p:spPr>
           <a:xfrm>
-            <a:off x="381300" y="685800"/>
-            <a:ext cx="6096075" cy="3429000"/>
+            <a:off x="381000" y="685800"/>
+            <a:ext cx="6096000" cy="3429000"/>
           </a:xfrm>
           <a:custGeom>
-            <a:rect b="b" l="l" r="r" t="t"/>
+            <a:avLst/>
+            <a:gdLst/>
+            <a:ahLst/>
+            <a:cxnLst/>
+            <a:rect l="l" t="t" r="r" b="b"/>
             <a:pathLst>
-              <a:path extrusionOk="0" h="120000" w="120000">
+              <a:path w="120000" h="120000" extrusionOk="0">
                 <a:moveTo>
                   <a:pt x="0" y="0"/>
                 </a:moveTo>
@@ -760,9 +788,11 @@
       <p:sp>
         <p:nvSpPr>
           <p:cNvPr id="126" name="Google Shape;126;p:notes"/>
-          <p:cNvSpPr txBox="1"/>
+          <p:cNvSpPr txBox="1">
+            <a:spLocks noGrp="1"/>
+          </p:cNvSpPr>
           <p:nvPr>
-            <p:ph idx="1" type="body"/>
+            <p:ph type="body" idx="1"/>
           </p:nvPr>
         </p:nvSpPr>
         <p:spPr>
@@ -775,12 +805,12 @@
           </a:prstGeom>
         </p:spPr>
         <p:txBody>
-          <a:bodyPr anchorCtr="0" anchor="t" bIns="91425" lIns="91425" spcFirstLastPara="1" rIns="91425" wrap="square" tIns="91425">
+          <a:bodyPr spcFirstLastPara="1" wrap="square" lIns="91425" tIns="91425" rIns="91425" bIns="91425" anchor="t" anchorCtr="0">
             <a:noAutofit/>
           </a:bodyPr>
           <a:lstStyle/>
           <a:p>
-            <a:pPr indent="0" lvl="0" marL="0" rtl="0" algn="l">
+            <a:pPr marL="0" lvl="0" indent="0" algn="l" rtl="0">
               <a:spcBef>
                 <a:spcPts val="0"/>
               </a:spcBef>
@@ -789,9 +819,6 @@
               </a:spcAft>
               <a:buNone/>
             </a:pPr>
-            <a:r>
-              <a:t/>
-            </a:r>
             <a:endParaRPr/>
           </a:p>
         </p:txBody>
@@ -805,11 +832,11 @@
 </file>
 
 <file path=ppt/notesSlides/notesSlide10.xml><?xml version="1.0" encoding="utf-8"?>
-<p:notes xmlns:a="http://schemas.openxmlformats.org/drawingml/2006/main" xmlns:r="http://schemas.openxmlformats.org/officeDocument/2006/relationships" xmlns:mc="http://schemas.openxmlformats.org/markup-compatibility/2006" xmlns:mv="urn:schemas-microsoft-com:mac:vml" xmlns:p="http://schemas.openxmlformats.org/presentationml/2006/main" xmlns:c="http://schemas.openxmlformats.org/drawingml/2006/chart" xmlns:dgm="http://schemas.openxmlformats.org/drawingml/2006/diagram" xmlns:o="urn:schemas-microsoft-com:office:office" xmlns:v="urn:schemas-microsoft-com:vml" xmlns:pvml="urn:schemas-microsoft-com:office:powerpoint" xmlns:com="http://schemas.openxmlformats.org/drawingml/2006/compatibility" xmlns:p14="http://schemas.microsoft.com/office/powerpoint/2010/main" xmlns:p15="http://schemas.microsoft.com/office/powerpoint/2012/main" xmlns:ahyp="http://schemas.microsoft.com/office/drawing/2018/hyperlinkcolor" showMasterPhAnim="0" showMasterSp="0">
+<p:notes xmlns:a="http://schemas.openxmlformats.org/drawingml/2006/main" xmlns:r="http://schemas.openxmlformats.org/officeDocument/2006/relationships" xmlns:p="http://schemas.openxmlformats.org/presentationml/2006/main" showMasterSp="0" showMasterPhAnim="0">
   <p:cSld>
     <p:spTree>
       <p:nvGrpSpPr>
-        <p:cNvPr id="178" name="Shape 178"/>
+        <p:cNvPr id="1" name="Shape 178"/>
         <p:cNvGrpSpPr/>
         <p:nvPr/>
       </p:nvGrpSpPr>
@@ -824,9 +851,11 @@
       <p:sp>
         <p:nvSpPr>
           <p:cNvPr id="179" name="Google Shape;179;gd58e29161e_0_134:notes"/>
-          <p:cNvSpPr/>
+          <p:cNvSpPr>
+            <a:spLocks noGrp="1" noRot="1" noChangeAspect="1"/>
+          </p:cNvSpPr>
           <p:nvPr>
-            <p:ph idx="2" type="sldImg"/>
+            <p:ph type="sldImg" idx="2"/>
           </p:nvPr>
         </p:nvSpPr>
         <p:spPr>
@@ -835,9 +864,13 @@
             <a:ext cx="6096000" cy="3429000"/>
           </a:xfrm>
           <a:custGeom>
-            <a:rect b="b" l="l" r="r" t="t"/>
+            <a:avLst/>
+            <a:gdLst/>
+            <a:ahLst/>
+            <a:cxnLst/>
+            <a:rect l="l" t="t" r="r" b="b"/>
             <a:pathLst>
-              <a:path extrusionOk="0" h="120000" w="120000">
+              <a:path w="120000" h="120000" extrusionOk="0">
                 <a:moveTo>
                   <a:pt x="0" y="0"/>
                 </a:moveTo>
@@ -859,9 +892,11 @@
       <p:sp>
         <p:nvSpPr>
           <p:cNvPr id="180" name="Google Shape;180;gd58e29161e_0_134:notes"/>
-          <p:cNvSpPr txBox="1"/>
+          <p:cNvSpPr txBox="1">
+            <a:spLocks noGrp="1"/>
+          </p:cNvSpPr>
           <p:nvPr>
-            <p:ph idx="1" type="body"/>
+            <p:ph type="body" idx="1"/>
           </p:nvPr>
         </p:nvSpPr>
         <p:spPr>
@@ -874,12 +909,12 @@
           </a:prstGeom>
         </p:spPr>
         <p:txBody>
-          <a:bodyPr anchorCtr="0" anchor="t" bIns="91425" lIns="91425" spcFirstLastPara="1" rIns="91425" wrap="square" tIns="91425">
+          <a:bodyPr spcFirstLastPara="1" wrap="square" lIns="91425" tIns="91425" rIns="91425" bIns="91425" anchor="t" anchorCtr="0">
             <a:noAutofit/>
           </a:bodyPr>
           <a:lstStyle/>
           <a:p>
-            <a:pPr indent="0" lvl="0" marL="0" rtl="0" algn="l">
+            <a:pPr marL="0" lvl="0" indent="0" algn="l" rtl="0">
               <a:spcBef>
                 <a:spcPts val="0"/>
               </a:spcBef>
@@ -888,9 +923,6 @@
               </a:spcAft>
               <a:buNone/>
             </a:pPr>
-            <a:r>
-              <a:t/>
-            </a:r>
             <a:endParaRPr/>
           </a:p>
         </p:txBody>
@@ -904,11 +936,11 @@
 </file>
 
 <file path=ppt/notesSlides/notesSlide11.xml><?xml version="1.0" encoding="utf-8"?>
-<p:notes xmlns:a="http://schemas.openxmlformats.org/drawingml/2006/main" xmlns:r="http://schemas.openxmlformats.org/officeDocument/2006/relationships" xmlns:mc="http://schemas.openxmlformats.org/markup-compatibility/2006" xmlns:mv="urn:schemas-microsoft-com:mac:vml" xmlns:p="http://schemas.openxmlformats.org/presentationml/2006/main" xmlns:c="http://schemas.openxmlformats.org/drawingml/2006/chart" xmlns:dgm="http://schemas.openxmlformats.org/drawingml/2006/diagram" xmlns:o="urn:schemas-microsoft-com:office:office" xmlns:v="urn:schemas-microsoft-com:vml" xmlns:pvml="urn:schemas-microsoft-com:office:powerpoint" xmlns:com="http://schemas.openxmlformats.org/drawingml/2006/compatibility" xmlns:p14="http://schemas.microsoft.com/office/powerpoint/2010/main" xmlns:p15="http://schemas.microsoft.com/office/powerpoint/2012/main" xmlns:ahyp="http://schemas.microsoft.com/office/drawing/2018/hyperlinkcolor" showMasterPhAnim="0" showMasterSp="0">
+<p:notes xmlns:a="http://schemas.openxmlformats.org/drawingml/2006/main" xmlns:r="http://schemas.openxmlformats.org/officeDocument/2006/relationships" xmlns:p="http://schemas.openxmlformats.org/presentationml/2006/main" showMasterSp="0" showMasterPhAnim="0">
   <p:cSld>
     <p:spTree>
       <p:nvGrpSpPr>
-        <p:cNvPr id="184" name="Shape 184"/>
+        <p:cNvPr id="1" name="Shape 184"/>
         <p:cNvGrpSpPr/>
         <p:nvPr/>
       </p:nvGrpSpPr>
@@ -923,9 +955,11 @@
       <p:sp>
         <p:nvSpPr>
           <p:cNvPr id="185" name="Google Shape;185;gd58e29161e_0_182:notes"/>
-          <p:cNvSpPr/>
+          <p:cNvSpPr>
+            <a:spLocks noGrp="1" noRot="1" noChangeAspect="1"/>
+          </p:cNvSpPr>
           <p:nvPr>
-            <p:ph idx="2" type="sldImg"/>
+            <p:ph type="sldImg" idx="2"/>
           </p:nvPr>
         </p:nvSpPr>
         <p:spPr>
@@ -934,9 +968,13 @@
             <a:ext cx="6096000" cy="3429000"/>
           </a:xfrm>
           <a:custGeom>
-            <a:rect b="b" l="l" r="r" t="t"/>
+            <a:avLst/>
+            <a:gdLst/>
+            <a:ahLst/>
+            <a:cxnLst/>
+            <a:rect l="l" t="t" r="r" b="b"/>
             <a:pathLst>
-              <a:path extrusionOk="0" h="120000" w="120000">
+              <a:path w="120000" h="120000" extrusionOk="0">
                 <a:moveTo>
                   <a:pt x="0" y="0"/>
                 </a:moveTo>
@@ -958,9 +996,11 @@
       <p:sp>
         <p:nvSpPr>
           <p:cNvPr id="186" name="Google Shape;186;gd58e29161e_0_182:notes"/>
-          <p:cNvSpPr txBox="1"/>
+          <p:cNvSpPr txBox="1">
+            <a:spLocks noGrp="1"/>
+          </p:cNvSpPr>
           <p:nvPr>
-            <p:ph idx="1" type="body"/>
+            <p:ph type="body" idx="1"/>
           </p:nvPr>
         </p:nvSpPr>
         <p:spPr>
@@ -973,12 +1013,12 @@
           </a:prstGeom>
         </p:spPr>
         <p:txBody>
-          <a:bodyPr anchorCtr="0" anchor="t" bIns="91425" lIns="91425" spcFirstLastPara="1" rIns="91425" wrap="square" tIns="91425">
+          <a:bodyPr spcFirstLastPara="1" wrap="square" lIns="91425" tIns="91425" rIns="91425" bIns="91425" anchor="t" anchorCtr="0">
             <a:noAutofit/>
           </a:bodyPr>
           <a:lstStyle/>
           <a:p>
-            <a:pPr indent="0" lvl="0" marL="0" rtl="0" algn="l">
+            <a:pPr marL="0" lvl="0" indent="0" algn="l" rtl="0">
               <a:spcBef>
                 <a:spcPts val="0"/>
               </a:spcBef>
@@ -987,9 +1027,6 @@
               </a:spcAft>
               <a:buNone/>
             </a:pPr>
-            <a:r>
-              <a:t/>
-            </a:r>
             <a:endParaRPr/>
           </a:p>
         </p:txBody>
@@ -1003,11 +1040,11 @@
 </file>
 
 <file path=ppt/notesSlides/notesSlide2.xml><?xml version="1.0" encoding="utf-8"?>
-<p:notes xmlns:a="http://schemas.openxmlformats.org/drawingml/2006/main" xmlns:r="http://schemas.openxmlformats.org/officeDocument/2006/relationships" xmlns:mc="http://schemas.openxmlformats.org/markup-compatibility/2006" xmlns:mv="urn:schemas-microsoft-com:mac:vml" xmlns:p="http://schemas.openxmlformats.org/presentationml/2006/main" xmlns:c="http://schemas.openxmlformats.org/drawingml/2006/chart" xmlns:dgm="http://schemas.openxmlformats.org/drawingml/2006/diagram" xmlns:o="urn:schemas-microsoft-com:office:office" xmlns:v="urn:schemas-microsoft-com:vml" xmlns:pvml="urn:schemas-microsoft-com:office:powerpoint" xmlns:com="http://schemas.openxmlformats.org/drawingml/2006/compatibility" xmlns:p14="http://schemas.microsoft.com/office/powerpoint/2010/main" xmlns:p15="http://schemas.microsoft.com/office/powerpoint/2012/main" xmlns:ahyp="http://schemas.microsoft.com/office/drawing/2018/hyperlinkcolor" showMasterPhAnim="0" showMasterSp="0">
+<p:notes xmlns:a="http://schemas.openxmlformats.org/drawingml/2006/main" xmlns:r="http://schemas.openxmlformats.org/officeDocument/2006/relationships" xmlns:p="http://schemas.openxmlformats.org/presentationml/2006/main" showMasterSp="0" showMasterPhAnim="0">
   <p:cSld>
     <p:spTree>
       <p:nvGrpSpPr>
-        <p:cNvPr id="130" name="Shape 130"/>
+        <p:cNvPr id="1" name="Shape 130"/>
         <p:cNvGrpSpPr/>
         <p:nvPr/>
       </p:nvGrpSpPr>
@@ -1022,9 +1059,11 @@
       <p:sp>
         <p:nvSpPr>
           <p:cNvPr id="131" name="Google Shape;131;gd58e29161e_0_119:notes"/>
-          <p:cNvSpPr/>
+          <p:cNvSpPr>
+            <a:spLocks noGrp="1" noRot="1" noChangeAspect="1"/>
+          </p:cNvSpPr>
           <p:nvPr>
-            <p:ph idx="2" type="sldImg"/>
+            <p:ph type="sldImg" idx="2"/>
           </p:nvPr>
         </p:nvSpPr>
         <p:spPr>
@@ -1033,9 +1072,13 @@
             <a:ext cx="6096000" cy="3429000"/>
           </a:xfrm>
           <a:custGeom>
-            <a:rect b="b" l="l" r="r" t="t"/>
+            <a:avLst/>
+            <a:gdLst/>
+            <a:ahLst/>
+            <a:cxnLst/>
+            <a:rect l="l" t="t" r="r" b="b"/>
             <a:pathLst>
-              <a:path extrusionOk="0" h="120000" w="120000">
+              <a:path w="120000" h="120000" extrusionOk="0">
                 <a:moveTo>
                   <a:pt x="0" y="0"/>
                 </a:moveTo>
@@ -1057,9 +1100,11 @@
       <p:sp>
         <p:nvSpPr>
           <p:cNvPr id="132" name="Google Shape;132;gd58e29161e_0_119:notes"/>
-          <p:cNvSpPr txBox="1"/>
+          <p:cNvSpPr txBox="1">
+            <a:spLocks noGrp="1"/>
+          </p:cNvSpPr>
           <p:nvPr>
-            <p:ph idx="1" type="body"/>
+            <p:ph type="body" idx="1"/>
           </p:nvPr>
         </p:nvSpPr>
         <p:spPr>
@@ -1072,12 +1117,12 @@
           </a:prstGeom>
         </p:spPr>
         <p:txBody>
-          <a:bodyPr anchorCtr="0" anchor="t" bIns="91425" lIns="91425" spcFirstLastPara="1" rIns="91425" wrap="square" tIns="91425">
+          <a:bodyPr spcFirstLastPara="1" wrap="square" lIns="91425" tIns="91425" rIns="91425" bIns="91425" anchor="t" anchorCtr="0">
             <a:noAutofit/>
           </a:bodyPr>
           <a:lstStyle/>
           <a:p>
-            <a:pPr indent="0" lvl="0" marL="0" rtl="0" algn="l">
+            <a:pPr marL="0" lvl="0" indent="0" algn="l" rtl="0">
               <a:spcBef>
                 <a:spcPts val="0"/>
               </a:spcBef>
@@ -1086,9 +1131,6 @@
               </a:spcAft>
               <a:buNone/>
             </a:pPr>
-            <a:r>
-              <a:t/>
-            </a:r>
             <a:endParaRPr/>
           </a:p>
         </p:txBody>
@@ -1102,11 +1144,11 @@
 </file>
 
 <file path=ppt/notesSlides/notesSlide3.xml><?xml version="1.0" encoding="utf-8"?>
-<p:notes xmlns:a="http://schemas.openxmlformats.org/drawingml/2006/main" xmlns:r="http://schemas.openxmlformats.org/officeDocument/2006/relationships" xmlns:mc="http://schemas.openxmlformats.org/markup-compatibility/2006" xmlns:mv="urn:schemas-microsoft-com:mac:vml" xmlns:p="http://schemas.openxmlformats.org/presentationml/2006/main" xmlns:c="http://schemas.openxmlformats.org/drawingml/2006/chart" xmlns:dgm="http://schemas.openxmlformats.org/drawingml/2006/diagram" xmlns:o="urn:schemas-microsoft-com:office:office" xmlns:v="urn:schemas-microsoft-com:vml" xmlns:pvml="urn:schemas-microsoft-com:office:powerpoint" xmlns:com="http://schemas.openxmlformats.org/drawingml/2006/compatibility" xmlns:p14="http://schemas.microsoft.com/office/powerpoint/2010/main" xmlns:p15="http://schemas.microsoft.com/office/powerpoint/2012/main" xmlns:ahyp="http://schemas.microsoft.com/office/drawing/2018/hyperlinkcolor" showMasterPhAnim="0" showMasterSp="0">
+<p:notes xmlns:a="http://schemas.openxmlformats.org/drawingml/2006/main" xmlns:r="http://schemas.openxmlformats.org/officeDocument/2006/relationships" xmlns:p="http://schemas.openxmlformats.org/presentationml/2006/main" showMasterSp="0" showMasterPhAnim="0">
   <p:cSld>
     <p:spTree>
       <p:nvGrpSpPr>
-        <p:cNvPr id="136" name="Shape 136"/>
+        <p:cNvPr id="1" name="Shape 136"/>
         <p:cNvGrpSpPr/>
         <p:nvPr/>
       </p:nvGrpSpPr>
@@ -1121,9 +1163,11 @@
       <p:sp>
         <p:nvSpPr>
           <p:cNvPr id="137" name="Google Shape;137;gd58e29161e_0_140:notes"/>
-          <p:cNvSpPr/>
+          <p:cNvSpPr>
+            <a:spLocks noGrp="1" noRot="1" noChangeAspect="1"/>
+          </p:cNvSpPr>
           <p:nvPr>
-            <p:ph idx="2" type="sldImg"/>
+            <p:ph type="sldImg" idx="2"/>
           </p:nvPr>
         </p:nvSpPr>
         <p:spPr>
@@ -1132,9 +1176,13 @@
             <a:ext cx="6096000" cy="3429000"/>
           </a:xfrm>
           <a:custGeom>
-            <a:rect b="b" l="l" r="r" t="t"/>
+            <a:avLst/>
+            <a:gdLst/>
+            <a:ahLst/>
+            <a:cxnLst/>
+            <a:rect l="l" t="t" r="r" b="b"/>
             <a:pathLst>
-              <a:path extrusionOk="0" h="120000" w="120000">
+              <a:path w="120000" h="120000" extrusionOk="0">
                 <a:moveTo>
                   <a:pt x="0" y="0"/>
                 </a:moveTo>
@@ -1156,9 +1204,11 @@
       <p:sp>
         <p:nvSpPr>
           <p:cNvPr id="138" name="Google Shape;138;gd58e29161e_0_140:notes"/>
-          <p:cNvSpPr txBox="1"/>
+          <p:cNvSpPr txBox="1">
+            <a:spLocks noGrp="1"/>
+          </p:cNvSpPr>
           <p:nvPr>
-            <p:ph idx="1" type="body"/>
+            <p:ph type="body" idx="1"/>
           </p:nvPr>
         </p:nvSpPr>
         <p:spPr>
@@ -1171,12 +1221,12 @@
           </a:prstGeom>
         </p:spPr>
         <p:txBody>
-          <a:bodyPr anchorCtr="0" anchor="t" bIns="91425" lIns="91425" spcFirstLastPara="1" rIns="91425" wrap="square" tIns="91425">
+          <a:bodyPr spcFirstLastPara="1" wrap="square" lIns="91425" tIns="91425" rIns="91425" bIns="91425" anchor="t" anchorCtr="0">
             <a:noAutofit/>
           </a:bodyPr>
           <a:lstStyle/>
           <a:p>
-            <a:pPr indent="0" lvl="0" marL="0" rtl="0" algn="l">
+            <a:pPr marL="0" lvl="0" indent="0" algn="l" rtl="0">
               <a:spcBef>
                 <a:spcPts val="0"/>
               </a:spcBef>
@@ -1185,9 +1235,6 @@
               </a:spcAft>
               <a:buNone/>
             </a:pPr>
-            <a:r>
-              <a:t/>
-            </a:r>
             <a:endParaRPr/>
           </a:p>
         </p:txBody>
@@ -1201,11 +1248,11 @@
 </file>
 
 <file path=ppt/notesSlides/notesSlide4.xml><?xml version="1.0" encoding="utf-8"?>
-<p:notes xmlns:a="http://schemas.openxmlformats.org/drawingml/2006/main" xmlns:r="http://schemas.openxmlformats.org/officeDocument/2006/relationships" xmlns:mc="http://schemas.openxmlformats.org/markup-compatibility/2006" xmlns:mv="urn:schemas-microsoft-com:mac:vml" xmlns:p="http://schemas.openxmlformats.org/presentationml/2006/main" xmlns:c="http://schemas.openxmlformats.org/drawingml/2006/chart" xmlns:dgm="http://schemas.openxmlformats.org/drawingml/2006/diagram" xmlns:o="urn:schemas-microsoft-com:office:office" xmlns:v="urn:schemas-microsoft-com:vml" xmlns:pvml="urn:schemas-microsoft-com:office:powerpoint" xmlns:com="http://schemas.openxmlformats.org/drawingml/2006/compatibility" xmlns:p14="http://schemas.microsoft.com/office/powerpoint/2010/main" xmlns:p15="http://schemas.microsoft.com/office/powerpoint/2012/main" xmlns:ahyp="http://schemas.microsoft.com/office/drawing/2018/hyperlinkcolor" showMasterPhAnim="0" showMasterSp="0">
+<p:notes xmlns:a="http://schemas.openxmlformats.org/drawingml/2006/main" xmlns:r="http://schemas.openxmlformats.org/officeDocument/2006/relationships" xmlns:p="http://schemas.openxmlformats.org/presentationml/2006/main" showMasterSp="0" showMasterPhAnim="0">
   <p:cSld>
     <p:spTree>
       <p:nvGrpSpPr>
-        <p:cNvPr id="142" name="Shape 142"/>
+        <p:cNvPr id="1" name="Shape 142"/>
         <p:cNvGrpSpPr/>
         <p:nvPr/>
       </p:nvGrpSpPr>
@@ -1220,9 +1267,11 @@
       <p:sp>
         <p:nvSpPr>
           <p:cNvPr id="143" name="Google Shape;143;gd58e29161e_0_145:notes"/>
-          <p:cNvSpPr/>
+          <p:cNvSpPr>
+            <a:spLocks noGrp="1" noRot="1" noChangeAspect="1"/>
+          </p:cNvSpPr>
           <p:nvPr>
-            <p:ph idx="2" type="sldImg"/>
+            <p:ph type="sldImg" idx="2"/>
           </p:nvPr>
         </p:nvSpPr>
         <p:spPr>
@@ -1231,9 +1280,13 @@
             <a:ext cx="6096000" cy="3429000"/>
           </a:xfrm>
           <a:custGeom>
-            <a:rect b="b" l="l" r="r" t="t"/>
+            <a:avLst/>
+            <a:gdLst/>
+            <a:ahLst/>
+            <a:cxnLst/>
+            <a:rect l="l" t="t" r="r" b="b"/>
             <a:pathLst>
-              <a:path extrusionOk="0" h="120000" w="120000">
+              <a:path w="120000" h="120000" extrusionOk="0">
                 <a:moveTo>
                   <a:pt x="0" y="0"/>
                 </a:moveTo>
@@ -1255,9 +1308,11 @@
       <p:sp>
         <p:nvSpPr>
           <p:cNvPr id="144" name="Google Shape;144;gd58e29161e_0_145:notes"/>
-          <p:cNvSpPr txBox="1"/>
+          <p:cNvSpPr txBox="1">
+            <a:spLocks noGrp="1"/>
+          </p:cNvSpPr>
           <p:nvPr>
-            <p:ph idx="1" type="body"/>
+            <p:ph type="body" idx="1"/>
           </p:nvPr>
         </p:nvSpPr>
         <p:spPr>
@@ -1270,12 +1325,12 @@
           </a:prstGeom>
         </p:spPr>
         <p:txBody>
-          <a:bodyPr anchorCtr="0" anchor="t" bIns="91425" lIns="91425" spcFirstLastPara="1" rIns="91425" wrap="square" tIns="91425">
+          <a:bodyPr spcFirstLastPara="1" wrap="square" lIns="91425" tIns="91425" rIns="91425" bIns="91425" anchor="t" anchorCtr="0">
             <a:noAutofit/>
           </a:bodyPr>
           <a:lstStyle/>
           <a:p>
-            <a:pPr indent="0" lvl="0" marL="0" rtl="0" algn="l">
+            <a:pPr marL="0" lvl="0" indent="0" algn="l" rtl="0">
               <a:spcBef>
                 <a:spcPts val="0"/>
               </a:spcBef>
@@ -1284,9 +1339,6 @@
               </a:spcAft>
               <a:buNone/>
             </a:pPr>
-            <a:r>
-              <a:t/>
-            </a:r>
             <a:endParaRPr/>
           </a:p>
         </p:txBody>
@@ -1300,11 +1352,11 @@
 </file>
 
 <file path=ppt/notesSlides/notesSlide5.xml><?xml version="1.0" encoding="utf-8"?>
-<p:notes xmlns:a="http://schemas.openxmlformats.org/drawingml/2006/main" xmlns:r="http://schemas.openxmlformats.org/officeDocument/2006/relationships" xmlns:mc="http://schemas.openxmlformats.org/markup-compatibility/2006" xmlns:mv="urn:schemas-microsoft-com:mac:vml" xmlns:p="http://schemas.openxmlformats.org/presentationml/2006/main" xmlns:c="http://schemas.openxmlformats.org/drawingml/2006/chart" xmlns:dgm="http://schemas.openxmlformats.org/drawingml/2006/diagram" xmlns:o="urn:schemas-microsoft-com:office:office" xmlns:v="urn:schemas-microsoft-com:vml" xmlns:pvml="urn:schemas-microsoft-com:office:powerpoint" xmlns:com="http://schemas.openxmlformats.org/drawingml/2006/compatibility" xmlns:p14="http://schemas.microsoft.com/office/powerpoint/2010/main" xmlns:p15="http://schemas.microsoft.com/office/powerpoint/2012/main" xmlns:ahyp="http://schemas.microsoft.com/office/drawing/2018/hyperlinkcolor" showMasterPhAnim="0" showMasterSp="0">
+<p:notes xmlns:a="http://schemas.openxmlformats.org/drawingml/2006/main" xmlns:r="http://schemas.openxmlformats.org/officeDocument/2006/relationships" xmlns:p="http://schemas.openxmlformats.org/presentationml/2006/main" showMasterSp="0" showMasterPhAnim="0">
   <p:cSld>
     <p:spTree>
       <p:nvGrpSpPr>
-        <p:cNvPr id="148" name="Shape 148"/>
+        <p:cNvPr id="1" name="Shape 148"/>
         <p:cNvGrpSpPr/>
         <p:nvPr/>
       </p:nvGrpSpPr>
@@ -1319,9 +1371,11 @@
       <p:sp>
         <p:nvSpPr>
           <p:cNvPr id="149" name="Google Shape;149;gd58e29161e_0_150:notes"/>
-          <p:cNvSpPr/>
+          <p:cNvSpPr>
+            <a:spLocks noGrp="1" noRot="1" noChangeAspect="1"/>
+          </p:cNvSpPr>
           <p:nvPr>
-            <p:ph idx="2" type="sldImg"/>
+            <p:ph type="sldImg" idx="2"/>
           </p:nvPr>
         </p:nvSpPr>
         <p:spPr>
@@ -1330,9 +1384,13 @@
             <a:ext cx="6096000" cy="3429000"/>
           </a:xfrm>
           <a:custGeom>
-            <a:rect b="b" l="l" r="r" t="t"/>
+            <a:avLst/>
+            <a:gdLst/>
+            <a:ahLst/>
+            <a:cxnLst/>
+            <a:rect l="l" t="t" r="r" b="b"/>
             <a:pathLst>
-              <a:path extrusionOk="0" h="120000" w="120000">
+              <a:path w="120000" h="120000" extrusionOk="0">
                 <a:moveTo>
                   <a:pt x="0" y="0"/>
                 </a:moveTo>
@@ -1354,9 +1412,11 @@
       <p:sp>
         <p:nvSpPr>
           <p:cNvPr id="150" name="Google Shape;150;gd58e29161e_0_150:notes"/>
-          <p:cNvSpPr txBox="1"/>
+          <p:cNvSpPr txBox="1">
+            <a:spLocks noGrp="1"/>
+          </p:cNvSpPr>
           <p:nvPr>
-            <p:ph idx="1" type="body"/>
+            <p:ph type="body" idx="1"/>
           </p:nvPr>
         </p:nvSpPr>
         <p:spPr>
@@ -1369,12 +1429,12 @@
           </a:prstGeom>
         </p:spPr>
         <p:txBody>
-          <a:bodyPr anchorCtr="0" anchor="t" bIns="91425" lIns="91425" spcFirstLastPara="1" rIns="91425" wrap="square" tIns="91425">
+          <a:bodyPr spcFirstLastPara="1" wrap="square" lIns="91425" tIns="91425" rIns="91425" bIns="91425" anchor="t" anchorCtr="0">
             <a:noAutofit/>
           </a:bodyPr>
           <a:lstStyle/>
           <a:p>
-            <a:pPr indent="0" lvl="0" marL="0" rtl="0" algn="l">
+            <a:pPr marL="0" lvl="0" indent="0" algn="l" rtl="0">
               <a:spcBef>
                 <a:spcPts val="0"/>
               </a:spcBef>
@@ -1383,9 +1443,6 @@
               </a:spcAft>
               <a:buNone/>
             </a:pPr>
-            <a:r>
-              <a:t/>
-            </a:r>
             <a:endParaRPr/>
           </a:p>
         </p:txBody>
@@ -1399,11 +1456,11 @@
 </file>
 
 <file path=ppt/notesSlides/notesSlide6.xml><?xml version="1.0" encoding="utf-8"?>
-<p:notes xmlns:a="http://schemas.openxmlformats.org/drawingml/2006/main" xmlns:r="http://schemas.openxmlformats.org/officeDocument/2006/relationships" xmlns:mc="http://schemas.openxmlformats.org/markup-compatibility/2006" xmlns:mv="urn:schemas-microsoft-com:mac:vml" xmlns:p="http://schemas.openxmlformats.org/presentationml/2006/main" xmlns:c="http://schemas.openxmlformats.org/drawingml/2006/chart" xmlns:dgm="http://schemas.openxmlformats.org/drawingml/2006/diagram" xmlns:o="urn:schemas-microsoft-com:office:office" xmlns:v="urn:schemas-microsoft-com:vml" xmlns:pvml="urn:schemas-microsoft-com:office:powerpoint" xmlns:com="http://schemas.openxmlformats.org/drawingml/2006/compatibility" xmlns:p14="http://schemas.microsoft.com/office/powerpoint/2010/main" xmlns:p15="http://schemas.microsoft.com/office/powerpoint/2012/main" xmlns:ahyp="http://schemas.microsoft.com/office/drawing/2018/hyperlinkcolor" showMasterPhAnim="0" showMasterSp="0">
+<p:notes xmlns:a="http://schemas.openxmlformats.org/drawingml/2006/main" xmlns:r="http://schemas.openxmlformats.org/officeDocument/2006/relationships" xmlns:p="http://schemas.openxmlformats.org/presentationml/2006/main" showMasterSp="0" showMasterPhAnim="0">
   <p:cSld>
     <p:spTree>
       <p:nvGrpSpPr>
-        <p:cNvPr id="154" name="Shape 154"/>
+        <p:cNvPr id="1" name="Shape 154"/>
         <p:cNvGrpSpPr/>
         <p:nvPr/>
       </p:nvGrpSpPr>
@@ -1418,9 +1475,11 @@
       <p:sp>
         <p:nvSpPr>
           <p:cNvPr id="155" name="Google Shape;155;gd58e29161e_0_155:notes"/>
-          <p:cNvSpPr/>
+          <p:cNvSpPr>
+            <a:spLocks noGrp="1" noRot="1" noChangeAspect="1"/>
+          </p:cNvSpPr>
           <p:nvPr>
-            <p:ph idx="2" type="sldImg"/>
+            <p:ph type="sldImg" idx="2"/>
           </p:nvPr>
         </p:nvSpPr>
         <p:spPr>
@@ -1429,9 +1488,13 @@
             <a:ext cx="6096000" cy="3429000"/>
           </a:xfrm>
           <a:custGeom>
-            <a:rect b="b" l="l" r="r" t="t"/>
+            <a:avLst/>
+            <a:gdLst/>
+            <a:ahLst/>
+            <a:cxnLst/>
+            <a:rect l="l" t="t" r="r" b="b"/>
             <a:pathLst>
-              <a:path extrusionOk="0" h="120000" w="120000">
+              <a:path w="120000" h="120000" extrusionOk="0">
                 <a:moveTo>
                   <a:pt x="0" y="0"/>
                 </a:moveTo>
@@ -1453,9 +1516,11 @@
       <p:sp>
         <p:nvSpPr>
           <p:cNvPr id="156" name="Google Shape;156;gd58e29161e_0_155:notes"/>
-          <p:cNvSpPr txBox="1"/>
+          <p:cNvSpPr txBox="1">
+            <a:spLocks noGrp="1"/>
+          </p:cNvSpPr>
           <p:nvPr>
-            <p:ph idx="1" type="body"/>
+            <p:ph type="body" idx="1"/>
           </p:nvPr>
         </p:nvSpPr>
         <p:spPr>
@@ -1468,12 +1533,12 @@
           </a:prstGeom>
         </p:spPr>
         <p:txBody>
-          <a:bodyPr anchorCtr="0" anchor="t" bIns="91425" lIns="91425" spcFirstLastPara="1" rIns="91425" wrap="square" tIns="91425">
+          <a:bodyPr spcFirstLastPara="1" wrap="square" lIns="91425" tIns="91425" rIns="91425" bIns="91425" anchor="t" anchorCtr="0">
             <a:noAutofit/>
           </a:bodyPr>
           <a:lstStyle/>
           <a:p>
-            <a:pPr indent="0" lvl="0" marL="0" rtl="0" algn="l">
+            <a:pPr marL="0" lvl="0" indent="0" algn="l" rtl="0">
               <a:spcBef>
                 <a:spcPts val="0"/>
               </a:spcBef>
@@ -1482,9 +1547,6 @@
               </a:spcAft>
               <a:buNone/>
             </a:pPr>
-            <a:r>
-              <a:t/>
-            </a:r>
             <a:endParaRPr/>
           </a:p>
         </p:txBody>
@@ -1498,11 +1560,11 @@
 </file>
 
 <file path=ppt/notesSlides/notesSlide7.xml><?xml version="1.0" encoding="utf-8"?>
-<p:notes xmlns:a="http://schemas.openxmlformats.org/drawingml/2006/main" xmlns:r="http://schemas.openxmlformats.org/officeDocument/2006/relationships" xmlns:mc="http://schemas.openxmlformats.org/markup-compatibility/2006" xmlns:mv="urn:schemas-microsoft-com:mac:vml" xmlns:p="http://schemas.openxmlformats.org/presentationml/2006/main" xmlns:c="http://schemas.openxmlformats.org/drawingml/2006/chart" xmlns:dgm="http://schemas.openxmlformats.org/drawingml/2006/diagram" xmlns:o="urn:schemas-microsoft-com:office:office" xmlns:v="urn:schemas-microsoft-com:vml" xmlns:pvml="urn:schemas-microsoft-com:office:powerpoint" xmlns:com="http://schemas.openxmlformats.org/drawingml/2006/compatibility" xmlns:p14="http://schemas.microsoft.com/office/powerpoint/2010/main" xmlns:p15="http://schemas.microsoft.com/office/powerpoint/2012/main" xmlns:ahyp="http://schemas.microsoft.com/office/drawing/2018/hyperlinkcolor" showMasterPhAnim="0" showMasterSp="0">
+<p:notes xmlns:a="http://schemas.openxmlformats.org/drawingml/2006/main" xmlns:r="http://schemas.openxmlformats.org/officeDocument/2006/relationships" xmlns:p="http://schemas.openxmlformats.org/presentationml/2006/main" showMasterSp="0" showMasterPhAnim="0">
   <p:cSld>
     <p:spTree>
       <p:nvGrpSpPr>
-        <p:cNvPr id="160" name="Shape 160"/>
+        <p:cNvPr id="1" name="Shape 160"/>
         <p:cNvGrpSpPr/>
         <p:nvPr/>
       </p:nvGrpSpPr>
@@ -1517,9 +1579,11 @@
       <p:sp>
         <p:nvSpPr>
           <p:cNvPr id="161" name="Google Shape;161;gd58e29161e_0_124:notes"/>
-          <p:cNvSpPr/>
+          <p:cNvSpPr>
+            <a:spLocks noGrp="1" noRot="1" noChangeAspect="1"/>
+          </p:cNvSpPr>
           <p:nvPr>
-            <p:ph idx="2" type="sldImg"/>
+            <p:ph type="sldImg" idx="2"/>
           </p:nvPr>
         </p:nvSpPr>
         <p:spPr>
@@ -1528,9 +1592,13 @@
             <a:ext cx="6096000" cy="3429000"/>
           </a:xfrm>
           <a:custGeom>
-            <a:rect b="b" l="l" r="r" t="t"/>
+            <a:avLst/>
+            <a:gdLst/>
+            <a:ahLst/>
+            <a:cxnLst/>
+            <a:rect l="l" t="t" r="r" b="b"/>
             <a:pathLst>
-              <a:path extrusionOk="0" h="120000" w="120000">
+              <a:path w="120000" h="120000" extrusionOk="0">
                 <a:moveTo>
                   <a:pt x="0" y="0"/>
                 </a:moveTo>
@@ -1552,9 +1620,11 @@
       <p:sp>
         <p:nvSpPr>
           <p:cNvPr id="162" name="Google Shape;162;gd58e29161e_0_124:notes"/>
-          <p:cNvSpPr txBox="1"/>
+          <p:cNvSpPr txBox="1">
+            <a:spLocks noGrp="1"/>
+          </p:cNvSpPr>
           <p:nvPr>
-            <p:ph idx="1" type="body"/>
+            <p:ph type="body" idx="1"/>
           </p:nvPr>
         </p:nvSpPr>
         <p:spPr>
@@ -1567,12 +1637,12 @@
           </a:prstGeom>
         </p:spPr>
         <p:txBody>
-          <a:bodyPr anchorCtr="0" anchor="t" bIns="91425" lIns="91425" spcFirstLastPara="1" rIns="91425" wrap="square" tIns="91425">
+          <a:bodyPr spcFirstLastPara="1" wrap="square" lIns="91425" tIns="91425" rIns="91425" bIns="91425" anchor="t" anchorCtr="0">
             <a:noAutofit/>
           </a:bodyPr>
           <a:lstStyle/>
           <a:p>
-            <a:pPr indent="0" lvl="0" marL="0" rtl="0" algn="l">
+            <a:pPr marL="0" lvl="0" indent="0" algn="l" rtl="0">
               <a:spcBef>
                 <a:spcPts val="0"/>
               </a:spcBef>
@@ -1581,9 +1651,6 @@
               </a:spcAft>
               <a:buNone/>
             </a:pPr>
-            <a:r>
-              <a:t/>
-            </a:r>
             <a:endParaRPr/>
           </a:p>
         </p:txBody>
@@ -1597,11 +1664,11 @@
 </file>
 
 <file path=ppt/notesSlides/notesSlide8.xml><?xml version="1.0" encoding="utf-8"?>
-<p:notes xmlns:a="http://schemas.openxmlformats.org/drawingml/2006/main" xmlns:r="http://schemas.openxmlformats.org/officeDocument/2006/relationships" xmlns:mc="http://schemas.openxmlformats.org/markup-compatibility/2006" xmlns:mv="urn:schemas-microsoft-com:mac:vml" xmlns:p="http://schemas.openxmlformats.org/presentationml/2006/main" xmlns:c="http://schemas.openxmlformats.org/drawingml/2006/chart" xmlns:dgm="http://schemas.openxmlformats.org/drawingml/2006/diagram" xmlns:o="urn:schemas-microsoft-com:office:office" xmlns:v="urn:schemas-microsoft-com:vml" xmlns:pvml="urn:schemas-microsoft-com:office:powerpoint" xmlns:com="http://schemas.openxmlformats.org/drawingml/2006/compatibility" xmlns:p14="http://schemas.microsoft.com/office/powerpoint/2010/main" xmlns:p15="http://schemas.microsoft.com/office/powerpoint/2012/main" xmlns:ahyp="http://schemas.microsoft.com/office/drawing/2018/hyperlinkcolor" showMasterPhAnim="0" showMasterSp="0">
+<p:notes xmlns:a="http://schemas.openxmlformats.org/drawingml/2006/main" xmlns:r="http://schemas.openxmlformats.org/officeDocument/2006/relationships" xmlns:p="http://schemas.openxmlformats.org/presentationml/2006/main" showMasterSp="0" showMasterPhAnim="0">
   <p:cSld>
     <p:spTree>
       <p:nvGrpSpPr>
-        <p:cNvPr id="166" name="Shape 166"/>
+        <p:cNvPr id="1" name="Shape 166"/>
         <p:cNvGrpSpPr/>
         <p:nvPr/>
       </p:nvGrpSpPr>
@@ -1616,9 +1683,11 @@
       <p:sp>
         <p:nvSpPr>
           <p:cNvPr id="167" name="Google Shape;167;gd58e29161e_0_129:notes"/>
-          <p:cNvSpPr/>
+          <p:cNvSpPr>
+            <a:spLocks noGrp="1" noRot="1" noChangeAspect="1"/>
+          </p:cNvSpPr>
           <p:nvPr>
-            <p:ph idx="2" type="sldImg"/>
+            <p:ph type="sldImg" idx="2"/>
           </p:nvPr>
         </p:nvSpPr>
         <p:spPr>
@@ -1627,9 +1696,13 @@
             <a:ext cx="6096000" cy="3429000"/>
           </a:xfrm>
           <a:custGeom>
-            <a:rect b="b" l="l" r="r" t="t"/>
+            <a:avLst/>
+            <a:gdLst/>
+            <a:ahLst/>
+            <a:cxnLst/>
+            <a:rect l="l" t="t" r="r" b="b"/>
             <a:pathLst>
-              <a:path extrusionOk="0" h="120000" w="120000">
+              <a:path w="120000" h="120000" extrusionOk="0">
                 <a:moveTo>
                   <a:pt x="0" y="0"/>
                 </a:moveTo>
@@ -1651,9 +1724,11 @@
       <p:sp>
         <p:nvSpPr>
           <p:cNvPr id="168" name="Google Shape;168;gd58e29161e_0_129:notes"/>
-          <p:cNvSpPr txBox="1"/>
+          <p:cNvSpPr txBox="1">
+            <a:spLocks noGrp="1"/>
+          </p:cNvSpPr>
           <p:nvPr>
-            <p:ph idx="1" type="body"/>
+            <p:ph type="body" idx="1"/>
           </p:nvPr>
         </p:nvSpPr>
         <p:spPr>
@@ -1666,12 +1741,12 @@
           </a:prstGeom>
         </p:spPr>
         <p:txBody>
-          <a:bodyPr anchorCtr="0" anchor="t" bIns="91425" lIns="91425" spcFirstLastPara="1" rIns="91425" wrap="square" tIns="91425">
+          <a:bodyPr spcFirstLastPara="1" wrap="square" lIns="91425" tIns="91425" rIns="91425" bIns="91425" anchor="t" anchorCtr="0">
             <a:noAutofit/>
           </a:bodyPr>
           <a:lstStyle/>
           <a:p>
-            <a:pPr indent="0" lvl="0" marL="0" rtl="0" algn="l">
+            <a:pPr marL="0" lvl="0" indent="0" algn="l" rtl="0">
               <a:spcBef>
                 <a:spcPts val="0"/>
               </a:spcBef>
@@ -1680,9 +1755,6 @@
               </a:spcAft>
               <a:buNone/>
             </a:pPr>
-            <a:r>
-              <a:t/>
-            </a:r>
             <a:endParaRPr/>
           </a:p>
         </p:txBody>
@@ -1696,11 +1768,11 @@
 </file>
 
 <file path=ppt/notesSlides/notesSlide9.xml><?xml version="1.0" encoding="utf-8"?>
-<p:notes xmlns:a="http://schemas.openxmlformats.org/drawingml/2006/main" xmlns:r="http://schemas.openxmlformats.org/officeDocument/2006/relationships" xmlns:mc="http://schemas.openxmlformats.org/markup-compatibility/2006" xmlns:mv="urn:schemas-microsoft-com:mac:vml" xmlns:p="http://schemas.openxmlformats.org/presentationml/2006/main" xmlns:c="http://schemas.openxmlformats.org/drawingml/2006/chart" xmlns:dgm="http://schemas.openxmlformats.org/drawingml/2006/diagram" xmlns:o="urn:schemas-microsoft-com:office:office" xmlns:v="urn:schemas-microsoft-com:vml" xmlns:pvml="urn:schemas-microsoft-com:office:powerpoint" xmlns:com="http://schemas.openxmlformats.org/drawingml/2006/compatibility" xmlns:p14="http://schemas.microsoft.com/office/powerpoint/2010/main" xmlns:p15="http://schemas.microsoft.com/office/powerpoint/2012/main" xmlns:ahyp="http://schemas.microsoft.com/office/drawing/2018/hyperlinkcolor" showMasterPhAnim="0" showMasterSp="0">
+<p:notes xmlns:a="http://schemas.openxmlformats.org/drawingml/2006/main" xmlns:r="http://schemas.openxmlformats.org/officeDocument/2006/relationships" xmlns:p="http://schemas.openxmlformats.org/presentationml/2006/main" showMasterSp="0" showMasterPhAnim="0">
   <p:cSld>
     <p:spTree>
       <p:nvGrpSpPr>
-        <p:cNvPr id="172" name="Shape 172"/>
+        <p:cNvPr id="1" name="Shape 172"/>
         <p:cNvGrpSpPr/>
         <p:nvPr/>
       </p:nvGrpSpPr>
@@ -1715,20 +1787,26 @@
       <p:sp>
         <p:nvSpPr>
           <p:cNvPr id="173" name="Google Shape;173;gd58e29161e_0_170:notes"/>
-          <p:cNvSpPr/>
+          <p:cNvSpPr>
+            <a:spLocks noGrp="1" noRot="1" noChangeAspect="1"/>
+          </p:cNvSpPr>
           <p:nvPr>
-            <p:ph idx="2" type="sldImg"/>
+            <p:ph type="sldImg" idx="2"/>
           </p:nvPr>
         </p:nvSpPr>
         <p:spPr>
           <a:xfrm>
-            <a:off x="381300" y="685800"/>
+            <a:off x="381000" y="685800"/>
             <a:ext cx="6096000" cy="3429000"/>
           </a:xfrm>
           <a:custGeom>
-            <a:rect b="b" l="l" r="r" t="t"/>
+            <a:avLst/>
+            <a:gdLst/>
+            <a:ahLst/>
+            <a:cxnLst/>
+            <a:rect l="l" t="t" r="r" b="b"/>
             <a:pathLst>
-              <a:path extrusionOk="0" h="120000" w="120000">
+              <a:path w="120000" h="120000" extrusionOk="0">
                 <a:moveTo>
                   <a:pt x="0" y="0"/>
                 </a:moveTo>
@@ -1750,9 +1828,11 @@
       <p:sp>
         <p:nvSpPr>
           <p:cNvPr id="174" name="Google Shape;174;gd58e29161e_0_170:notes"/>
-          <p:cNvSpPr txBox="1"/>
+          <p:cNvSpPr txBox="1">
+            <a:spLocks noGrp="1"/>
+          </p:cNvSpPr>
           <p:nvPr>
-            <p:ph idx="1" type="body"/>
+            <p:ph type="body" idx="1"/>
           </p:nvPr>
         </p:nvSpPr>
         <p:spPr>
@@ -1765,12 +1845,12 @@
           </a:prstGeom>
         </p:spPr>
         <p:txBody>
-          <a:bodyPr anchorCtr="0" anchor="t" bIns="91425" lIns="91425" spcFirstLastPara="1" rIns="91425" wrap="square" tIns="91425">
+          <a:bodyPr spcFirstLastPara="1" wrap="square" lIns="91425" tIns="91425" rIns="91425" bIns="91425" anchor="t" anchorCtr="0">
             <a:noAutofit/>
           </a:bodyPr>
           <a:lstStyle/>
           <a:p>
-            <a:pPr indent="0" lvl="0" marL="0" rtl="0" algn="l">
+            <a:pPr marL="0" lvl="0" indent="0" algn="l" rtl="0">
               <a:spcBef>
                 <a:spcPts val="0"/>
               </a:spcBef>
@@ -1779,9 +1859,6 @@
               </a:spcAft>
               <a:buNone/>
             </a:pPr>
-            <a:r>
-              <a:t/>
-            </a:r>
             <a:endParaRPr/>
           </a:p>
         </p:txBody>
@@ -1795,18 +1872,19 @@
 </file>
 
 <file path=ppt/slideLayouts/slideLayout1.xml><?xml version="1.0" encoding="utf-8"?>
-<p:sldLayout xmlns:a="http://schemas.openxmlformats.org/drawingml/2006/main" xmlns:r="http://schemas.openxmlformats.org/officeDocument/2006/relationships" xmlns:mc="http://schemas.openxmlformats.org/markup-compatibility/2006" xmlns:mv="urn:schemas-microsoft-com:mac:vml" xmlns:p="http://schemas.openxmlformats.org/presentationml/2006/main" xmlns:c="http://schemas.openxmlformats.org/drawingml/2006/chart" xmlns:dgm="http://schemas.openxmlformats.org/drawingml/2006/diagram" xmlns:o="urn:schemas-microsoft-com:office:office" xmlns:v="urn:schemas-microsoft-com:vml" xmlns:pvml="urn:schemas-microsoft-com:office:powerpoint" xmlns:com="http://schemas.openxmlformats.org/drawingml/2006/compatibility" xmlns:p14="http://schemas.microsoft.com/office/powerpoint/2010/main" xmlns:p15="http://schemas.microsoft.com/office/powerpoint/2012/main" xmlns:ahyp="http://schemas.microsoft.com/office/drawing/2018/hyperlinkcolor" matchingName="Title slide" type="title">
+<p:sldLayout xmlns:a="http://schemas.openxmlformats.org/drawingml/2006/main" xmlns:r="http://schemas.openxmlformats.org/officeDocument/2006/relationships" xmlns:p="http://schemas.openxmlformats.org/presentationml/2006/main" matchingName="Title slide" type="title">
   <p:cSld name="TITLE">
     <p:bg>
       <p:bgPr>
         <a:solidFill>
           <a:schemeClr val="accent6"/>
         </a:solidFill>
+        <a:effectLst/>
       </p:bgPr>
     </p:bg>
     <p:spTree>
       <p:nvGrpSpPr>
-        <p:cNvPr id="9" name="Shape 9"/>
+        <p:cNvPr id="1" name="Shape 9"/>
         <p:cNvGrpSpPr/>
         <p:nvPr/>
       </p:nvGrpSpPr>
@@ -1840,12 +1918,12 @@
           </a:ln>
         </p:spPr>
         <p:txBody>
-          <a:bodyPr anchorCtr="0" anchor="ctr" bIns="91425" lIns="91425" spcFirstLastPara="1" rIns="91425" wrap="square" tIns="91425">
+          <a:bodyPr spcFirstLastPara="1" wrap="square" lIns="91425" tIns="91425" rIns="91425" bIns="91425" anchor="ctr" anchorCtr="0">
             <a:noAutofit/>
           </a:bodyPr>
           <a:lstStyle/>
           <a:p>
-            <a:pPr indent="0" lvl="0" marL="0" rtl="0" algn="l">
+            <a:pPr marL="0" lvl="0" indent="0" algn="l" rtl="0">
               <a:spcBef>
                 <a:spcPts val="0"/>
               </a:spcBef>
@@ -1854,9 +1932,6 @@
               </a:spcAft>
               <a:buNone/>
             </a:pPr>
-            <a:r>
-              <a:t/>
-            </a:r>
             <a:endParaRPr/>
           </a:p>
         </p:txBody>
@@ -1883,12 +1958,12 @@
           </a:ln>
         </p:spPr>
         <p:txBody>
-          <a:bodyPr anchorCtr="0" anchor="ctr" bIns="91425" lIns="91425" spcFirstLastPara="1" rIns="91425" wrap="square" tIns="91425">
+          <a:bodyPr spcFirstLastPara="1" wrap="square" lIns="91425" tIns="91425" rIns="91425" bIns="91425" anchor="ctr" anchorCtr="0">
             <a:noAutofit/>
           </a:bodyPr>
           <a:lstStyle/>
           <a:p>
-            <a:pPr indent="0" lvl="0" marL="0" rtl="0" algn="l">
+            <a:pPr marL="0" lvl="0" indent="0" algn="l" rtl="0">
               <a:spcBef>
                 <a:spcPts val="0"/>
               </a:spcBef>
@@ -1897,9 +1972,6 @@
               </a:spcAft>
               <a:buNone/>
             </a:pPr>
-            <a:r>
-              <a:t/>
-            </a:r>
             <a:endParaRPr/>
           </a:p>
         </p:txBody>
@@ -1926,12 +1998,12 @@
           </a:ln>
         </p:spPr>
         <p:txBody>
-          <a:bodyPr anchorCtr="0" anchor="ctr" bIns="91425" lIns="91425" spcFirstLastPara="1" rIns="91425" wrap="square" tIns="91425">
+          <a:bodyPr spcFirstLastPara="1" wrap="square" lIns="91425" tIns="91425" rIns="91425" bIns="91425" anchor="ctr" anchorCtr="0">
             <a:noAutofit/>
           </a:bodyPr>
           <a:lstStyle/>
           <a:p>
-            <a:pPr indent="0" lvl="0" marL="0" rtl="0" algn="l">
+            <a:pPr marL="0" lvl="0" indent="0" algn="l" rtl="0">
               <a:spcBef>
                 <a:spcPts val="0"/>
               </a:spcBef>
@@ -1940,9 +2012,6 @@
               </a:spcAft>
               <a:buNone/>
             </a:pPr>
-            <a:r>
-              <a:t/>
-            </a:r>
             <a:endParaRPr/>
           </a:p>
         </p:txBody>
@@ -1968,7 +2037,7 @@
             <a:noFill/>
           </a:ln>
           <a:effectLst>
-            <a:outerShdw blurRad="228600" sx="101000" rotWithShape="0" algn="ctr" sy="101000">
+            <a:outerShdw blurRad="228600" sx="101000" sy="101000" algn="ctr" rotWithShape="0">
               <a:srgbClr val="000000">
                 <a:alpha val="40000"/>
               </a:srgbClr>
@@ -1976,12 +2045,12 @@
           </a:effectLst>
         </p:spPr>
         <p:txBody>
-          <a:bodyPr anchorCtr="0" anchor="ctr" bIns="91425" lIns="91425" spcFirstLastPara="1" rIns="91425" wrap="square" tIns="91425">
+          <a:bodyPr spcFirstLastPara="1" wrap="square" lIns="91425" tIns="91425" rIns="91425" bIns="91425" anchor="ctr" anchorCtr="0">
             <a:noAutofit/>
           </a:bodyPr>
           <a:lstStyle/>
           <a:p>
-            <a:pPr indent="0" lvl="0" marL="0" rtl="0" algn="l">
+            <a:pPr marL="0" lvl="0" indent="0" algn="l" rtl="0">
               <a:spcBef>
                 <a:spcPts val="0"/>
               </a:spcBef>
@@ -1990,9 +2059,6 @@
               </a:spcAft>
               <a:buNone/>
             </a:pPr>
-            <a:r>
-              <a:t/>
-            </a:r>
             <a:endParaRPr/>
           </a:p>
         </p:txBody>
@@ -2024,7 +2090,7 @@
             </a:xfrm>
             <a:prstGeom prst="parallelogram">
               <a:avLst>
-                <a:gd fmla="val 153193" name="adj"/>
+                <a:gd name="adj" fmla="val 153193"/>
               </a:avLst>
             </a:prstGeom>
             <a:solidFill>
@@ -2035,12 +2101,12 @@
             </a:ln>
           </p:spPr>
           <p:txBody>
-            <a:bodyPr anchorCtr="0" anchor="ctr" bIns="91425" lIns="91425" spcFirstLastPara="1" rIns="91425" wrap="square" tIns="91425">
+            <a:bodyPr spcFirstLastPara="1" wrap="square" lIns="91425" tIns="91425" rIns="91425" bIns="91425" anchor="ctr" anchorCtr="0">
               <a:noAutofit/>
             </a:bodyPr>
             <a:lstStyle/>
             <a:p>
-              <a:pPr indent="0" lvl="0" marL="0" rtl="0" algn="l">
+              <a:pPr marL="0" lvl="0" indent="0" algn="l" rtl="0">
                 <a:spcBef>
                   <a:spcPts val="0"/>
                 </a:spcBef>
@@ -2049,9 +2115,6 @@
                 </a:spcAft>
                 <a:buNone/>
               </a:pPr>
-              <a:r>
-                <a:t/>
-              </a:r>
               <a:endParaRPr/>
             </a:p>
           </p:txBody>
@@ -2069,7 +2132,7 @@
             </a:xfrm>
             <a:prstGeom prst="parallelogram">
               <a:avLst>
-                <a:gd fmla="val 153193" name="adj"/>
+                <a:gd name="adj" fmla="val 153193"/>
               </a:avLst>
             </a:prstGeom>
             <a:solidFill>
@@ -2080,12 +2143,12 @@
             </a:ln>
           </p:spPr>
           <p:txBody>
-            <a:bodyPr anchorCtr="0" anchor="ctr" bIns="91425" lIns="91425" spcFirstLastPara="1" rIns="91425" wrap="square" tIns="91425">
+            <a:bodyPr spcFirstLastPara="1" wrap="square" lIns="91425" tIns="91425" rIns="91425" bIns="91425" anchor="ctr" anchorCtr="0">
               <a:noAutofit/>
             </a:bodyPr>
             <a:lstStyle/>
             <a:p>
-              <a:pPr indent="0" lvl="0" marL="0" rtl="0" algn="l">
+              <a:pPr marL="0" lvl="0" indent="0" algn="l" rtl="0">
                 <a:spcBef>
                   <a:spcPts val="0"/>
                 </a:spcBef>
@@ -2094,9 +2157,6 @@
                 </a:spcAft>
                 <a:buNone/>
               </a:pPr>
-              <a:r>
-                <a:t/>
-              </a:r>
               <a:endParaRPr/>
             </a:p>
           </p:txBody>
@@ -2114,7 +2174,7 @@
             </a:xfrm>
             <a:prstGeom prst="parallelogram">
               <a:avLst>
-                <a:gd fmla="val 153193" name="adj"/>
+                <a:gd name="adj" fmla="val 153193"/>
               </a:avLst>
             </a:prstGeom>
             <a:solidFill>
@@ -2125,12 +2185,12 @@
             </a:ln>
           </p:spPr>
           <p:txBody>
-            <a:bodyPr anchorCtr="0" anchor="ctr" bIns="91425" lIns="91425" spcFirstLastPara="1" rIns="91425" wrap="square" tIns="91425">
+            <a:bodyPr spcFirstLastPara="1" wrap="square" lIns="91425" tIns="91425" rIns="91425" bIns="91425" anchor="ctr" anchorCtr="0">
               <a:noAutofit/>
             </a:bodyPr>
             <a:lstStyle/>
             <a:p>
-              <a:pPr indent="0" lvl="0" marL="0" rtl="0" algn="l">
+              <a:pPr marL="0" lvl="0" indent="0" algn="l" rtl="0">
                 <a:spcBef>
                   <a:spcPts val="0"/>
                 </a:spcBef>
@@ -2139,9 +2199,6 @@
                 </a:spcAft>
                 <a:buNone/>
               </a:pPr>
-              <a:r>
-                <a:t/>
-              </a:r>
               <a:endParaRPr/>
             </a:p>
           </p:txBody>
@@ -2174,7 +2231,7 @@
             </a:xfrm>
             <a:prstGeom prst="parallelogram">
               <a:avLst>
-                <a:gd fmla="val 153193" name="adj"/>
+                <a:gd name="adj" fmla="val 153193"/>
               </a:avLst>
             </a:prstGeom>
             <a:solidFill>
@@ -2185,12 +2242,12 @@
             </a:ln>
           </p:spPr>
           <p:txBody>
-            <a:bodyPr anchorCtr="0" anchor="ctr" bIns="91425" lIns="91425" spcFirstLastPara="1" rIns="91425" wrap="square" tIns="91425">
+            <a:bodyPr spcFirstLastPara="1" wrap="square" lIns="91425" tIns="91425" rIns="91425" bIns="91425" anchor="ctr" anchorCtr="0">
               <a:noAutofit/>
             </a:bodyPr>
             <a:lstStyle/>
             <a:p>
-              <a:pPr indent="0" lvl="0" marL="0" rtl="0" algn="l">
+              <a:pPr marL="0" lvl="0" indent="0" algn="l" rtl="0">
                 <a:spcBef>
                   <a:spcPts val="0"/>
                 </a:spcBef>
@@ -2199,9 +2256,6 @@
                 </a:spcAft>
                 <a:buNone/>
               </a:pPr>
-              <a:r>
-                <a:t/>
-              </a:r>
               <a:endParaRPr/>
             </a:p>
           </p:txBody>
@@ -2219,7 +2273,7 @@
             </a:xfrm>
             <a:prstGeom prst="parallelogram">
               <a:avLst>
-                <a:gd fmla="val 153193" name="adj"/>
+                <a:gd name="adj" fmla="val 153193"/>
               </a:avLst>
             </a:prstGeom>
             <a:solidFill>
@@ -2230,12 +2284,12 @@
             </a:ln>
           </p:spPr>
           <p:txBody>
-            <a:bodyPr anchorCtr="0" anchor="ctr" bIns="91425" lIns="91425" spcFirstLastPara="1" rIns="91425" wrap="square" tIns="91425">
+            <a:bodyPr spcFirstLastPara="1" wrap="square" lIns="91425" tIns="91425" rIns="91425" bIns="91425" anchor="ctr" anchorCtr="0">
               <a:noAutofit/>
             </a:bodyPr>
             <a:lstStyle/>
             <a:p>
-              <a:pPr indent="0" lvl="0" marL="0" rtl="0" algn="l">
+              <a:pPr marL="0" lvl="0" indent="0" algn="l" rtl="0">
                 <a:spcBef>
                   <a:spcPts val="0"/>
                 </a:spcBef>
@@ -2244,9 +2298,6 @@
                 </a:spcAft>
                 <a:buNone/>
               </a:pPr>
-              <a:r>
-                <a:t/>
-              </a:r>
               <a:endParaRPr/>
             </a:p>
           </p:txBody>
@@ -2264,7 +2315,7 @@
             </a:xfrm>
             <a:prstGeom prst="parallelogram">
               <a:avLst>
-                <a:gd fmla="val 153193" name="adj"/>
+                <a:gd name="adj" fmla="val 153193"/>
               </a:avLst>
             </a:prstGeom>
             <a:solidFill>
@@ -2275,12 +2326,12 @@
             </a:ln>
           </p:spPr>
           <p:txBody>
-            <a:bodyPr anchorCtr="0" anchor="ctr" bIns="91425" lIns="91425" spcFirstLastPara="1" rIns="91425" wrap="square" tIns="91425">
+            <a:bodyPr spcFirstLastPara="1" wrap="square" lIns="91425" tIns="91425" rIns="91425" bIns="91425" anchor="ctr" anchorCtr="0">
               <a:noAutofit/>
             </a:bodyPr>
             <a:lstStyle/>
             <a:p>
-              <a:pPr indent="0" lvl="0" marL="0" rtl="0" algn="l">
+              <a:pPr marL="0" lvl="0" indent="0" algn="l" rtl="0">
                 <a:spcBef>
                   <a:spcPts val="0"/>
                 </a:spcBef>
@@ -2289,9 +2340,6 @@
                 </a:spcAft>
                 <a:buNone/>
               </a:pPr>
-              <a:r>
-                <a:t/>
-              </a:r>
               <a:endParaRPr/>
             </a:p>
           </p:txBody>
@@ -2324,7 +2372,7 @@
             </a:xfrm>
             <a:prstGeom prst="parallelogram">
               <a:avLst>
-                <a:gd fmla="val 158024" name="adj"/>
+                <a:gd name="adj" fmla="val 158024"/>
               </a:avLst>
             </a:prstGeom>
             <a:solidFill>
@@ -2335,12 +2383,12 @@
             </a:ln>
           </p:spPr>
           <p:txBody>
-            <a:bodyPr anchorCtr="0" anchor="ctr" bIns="91425" lIns="91425" spcFirstLastPara="1" rIns="91425" wrap="square" tIns="91425">
+            <a:bodyPr spcFirstLastPara="1" wrap="square" lIns="91425" tIns="91425" rIns="91425" bIns="91425" anchor="ctr" anchorCtr="0">
               <a:noAutofit/>
             </a:bodyPr>
             <a:lstStyle/>
             <a:p>
-              <a:pPr indent="0" lvl="0" marL="0" rtl="0" algn="l">
+              <a:pPr marL="0" lvl="0" indent="0" algn="l" rtl="0">
                 <a:spcBef>
                   <a:spcPts val="0"/>
                 </a:spcBef>
@@ -2349,9 +2397,6 @@
                 </a:spcAft>
                 <a:buNone/>
               </a:pPr>
-              <a:r>
-                <a:t/>
-              </a:r>
               <a:endParaRPr/>
             </a:p>
           </p:txBody>
@@ -2369,7 +2414,7 @@
             </a:xfrm>
             <a:prstGeom prst="parallelogram">
               <a:avLst>
-                <a:gd fmla="val 158024" name="adj"/>
+                <a:gd name="adj" fmla="val 158024"/>
               </a:avLst>
             </a:prstGeom>
             <a:solidFill>
@@ -2380,12 +2425,12 @@
             </a:ln>
           </p:spPr>
           <p:txBody>
-            <a:bodyPr anchorCtr="0" anchor="ctr" bIns="91425" lIns="91425" spcFirstLastPara="1" rIns="91425" wrap="square" tIns="91425">
+            <a:bodyPr spcFirstLastPara="1" wrap="square" lIns="91425" tIns="91425" rIns="91425" bIns="91425" anchor="ctr" anchorCtr="0">
               <a:noAutofit/>
             </a:bodyPr>
             <a:lstStyle/>
             <a:p>
-              <a:pPr indent="0" lvl="0" marL="0" rtl="0" algn="l">
+              <a:pPr marL="0" lvl="0" indent="0" algn="l" rtl="0">
                 <a:spcBef>
                   <a:spcPts val="0"/>
                 </a:spcBef>
@@ -2394,9 +2439,6 @@
                 </a:spcAft>
                 <a:buNone/>
               </a:pPr>
-              <a:r>
-                <a:t/>
-              </a:r>
               <a:endParaRPr/>
             </a:p>
           </p:txBody>
@@ -2414,7 +2456,7 @@
             </a:xfrm>
             <a:prstGeom prst="parallelogram">
               <a:avLst>
-                <a:gd fmla="val 158024" name="adj"/>
+                <a:gd name="adj" fmla="val 158024"/>
               </a:avLst>
             </a:prstGeom>
             <a:solidFill>
@@ -2425,12 +2467,12 @@
             </a:ln>
           </p:spPr>
           <p:txBody>
-            <a:bodyPr anchorCtr="0" anchor="ctr" bIns="91425" lIns="91425" spcFirstLastPara="1" rIns="91425" wrap="square" tIns="91425">
+            <a:bodyPr spcFirstLastPara="1" wrap="square" lIns="91425" tIns="91425" rIns="91425" bIns="91425" anchor="ctr" anchorCtr="0">
               <a:noAutofit/>
             </a:bodyPr>
             <a:lstStyle/>
             <a:p>
-              <a:pPr indent="0" lvl="0" marL="0" rtl="0" algn="l">
+              <a:pPr marL="0" lvl="0" indent="0" algn="l" rtl="0">
                 <a:spcBef>
                   <a:spcPts val="0"/>
                 </a:spcBef>
@@ -2439,9 +2481,6 @@
                 </a:spcAft>
                 <a:buNone/>
               </a:pPr>
-              <a:r>
-                <a:t/>
-              </a:r>
               <a:endParaRPr/>
             </a:p>
           </p:txBody>
@@ -2474,7 +2513,7 @@
             </a:xfrm>
             <a:prstGeom prst="parallelogram">
               <a:avLst>
-                <a:gd fmla="val 158024" name="adj"/>
+                <a:gd name="adj" fmla="val 158024"/>
               </a:avLst>
             </a:prstGeom>
             <a:solidFill>
@@ -2485,12 +2524,12 @@
             </a:ln>
           </p:spPr>
           <p:txBody>
-            <a:bodyPr anchorCtr="0" anchor="ctr" bIns="91425" lIns="91425" spcFirstLastPara="1" rIns="91425" wrap="square" tIns="91425">
+            <a:bodyPr spcFirstLastPara="1" wrap="square" lIns="91425" tIns="91425" rIns="91425" bIns="91425" anchor="ctr" anchorCtr="0">
               <a:noAutofit/>
             </a:bodyPr>
             <a:lstStyle/>
             <a:p>
-              <a:pPr indent="0" lvl="0" marL="0" rtl="0" algn="l">
+              <a:pPr marL="0" lvl="0" indent="0" algn="l" rtl="0">
                 <a:spcBef>
                   <a:spcPts val="0"/>
                 </a:spcBef>
@@ -2499,9 +2538,6 @@
                 </a:spcAft>
                 <a:buNone/>
               </a:pPr>
-              <a:r>
-                <a:t/>
-              </a:r>
               <a:endParaRPr/>
             </a:p>
           </p:txBody>
@@ -2519,7 +2555,7 @@
             </a:xfrm>
             <a:prstGeom prst="parallelogram">
               <a:avLst>
-                <a:gd fmla="val 158024" name="adj"/>
+                <a:gd name="adj" fmla="val 158024"/>
               </a:avLst>
             </a:prstGeom>
             <a:solidFill>
@@ -2530,12 +2566,12 @@
             </a:ln>
           </p:spPr>
           <p:txBody>
-            <a:bodyPr anchorCtr="0" anchor="ctr" bIns="91425" lIns="91425" spcFirstLastPara="1" rIns="91425" wrap="square" tIns="91425">
+            <a:bodyPr spcFirstLastPara="1" wrap="square" lIns="91425" tIns="91425" rIns="91425" bIns="91425" anchor="ctr" anchorCtr="0">
               <a:noAutofit/>
             </a:bodyPr>
             <a:lstStyle/>
             <a:p>
-              <a:pPr indent="0" lvl="0" marL="0" rtl="0" algn="l">
+              <a:pPr marL="0" lvl="0" indent="0" algn="l" rtl="0">
                 <a:spcBef>
                   <a:spcPts val="0"/>
                 </a:spcBef>
@@ -2544,9 +2580,6 @@
                 </a:spcAft>
                 <a:buNone/>
               </a:pPr>
-              <a:r>
-                <a:t/>
-              </a:r>
               <a:endParaRPr/>
             </a:p>
           </p:txBody>
@@ -2564,7 +2597,7 @@
             </a:xfrm>
             <a:prstGeom prst="parallelogram">
               <a:avLst>
-                <a:gd fmla="val 158024" name="adj"/>
+                <a:gd name="adj" fmla="val 158024"/>
               </a:avLst>
             </a:prstGeom>
             <a:solidFill>
@@ -2575,12 +2608,12 @@
             </a:ln>
           </p:spPr>
           <p:txBody>
-            <a:bodyPr anchorCtr="0" anchor="ctr" bIns="91425" lIns="91425" spcFirstLastPara="1" rIns="91425" wrap="square" tIns="91425">
+            <a:bodyPr spcFirstLastPara="1" wrap="square" lIns="91425" tIns="91425" rIns="91425" bIns="91425" anchor="ctr" anchorCtr="0">
               <a:noAutofit/>
             </a:bodyPr>
             <a:lstStyle/>
             <a:p>
-              <a:pPr indent="0" lvl="0" marL="0" rtl="0" algn="l">
+              <a:pPr marL="0" lvl="0" indent="0" algn="l" rtl="0">
                 <a:spcBef>
                   <a:spcPts val="0"/>
                 </a:spcBef>
@@ -2589,9 +2622,6 @@
                 </a:spcAft>
                 <a:buNone/>
               </a:pPr>
-              <a:r>
-                <a:t/>
-              </a:r>
               <a:endParaRPr/>
             </a:p>
           </p:txBody>
@@ -2624,7 +2654,7 @@
             </a:xfrm>
             <a:prstGeom prst="parallelogram">
               <a:avLst>
-                <a:gd fmla="val 158024" name="adj"/>
+                <a:gd name="adj" fmla="val 158024"/>
               </a:avLst>
             </a:prstGeom>
             <a:solidFill>
@@ -2635,12 +2665,12 @@
             </a:ln>
           </p:spPr>
           <p:txBody>
-            <a:bodyPr anchorCtr="0" anchor="ctr" bIns="91425" lIns="91425" spcFirstLastPara="1" rIns="91425" wrap="square" tIns="91425">
+            <a:bodyPr spcFirstLastPara="1" wrap="square" lIns="91425" tIns="91425" rIns="91425" bIns="91425" anchor="ctr" anchorCtr="0">
               <a:noAutofit/>
             </a:bodyPr>
             <a:lstStyle/>
             <a:p>
-              <a:pPr indent="0" lvl="0" marL="0" rtl="0" algn="l">
+              <a:pPr marL="0" lvl="0" indent="0" algn="l" rtl="0">
                 <a:spcBef>
                   <a:spcPts val="0"/>
                 </a:spcBef>
@@ -2649,9 +2679,6 @@
                 </a:spcAft>
                 <a:buNone/>
               </a:pPr>
-              <a:r>
-                <a:t/>
-              </a:r>
               <a:endParaRPr/>
             </a:p>
           </p:txBody>
@@ -2669,7 +2696,7 @@
             </a:xfrm>
             <a:prstGeom prst="parallelogram">
               <a:avLst>
-                <a:gd fmla="val 158024" name="adj"/>
+                <a:gd name="adj" fmla="val 158024"/>
               </a:avLst>
             </a:prstGeom>
             <a:solidFill>
@@ -2680,12 +2707,12 @@
             </a:ln>
           </p:spPr>
           <p:txBody>
-            <a:bodyPr anchorCtr="0" anchor="ctr" bIns="91425" lIns="91425" spcFirstLastPara="1" rIns="91425" wrap="square" tIns="91425">
+            <a:bodyPr spcFirstLastPara="1" wrap="square" lIns="91425" tIns="91425" rIns="91425" bIns="91425" anchor="ctr" anchorCtr="0">
               <a:noAutofit/>
             </a:bodyPr>
             <a:lstStyle/>
             <a:p>
-              <a:pPr indent="0" lvl="0" marL="0" rtl="0" algn="l">
+              <a:pPr marL="0" lvl="0" indent="0" algn="l" rtl="0">
                 <a:spcBef>
                   <a:spcPts val="0"/>
                 </a:spcBef>
@@ -2694,9 +2721,6 @@
                 </a:spcAft>
                 <a:buNone/>
               </a:pPr>
-              <a:r>
-                <a:t/>
-              </a:r>
               <a:endParaRPr/>
             </a:p>
           </p:txBody>
@@ -2714,7 +2738,7 @@
             </a:xfrm>
             <a:prstGeom prst="parallelogram">
               <a:avLst>
-                <a:gd fmla="val 158024" name="adj"/>
+                <a:gd name="adj" fmla="val 158024"/>
               </a:avLst>
             </a:prstGeom>
             <a:solidFill>
@@ -2725,12 +2749,12 @@
             </a:ln>
           </p:spPr>
           <p:txBody>
-            <a:bodyPr anchorCtr="0" anchor="ctr" bIns="91425" lIns="91425" spcFirstLastPara="1" rIns="91425" wrap="square" tIns="91425">
+            <a:bodyPr spcFirstLastPara="1" wrap="square" lIns="91425" tIns="91425" rIns="91425" bIns="91425" anchor="ctr" anchorCtr="0">
               <a:noAutofit/>
             </a:bodyPr>
             <a:lstStyle/>
             <a:p>
-              <a:pPr indent="0" lvl="0" marL="0" rtl="0" algn="l">
+              <a:pPr marL="0" lvl="0" indent="0" algn="l" rtl="0">
                 <a:spcBef>
                   <a:spcPts val="0"/>
                 </a:spcBef>
@@ -2739,9 +2763,6 @@
                 </a:spcAft>
                 <a:buNone/>
               </a:pPr>
-              <a:r>
-                <a:t/>
-              </a:r>
               <a:endParaRPr/>
             </a:p>
           </p:txBody>
@@ -2750,7 +2771,9 @@
       <p:sp>
         <p:nvSpPr>
           <p:cNvPr id="34" name="Google Shape;34;p2"/>
-          <p:cNvSpPr txBox="1"/>
+          <p:cNvSpPr txBox="1">
+            <a:spLocks noGrp="1"/>
+          </p:cNvSpPr>
           <p:nvPr>
             <p:ph type="ctrTitle"/>
           </p:nvPr>
@@ -2765,7 +2788,7 @@
           </a:prstGeom>
         </p:spPr>
         <p:txBody>
-          <a:bodyPr anchorCtr="0" anchor="ctr" bIns="91425" lIns="91425" spcFirstLastPara="1" rIns="91425" wrap="square" tIns="91425">
+          <a:bodyPr spcFirstLastPara="1" wrap="square" lIns="91425" tIns="91425" rIns="91425" bIns="91425" anchor="ctr" anchorCtr="0">
             <a:normAutofit/>
           </a:bodyPr>
           <a:lstStyle>
@@ -2869,15 +2892,19 @@
               <a:defRPr sz="3800"/>
             </a:lvl9pPr>
           </a:lstStyle>
-          <a:p/>
+          <a:p>
+            <a:endParaRPr/>
+          </a:p>
         </p:txBody>
       </p:sp>
       <p:sp>
         <p:nvSpPr>
           <p:cNvPr id="35" name="Google Shape;35;p2"/>
-          <p:cNvSpPr txBox="1"/>
+          <p:cNvSpPr txBox="1">
+            <a:spLocks noGrp="1"/>
+          </p:cNvSpPr>
           <p:nvPr>
-            <p:ph idx="1" type="subTitle"/>
+            <p:ph type="subTitle" idx="1"/>
           </p:nvPr>
         </p:nvSpPr>
         <p:spPr>
@@ -2890,7 +2917,7 @@
           </a:prstGeom>
         </p:spPr>
         <p:txBody>
-          <a:bodyPr anchorCtr="0" anchor="t" bIns="91425" lIns="91425" spcFirstLastPara="1" rIns="91425" wrap="square" tIns="91425">
+          <a:bodyPr spcFirstLastPara="1" wrap="square" lIns="91425" tIns="91425" rIns="91425" bIns="91425" anchor="t" anchorCtr="0">
             <a:normAutofit/>
           </a:bodyPr>
           <a:lstStyle>
@@ -3084,15 +3111,19 @@
               </a:defRPr>
             </a:lvl9pPr>
           </a:lstStyle>
-          <a:p/>
+          <a:p>
+            <a:endParaRPr/>
+          </a:p>
         </p:txBody>
       </p:sp>
       <p:sp>
         <p:nvSpPr>
           <p:cNvPr id="36" name="Google Shape;36;p2"/>
-          <p:cNvSpPr txBox="1"/>
+          <p:cNvSpPr txBox="1">
+            <a:spLocks noGrp="1"/>
+          </p:cNvSpPr>
           <p:nvPr>
-            <p:ph idx="12" type="sldNum"/>
+            <p:ph type="sldNum" idx="12"/>
           </p:nvPr>
         </p:nvSpPr>
         <p:spPr>
@@ -3105,7 +3136,7 @@
           </a:prstGeom>
         </p:spPr>
         <p:txBody>
-          <a:bodyPr anchorCtr="0" anchor="ctr" bIns="91425" lIns="91425" spcFirstLastPara="1" rIns="91425" wrap="square" tIns="91425">
+          <a:bodyPr spcFirstLastPara="1" wrap="square" lIns="91425" tIns="91425" rIns="91425" bIns="91425" anchor="ctr" anchorCtr="0">
             <a:normAutofit/>
           </a:bodyPr>
           <a:lstStyle>
@@ -3147,7 +3178,7 @@
             </a:lvl9pPr>
           </a:lstStyle>
           <a:p>
-            <a:pPr indent="0" lvl="0" marL="0" rtl="0" algn="r">
+            <a:pPr marL="0" lvl="0" indent="0" algn="r" rtl="0">
               <a:spcBef>
                 <a:spcPts val="0"/>
               </a:spcBef>
@@ -3173,18 +3204,19 @@
 </file>
 
 <file path=ppt/slideLayouts/slideLayout10.xml><?xml version="1.0" encoding="utf-8"?>
-<p:sldLayout xmlns:a="http://schemas.openxmlformats.org/drawingml/2006/main" xmlns:r="http://schemas.openxmlformats.org/officeDocument/2006/relationships" xmlns:mc="http://schemas.openxmlformats.org/markup-compatibility/2006" xmlns:mv="urn:schemas-microsoft-com:mac:vml" xmlns:p="http://schemas.openxmlformats.org/presentationml/2006/main" xmlns:c="http://schemas.openxmlformats.org/drawingml/2006/chart" xmlns:dgm="http://schemas.openxmlformats.org/drawingml/2006/diagram" xmlns:o="urn:schemas-microsoft-com:office:office" xmlns:v="urn:schemas-microsoft-com:vml" xmlns:pvml="urn:schemas-microsoft-com:office:powerpoint" xmlns:com="http://schemas.openxmlformats.org/drawingml/2006/compatibility" xmlns:p14="http://schemas.microsoft.com/office/powerpoint/2010/main" xmlns:p15="http://schemas.microsoft.com/office/powerpoint/2012/main" xmlns:ahyp="http://schemas.microsoft.com/office/drawing/2018/hyperlinkcolor" matchingName="Big number">
+<p:sldLayout xmlns:a="http://schemas.openxmlformats.org/drawingml/2006/main" xmlns:r="http://schemas.openxmlformats.org/officeDocument/2006/relationships" xmlns:p="http://schemas.openxmlformats.org/presentationml/2006/main" matchingName="Big number">
   <p:cSld name="BIG_NUMBER">
     <p:bg>
       <p:bgPr>
         <a:solidFill>
           <a:schemeClr val="accent3"/>
         </a:solidFill>
+        <a:effectLst/>
       </p:bgPr>
     </p:bg>
     <p:spTree>
       <p:nvGrpSpPr>
-        <p:cNvPr id="109" name="Shape 109"/>
+        <p:cNvPr id="1" name="Shape 109"/>
         <p:cNvGrpSpPr/>
         <p:nvPr/>
       </p:nvGrpSpPr>
@@ -3218,12 +3250,12 @@
           </a:ln>
         </p:spPr>
         <p:txBody>
-          <a:bodyPr anchorCtr="0" anchor="ctr" bIns="91425" lIns="91425" spcFirstLastPara="1" rIns="91425" wrap="square" tIns="91425">
+          <a:bodyPr spcFirstLastPara="1" wrap="square" lIns="91425" tIns="91425" rIns="91425" bIns="91425" anchor="ctr" anchorCtr="0">
             <a:noAutofit/>
           </a:bodyPr>
           <a:lstStyle/>
           <a:p>
-            <a:pPr indent="0" lvl="0" marL="0" rtl="0" algn="l">
+            <a:pPr marL="0" lvl="0" indent="0" algn="l" rtl="0">
               <a:spcBef>
                 <a:spcPts val="0"/>
               </a:spcBef>
@@ -3232,9 +3264,6 @@
               </a:spcAft>
               <a:buNone/>
             </a:pPr>
-            <a:r>
-              <a:t/>
-            </a:r>
             <a:endParaRPr/>
           </a:p>
         </p:txBody>
@@ -3266,7 +3295,7 @@
             </a:xfrm>
             <a:prstGeom prst="parallelogram">
               <a:avLst>
-                <a:gd fmla="val 158024" name="adj"/>
+                <a:gd name="adj" fmla="val 158024"/>
               </a:avLst>
             </a:prstGeom>
             <a:solidFill>
@@ -3277,12 +3306,12 @@
             </a:ln>
           </p:spPr>
           <p:txBody>
-            <a:bodyPr anchorCtr="0" anchor="ctr" bIns="91425" lIns="91425" spcFirstLastPara="1" rIns="91425" wrap="square" tIns="91425">
+            <a:bodyPr spcFirstLastPara="1" wrap="square" lIns="91425" tIns="91425" rIns="91425" bIns="91425" anchor="ctr" anchorCtr="0">
               <a:noAutofit/>
             </a:bodyPr>
             <a:lstStyle/>
             <a:p>
-              <a:pPr indent="0" lvl="0" marL="0" rtl="0" algn="l">
+              <a:pPr marL="0" lvl="0" indent="0" algn="l" rtl="0">
                 <a:spcBef>
                   <a:spcPts val="0"/>
                 </a:spcBef>
@@ -3291,9 +3320,6 @@
                 </a:spcAft>
                 <a:buNone/>
               </a:pPr>
-              <a:r>
-                <a:t/>
-              </a:r>
               <a:endParaRPr/>
             </a:p>
           </p:txBody>
@@ -3311,7 +3337,7 @@
             </a:xfrm>
             <a:prstGeom prst="parallelogram">
               <a:avLst>
-                <a:gd fmla="val 158024" name="adj"/>
+                <a:gd name="adj" fmla="val 158024"/>
               </a:avLst>
             </a:prstGeom>
             <a:solidFill>
@@ -3322,12 +3348,12 @@
             </a:ln>
           </p:spPr>
           <p:txBody>
-            <a:bodyPr anchorCtr="0" anchor="ctr" bIns="91425" lIns="91425" spcFirstLastPara="1" rIns="91425" wrap="square" tIns="91425">
+            <a:bodyPr spcFirstLastPara="1" wrap="square" lIns="91425" tIns="91425" rIns="91425" bIns="91425" anchor="ctr" anchorCtr="0">
               <a:noAutofit/>
             </a:bodyPr>
             <a:lstStyle/>
             <a:p>
-              <a:pPr indent="0" lvl="0" marL="0" rtl="0" algn="l">
+              <a:pPr marL="0" lvl="0" indent="0" algn="l" rtl="0">
                 <a:spcBef>
                   <a:spcPts val="0"/>
                 </a:spcBef>
@@ -3336,9 +3362,6 @@
                 </a:spcAft>
                 <a:buNone/>
               </a:pPr>
-              <a:r>
-                <a:t/>
-              </a:r>
               <a:endParaRPr/>
             </a:p>
           </p:txBody>
@@ -3356,7 +3379,7 @@
             </a:xfrm>
             <a:prstGeom prst="parallelogram">
               <a:avLst>
-                <a:gd fmla="val 158024" name="adj"/>
+                <a:gd name="adj" fmla="val 158024"/>
               </a:avLst>
             </a:prstGeom>
             <a:solidFill>
@@ -3367,12 +3390,12 @@
             </a:ln>
           </p:spPr>
           <p:txBody>
-            <a:bodyPr anchorCtr="0" anchor="ctr" bIns="91425" lIns="91425" spcFirstLastPara="1" rIns="91425" wrap="square" tIns="91425">
+            <a:bodyPr spcFirstLastPara="1" wrap="square" lIns="91425" tIns="91425" rIns="91425" bIns="91425" anchor="ctr" anchorCtr="0">
               <a:noAutofit/>
             </a:bodyPr>
             <a:lstStyle/>
             <a:p>
-              <a:pPr indent="0" lvl="0" marL="0" rtl="0" algn="l">
+              <a:pPr marL="0" lvl="0" indent="0" algn="l" rtl="0">
                 <a:spcBef>
                   <a:spcPts val="0"/>
                 </a:spcBef>
@@ -3381,9 +3404,6 @@
                 </a:spcAft>
                 <a:buNone/>
               </a:pPr>
-              <a:r>
-                <a:t/>
-              </a:r>
               <a:endParaRPr/>
             </a:p>
           </p:txBody>
@@ -3416,7 +3436,7 @@
             </a:xfrm>
             <a:prstGeom prst="parallelogram">
               <a:avLst>
-                <a:gd fmla="val 158024" name="adj"/>
+                <a:gd name="adj" fmla="val 158024"/>
               </a:avLst>
             </a:prstGeom>
             <a:solidFill>
@@ -3427,12 +3447,12 @@
             </a:ln>
           </p:spPr>
           <p:txBody>
-            <a:bodyPr anchorCtr="0" anchor="ctr" bIns="91425" lIns="91425" spcFirstLastPara="1" rIns="91425" wrap="square" tIns="91425">
+            <a:bodyPr spcFirstLastPara="1" wrap="square" lIns="91425" tIns="91425" rIns="91425" bIns="91425" anchor="ctr" anchorCtr="0">
               <a:noAutofit/>
             </a:bodyPr>
             <a:lstStyle/>
             <a:p>
-              <a:pPr indent="0" lvl="0" marL="0" rtl="0" algn="l">
+              <a:pPr marL="0" lvl="0" indent="0" algn="l" rtl="0">
                 <a:spcBef>
                   <a:spcPts val="0"/>
                 </a:spcBef>
@@ -3441,9 +3461,6 @@
                 </a:spcAft>
                 <a:buNone/>
               </a:pPr>
-              <a:r>
-                <a:t/>
-              </a:r>
               <a:endParaRPr/>
             </a:p>
           </p:txBody>
@@ -3461,7 +3478,7 @@
             </a:xfrm>
             <a:prstGeom prst="parallelogram">
               <a:avLst>
-                <a:gd fmla="val 158024" name="adj"/>
+                <a:gd name="adj" fmla="val 158024"/>
               </a:avLst>
             </a:prstGeom>
             <a:solidFill>
@@ -3472,12 +3489,12 @@
             </a:ln>
           </p:spPr>
           <p:txBody>
-            <a:bodyPr anchorCtr="0" anchor="ctr" bIns="91425" lIns="91425" spcFirstLastPara="1" rIns="91425" wrap="square" tIns="91425">
+            <a:bodyPr spcFirstLastPara="1" wrap="square" lIns="91425" tIns="91425" rIns="91425" bIns="91425" anchor="ctr" anchorCtr="0">
               <a:noAutofit/>
             </a:bodyPr>
             <a:lstStyle/>
             <a:p>
-              <a:pPr indent="0" lvl="0" marL="0" rtl="0" algn="l">
+              <a:pPr marL="0" lvl="0" indent="0" algn="l" rtl="0">
                 <a:spcBef>
                   <a:spcPts val="0"/>
                 </a:spcBef>
@@ -3486,9 +3503,6 @@
                 </a:spcAft>
                 <a:buNone/>
               </a:pPr>
-              <a:r>
-                <a:t/>
-              </a:r>
               <a:endParaRPr/>
             </a:p>
           </p:txBody>
@@ -3506,7 +3520,7 @@
             </a:xfrm>
             <a:prstGeom prst="parallelogram">
               <a:avLst>
-                <a:gd fmla="val 158024" name="adj"/>
+                <a:gd name="adj" fmla="val 158024"/>
               </a:avLst>
             </a:prstGeom>
             <a:solidFill>
@@ -3517,12 +3531,12 @@
             </a:ln>
           </p:spPr>
           <p:txBody>
-            <a:bodyPr anchorCtr="0" anchor="ctr" bIns="91425" lIns="91425" spcFirstLastPara="1" rIns="91425" wrap="square" tIns="91425">
+            <a:bodyPr spcFirstLastPara="1" wrap="square" lIns="91425" tIns="91425" rIns="91425" bIns="91425" anchor="ctr" anchorCtr="0">
               <a:noAutofit/>
             </a:bodyPr>
             <a:lstStyle/>
             <a:p>
-              <a:pPr indent="0" lvl="0" marL="0" rtl="0" algn="l">
+              <a:pPr marL="0" lvl="0" indent="0" algn="l" rtl="0">
                 <a:spcBef>
                   <a:spcPts val="0"/>
                 </a:spcBef>
@@ -3531,9 +3545,6 @@
                 </a:spcAft>
                 <a:buNone/>
               </a:pPr>
-              <a:r>
-                <a:t/>
-              </a:r>
               <a:endParaRPr/>
             </a:p>
           </p:txBody>
@@ -3542,9 +3553,11 @@
       <p:sp>
         <p:nvSpPr>
           <p:cNvPr id="119" name="Google Shape;119;p11"/>
-          <p:cNvSpPr txBox="1"/>
+          <p:cNvSpPr txBox="1">
+            <a:spLocks noGrp="1"/>
+          </p:cNvSpPr>
           <p:nvPr>
-            <p:ph hasCustomPrompt="1" type="title"/>
+            <p:ph type="title" hasCustomPrompt="1"/>
           </p:nvPr>
         </p:nvSpPr>
         <p:spPr>
@@ -3557,7 +3570,7 @@
           </a:prstGeom>
         </p:spPr>
         <p:txBody>
-          <a:bodyPr anchorCtr="0" anchor="ctr" bIns="91425" lIns="91425" spcFirstLastPara="1" rIns="91425" wrap="square" tIns="91425">
+          <a:bodyPr spcFirstLastPara="1" wrap="square" lIns="91425" tIns="91425" rIns="91425" bIns="91425" anchor="ctr" anchorCtr="0">
             <a:normAutofit/>
           </a:bodyPr>
           <a:lstStyle>
@@ -3734,9 +3747,11 @@
       <p:sp>
         <p:nvSpPr>
           <p:cNvPr id="120" name="Google Shape;120;p11"/>
-          <p:cNvSpPr txBox="1"/>
+          <p:cNvSpPr txBox="1">
+            <a:spLocks noGrp="1"/>
+          </p:cNvSpPr>
           <p:nvPr>
-            <p:ph idx="1" type="body"/>
+            <p:ph type="body" idx="1"/>
           </p:nvPr>
         </p:nvSpPr>
         <p:spPr>
@@ -3749,11 +3764,11 @@
           </a:prstGeom>
         </p:spPr>
         <p:txBody>
-          <a:bodyPr anchorCtr="0" anchor="t" bIns="91425" lIns="91425" spcFirstLastPara="1" rIns="91425" wrap="square" tIns="91425">
+          <a:bodyPr spcFirstLastPara="1" wrap="square" lIns="91425" tIns="91425" rIns="91425" bIns="91425" anchor="t" anchorCtr="0">
             <a:normAutofit/>
           </a:bodyPr>
           <a:lstStyle>
-            <a:lvl1pPr indent="-311150" lvl="0" marL="457200" algn="ctr">
+            <a:lvl1pPr marL="457200" lvl="0" indent="-311150" algn="ctr">
               <a:spcBef>
                 <a:spcPts val="0"/>
               </a:spcBef>
@@ -3764,7 +3779,7 @@
               <a:buChar char="●"/>
               <a:defRPr/>
             </a:lvl1pPr>
-            <a:lvl2pPr indent="-298450" lvl="1" marL="914400" algn="ctr">
+            <a:lvl2pPr marL="914400" lvl="1" indent="-298450" algn="ctr">
               <a:spcBef>
                 <a:spcPts val="0"/>
               </a:spcBef>
@@ -3775,7 +3790,7 @@
               <a:buChar char="○"/>
               <a:defRPr/>
             </a:lvl2pPr>
-            <a:lvl3pPr indent="-298450" lvl="2" marL="1371600" algn="ctr">
+            <a:lvl3pPr marL="1371600" lvl="2" indent="-298450" algn="ctr">
               <a:spcBef>
                 <a:spcPts val="0"/>
               </a:spcBef>
@@ -3786,7 +3801,7 @@
               <a:buChar char="■"/>
               <a:defRPr/>
             </a:lvl3pPr>
-            <a:lvl4pPr indent="-298450" lvl="3" marL="1828800" algn="ctr">
+            <a:lvl4pPr marL="1828800" lvl="3" indent="-298450" algn="ctr">
               <a:spcBef>
                 <a:spcPts val="0"/>
               </a:spcBef>
@@ -3797,7 +3812,7 @@
               <a:buChar char="●"/>
               <a:defRPr/>
             </a:lvl4pPr>
-            <a:lvl5pPr indent="-298450" lvl="4" marL="2286000" algn="ctr">
+            <a:lvl5pPr marL="2286000" lvl="4" indent="-298450" algn="ctr">
               <a:spcBef>
                 <a:spcPts val="0"/>
               </a:spcBef>
@@ -3808,7 +3823,7 @@
               <a:buChar char="○"/>
               <a:defRPr/>
             </a:lvl5pPr>
-            <a:lvl6pPr indent="-298450" lvl="5" marL="2743200" algn="ctr">
+            <a:lvl6pPr marL="2743200" lvl="5" indent="-298450" algn="ctr">
               <a:spcBef>
                 <a:spcPts val="0"/>
               </a:spcBef>
@@ -3819,7 +3834,7 @@
               <a:buChar char="■"/>
               <a:defRPr/>
             </a:lvl6pPr>
-            <a:lvl7pPr indent="-298450" lvl="6" marL="3200400" algn="ctr">
+            <a:lvl7pPr marL="3200400" lvl="6" indent="-298450" algn="ctr">
               <a:spcBef>
                 <a:spcPts val="0"/>
               </a:spcBef>
@@ -3830,7 +3845,7 @@
               <a:buChar char="●"/>
               <a:defRPr/>
             </a:lvl7pPr>
-            <a:lvl8pPr indent="-298450" lvl="7" marL="3657600" algn="ctr">
+            <a:lvl8pPr marL="3657600" lvl="7" indent="-298450" algn="ctr">
               <a:spcBef>
                 <a:spcPts val="0"/>
               </a:spcBef>
@@ -3841,7 +3856,7 @@
               <a:buChar char="○"/>
               <a:defRPr/>
             </a:lvl8pPr>
-            <a:lvl9pPr indent="-298450" lvl="8" marL="4114800" algn="ctr">
+            <a:lvl9pPr marL="4114800" lvl="8" indent="-298450" algn="ctr">
               <a:spcBef>
                 <a:spcPts val="0"/>
               </a:spcBef>
@@ -3853,15 +3868,19 @@
               <a:defRPr/>
             </a:lvl9pPr>
           </a:lstStyle>
-          <a:p/>
+          <a:p>
+            <a:endParaRPr/>
+          </a:p>
         </p:txBody>
       </p:sp>
       <p:sp>
         <p:nvSpPr>
           <p:cNvPr id="121" name="Google Shape;121;p11"/>
-          <p:cNvSpPr txBox="1"/>
+          <p:cNvSpPr txBox="1">
+            <a:spLocks noGrp="1"/>
+          </p:cNvSpPr>
           <p:nvPr>
-            <p:ph idx="12" type="sldNum"/>
+            <p:ph type="sldNum" idx="12"/>
           </p:nvPr>
         </p:nvSpPr>
         <p:spPr>
@@ -3874,7 +3893,7 @@
           </a:prstGeom>
         </p:spPr>
         <p:txBody>
-          <a:bodyPr anchorCtr="0" anchor="ctr" bIns="91425" lIns="91425" spcFirstLastPara="1" rIns="91425" wrap="square" tIns="91425">
+          <a:bodyPr spcFirstLastPara="1" wrap="square" lIns="91425" tIns="91425" rIns="91425" bIns="91425" anchor="ctr" anchorCtr="0">
             <a:normAutofit/>
           </a:bodyPr>
           <a:lstStyle>
@@ -3916,7 +3935,7 @@
             </a:lvl9pPr>
           </a:lstStyle>
           <a:p>
-            <a:pPr indent="0" lvl="0" marL="0" rtl="0" algn="r">
+            <a:pPr marL="0" lvl="0" indent="0" algn="r" rtl="0">
               <a:spcBef>
                 <a:spcPts val="0"/>
               </a:spcBef>
@@ -3942,11 +3961,11 @@
 </file>
 
 <file path=ppt/slideLayouts/slideLayout11.xml><?xml version="1.0" encoding="utf-8"?>
-<p:sldLayout xmlns:a="http://schemas.openxmlformats.org/drawingml/2006/main" xmlns:r="http://schemas.openxmlformats.org/officeDocument/2006/relationships" xmlns:mc="http://schemas.openxmlformats.org/markup-compatibility/2006" xmlns:mv="urn:schemas-microsoft-com:mac:vml" xmlns:p="http://schemas.openxmlformats.org/presentationml/2006/main" xmlns:c="http://schemas.openxmlformats.org/drawingml/2006/chart" xmlns:dgm="http://schemas.openxmlformats.org/drawingml/2006/diagram" xmlns:o="urn:schemas-microsoft-com:office:office" xmlns:v="urn:schemas-microsoft-com:vml" xmlns:pvml="urn:schemas-microsoft-com:office:powerpoint" xmlns:com="http://schemas.openxmlformats.org/drawingml/2006/compatibility" xmlns:p14="http://schemas.microsoft.com/office/powerpoint/2010/main" xmlns:p15="http://schemas.microsoft.com/office/powerpoint/2012/main" xmlns:ahyp="http://schemas.microsoft.com/office/drawing/2018/hyperlinkcolor" matchingName="Blank" type="blank">
+<p:sldLayout xmlns:a="http://schemas.openxmlformats.org/drawingml/2006/main" xmlns:r="http://schemas.openxmlformats.org/officeDocument/2006/relationships" xmlns:p="http://schemas.openxmlformats.org/presentationml/2006/main" matchingName="Blank" type="blank">
   <p:cSld name="BLANK">
     <p:spTree>
       <p:nvGrpSpPr>
-        <p:cNvPr id="122" name="Shape 122"/>
+        <p:cNvPr id="1" name="Shape 122"/>
         <p:cNvGrpSpPr/>
         <p:nvPr/>
       </p:nvGrpSpPr>
@@ -3961,9 +3980,11 @@
       <p:sp>
         <p:nvSpPr>
           <p:cNvPr id="123" name="Google Shape;123;p12"/>
-          <p:cNvSpPr txBox="1"/>
+          <p:cNvSpPr txBox="1">
+            <a:spLocks noGrp="1"/>
+          </p:cNvSpPr>
           <p:nvPr>
-            <p:ph idx="12" type="sldNum"/>
+            <p:ph type="sldNum" idx="12"/>
           </p:nvPr>
         </p:nvSpPr>
         <p:spPr>
@@ -3976,7 +3997,7 @@
           </a:prstGeom>
         </p:spPr>
         <p:txBody>
-          <a:bodyPr anchorCtr="0" anchor="ctr" bIns="91425" lIns="91425" spcFirstLastPara="1" rIns="91425" wrap="square" tIns="91425">
+          <a:bodyPr spcFirstLastPara="1" wrap="square" lIns="91425" tIns="91425" rIns="91425" bIns="91425" anchor="ctr" anchorCtr="0">
             <a:normAutofit/>
           </a:bodyPr>
           <a:lstStyle>
@@ -4018,7 +4039,7 @@
             </a:lvl9pPr>
           </a:lstStyle>
           <a:p>
-            <a:pPr indent="0" lvl="0" marL="0" rtl="0" algn="r">
+            <a:pPr marL="0" lvl="0" indent="0" algn="r" rtl="0">
               <a:spcBef>
                 <a:spcPts val="0"/>
               </a:spcBef>
@@ -4044,18 +4065,19 @@
 </file>
 
 <file path=ppt/slideLayouts/slideLayout2.xml><?xml version="1.0" encoding="utf-8"?>
-<p:sldLayout xmlns:a="http://schemas.openxmlformats.org/drawingml/2006/main" xmlns:r="http://schemas.openxmlformats.org/officeDocument/2006/relationships" xmlns:mc="http://schemas.openxmlformats.org/markup-compatibility/2006" xmlns:mv="urn:schemas-microsoft-com:mac:vml" xmlns:p="http://schemas.openxmlformats.org/presentationml/2006/main" xmlns:c="http://schemas.openxmlformats.org/drawingml/2006/chart" xmlns:dgm="http://schemas.openxmlformats.org/drawingml/2006/diagram" xmlns:o="urn:schemas-microsoft-com:office:office" xmlns:v="urn:schemas-microsoft-com:vml" xmlns:pvml="urn:schemas-microsoft-com:office:powerpoint" xmlns:com="http://schemas.openxmlformats.org/drawingml/2006/compatibility" xmlns:p14="http://schemas.microsoft.com/office/powerpoint/2010/main" xmlns:p15="http://schemas.microsoft.com/office/powerpoint/2012/main" xmlns:ahyp="http://schemas.microsoft.com/office/drawing/2018/hyperlinkcolor" matchingName="Section header" type="secHead">
+<p:sldLayout xmlns:a="http://schemas.openxmlformats.org/drawingml/2006/main" xmlns:r="http://schemas.openxmlformats.org/officeDocument/2006/relationships" xmlns:p="http://schemas.openxmlformats.org/presentationml/2006/main" matchingName="Section header" type="secHead">
   <p:cSld name="SECTION_HEADER">
     <p:bg>
       <p:bgPr>
         <a:solidFill>
           <a:schemeClr val="accent3"/>
         </a:solidFill>
+        <a:effectLst/>
       </p:bgPr>
     </p:bg>
     <p:spTree>
       <p:nvGrpSpPr>
-        <p:cNvPr id="37" name="Shape 37"/>
+        <p:cNvPr id="1" name="Shape 37"/>
         <p:cNvGrpSpPr/>
         <p:nvPr/>
       </p:nvGrpSpPr>
@@ -4089,12 +4111,12 @@
           </a:ln>
         </p:spPr>
         <p:txBody>
-          <a:bodyPr anchorCtr="0" anchor="ctr" bIns="91425" lIns="91425" spcFirstLastPara="1" rIns="91425" wrap="square" tIns="91425">
+          <a:bodyPr spcFirstLastPara="1" wrap="square" lIns="91425" tIns="91425" rIns="91425" bIns="91425" anchor="ctr" anchorCtr="0">
             <a:noAutofit/>
           </a:bodyPr>
           <a:lstStyle/>
           <a:p>
-            <a:pPr indent="0" lvl="0" marL="0" rtl="0" algn="l">
+            <a:pPr marL="0" lvl="0" indent="0" algn="l" rtl="0">
               <a:spcBef>
                 <a:spcPts val="0"/>
               </a:spcBef>
@@ -4103,9 +4125,6 @@
               </a:spcAft>
               <a:buNone/>
             </a:pPr>
-            <a:r>
-              <a:t/>
-            </a:r>
             <a:endParaRPr/>
           </a:p>
         </p:txBody>
@@ -4137,7 +4156,7 @@
             </a:xfrm>
             <a:prstGeom prst="parallelogram">
               <a:avLst>
-                <a:gd fmla="val 158024" name="adj"/>
+                <a:gd name="adj" fmla="val 158024"/>
               </a:avLst>
             </a:prstGeom>
             <a:solidFill>
@@ -4148,12 +4167,12 @@
             </a:ln>
           </p:spPr>
           <p:txBody>
-            <a:bodyPr anchorCtr="0" anchor="ctr" bIns="91425" lIns="91425" spcFirstLastPara="1" rIns="91425" wrap="square" tIns="91425">
+            <a:bodyPr spcFirstLastPara="1" wrap="square" lIns="91425" tIns="91425" rIns="91425" bIns="91425" anchor="ctr" anchorCtr="0">
               <a:noAutofit/>
             </a:bodyPr>
             <a:lstStyle/>
             <a:p>
-              <a:pPr indent="0" lvl="0" marL="0" rtl="0" algn="l">
+              <a:pPr marL="0" lvl="0" indent="0" algn="l" rtl="0">
                 <a:spcBef>
                   <a:spcPts val="0"/>
                 </a:spcBef>
@@ -4162,9 +4181,6 @@
                 </a:spcAft>
                 <a:buNone/>
               </a:pPr>
-              <a:r>
-                <a:t/>
-              </a:r>
               <a:endParaRPr/>
             </a:p>
           </p:txBody>
@@ -4182,7 +4198,7 @@
             </a:xfrm>
             <a:prstGeom prst="parallelogram">
               <a:avLst>
-                <a:gd fmla="val 158024" name="adj"/>
+                <a:gd name="adj" fmla="val 158024"/>
               </a:avLst>
             </a:prstGeom>
             <a:solidFill>
@@ -4193,12 +4209,12 @@
             </a:ln>
           </p:spPr>
           <p:txBody>
-            <a:bodyPr anchorCtr="0" anchor="ctr" bIns="91425" lIns="91425" spcFirstLastPara="1" rIns="91425" wrap="square" tIns="91425">
+            <a:bodyPr spcFirstLastPara="1" wrap="square" lIns="91425" tIns="91425" rIns="91425" bIns="91425" anchor="ctr" anchorCtr="0">
               <a:noAutofit/>
             </a:bodyPr>
             <a:lstStyle/>
             <a:p>
-              <a:pPr indent="0" lvl="0" marL="0" rtl="0" algn="l">
+              <a:pPr marL="0" lvl="0" indent="0" algn="l" rtl="0">
                 <a:spcBef>
                   <a:spcPts val="0"/>
                 </a:spcBef>
@@ -4207,9 +4223,6 @@
                 </a:spcAft>
                 <a:buNone/>
               </a:pPr>
-              <a:r>
-                <a:t/>
-              </a:r>
               <a:endParaRPr/>
             </a:p>
           </p:txBody>
@@ -4227,7 +4240,7 @@
             </a:xfrm>
             <a:prstGeom prst="parallelogram">
               <a:avLst>
-                <a:gd fmla="val 158024" name="adj"/>
+                <a:gd name="adj" fmla="val 158024"/>
               </a:avLst>
             </a:prstGeom>
             <a:solidFill>
@@ -4238,12 +4251,12 @@
             </a:ln>
           </p:spPr>
           <p:txBody>
-            <a:bodyPr anchorCtr="0" anchor="ctr" bIns="91425" lIns="91425" spcFirstLastPara="1" rIns="91425" wrap="square" tIns="91425">
+            <a:bodyPr spcFirstLastPara="1" wrap="square" lIns="91425" tIns="91425" rIns="91425" bIns="91425" anchor="ctr" anchorCtr="0">
               <a:noAutofit/>
             </a:bodyPr>
             <a:lstStyle/>
             <a:p>
-              <a:pPr indent="0" lvl="0" marL="0" rtl="0" algn="l">
+              <a:pPr marL="0" lvl="0" indent="0" algn="l" rtl="0">
                 <a:spcBef>
                   <a:spcPts val="0"/>
                 </a:spcBef>
@@ -4252,9 +4265,6 @@
                 </a:spcAft>
                 <a:buNone/>
               </a:pPr>
-              <a:r>
-                <a:t/>
-              </a:r>
               <a:endParaRPr/>
             </a:p>
           </p:txBody>
@@ -4287,7 +4297,7 @@
             </a:xfrm>
             <a:prstGeom prst="parallelogram">
               <a:avLst>
-                <a:gd fmla="val 158024" name="adj"/>
+                <a:gd name="adj" fmla="val 158024"/>
               </a:avLst>
             </a:prstGeom>
             <a:solidFill>
@@ -4298,12 +4308,12 @@
             </a:ln>
           </p:spPr>
           <p:txBody>
-            <a:bodyPr anchorCtr="0" anchor="ctr" bIns="91425" lIns="91425" spcFirstLastPara="1" rIns="91425" wrap="square" tIns="91425">
+            <a:bodyPr spcFirstLastPara="1" wrap="square" lIns="91425" tIns="91425" rIns="91425" bIns="91425" anchor="ctr" anchorCtr="0">
               <a:noAutofit/>
             </a:bodyPr>
             <a:lstStyle/>
             <a:p>
-              <a:pPr indent="0" lvl="0" marL="0" rtl="0" algn="l">
+              <a:pPr marL="0" lvl="0" indent="0" algn="l" rtl="0">
                 <a:spcBef>
                   <a:spcPts val="0"/>
                 </a:spcBef>
@@ -4312,9 +4322,6 @@
                 </a:spcAft>
                 <a:buNone/>
               </a:pPr>
-              <a:r>
-                <a:t/>
-              </a:r>
               <a:endParaRPr/>
             </a:p>
           </p:txBody>
@@ -4332,7 +4339,7 @@
             </a:xfrm>
             <a:prstGeom prst="parallelogram">
               <a:avLst>
-                <a:gd fmla="val 158024" name="adj"/>
+                <a:gd name="adj" fmla="val 158024"/>
               </a:avLst>
             </a:prstGeom>
             <a:solidFill>
@@ -4343,12 +4350,12 @@
             </a:ln>
           </p:spPr>
           <p:txBody>
-            <a:bodyPr anchorCtr="0" anchor="ctr" bIns="91425" lIns="91425" spcFirstLastPara="1" rIns="91425" wrap="square" tIns="91425">
+            <a:bodyPr spcFirstLastPara="1" wrap="square" lIns="91425" tIns="91425" rIns="91425" bIns="91425" anchor="ctr" anchorCtr="0">
               <a:noAutofit/>
             </a:bodyPr>
             <a:lstStyle/>
             <a:p>
-              <a:pPr indent="0" lvl="0" marL="0" rtl="0" algn="l">
+              <a:pPr marL="0" lvl="0" indent="0" algn="l" rtl="0">
                 <a:spcBef>
                   <a:spcPts val="0"/>
                 </a:spcBef>
@@ -4357,9 +4364,6 @@
                 </a:spcAft>
                 <a:buNone/>
               </a:pPr>
-              <a:r>
-                <a:t/>
-              </a:r>
               <a:endParaRPr/>
             </a:p>
           </p:txBody>
@@ -4377,7 +4381,7 @@
             </a:xfrm>
             <a:prstGeom prst="parallelogram">
               <a:avLst>
-                <a:gd fmla="val 158024" name="adj"/>
+                <a:gd name="adj" fmla="val 158024"/>
               </a:avLst>
             </a:prstGeom>
             <a:solidFill>
@@ -4388,12 +4392,12 @@
             </a:ln>
           </p:spPr>
           <p:txBody>
-            <a:bodyPr anchorCtr="0" anchor="ctr" bIns="91425" lIns="91425" spcFirstLastPara="1" rIns="91425" wrap="square" tIns="91425">
+            <a:bodyPr spcFirstLastPara="1" wrap="square" lIns="91425" tIns="91425" rIns="91425" bIns="91425" anchor="ctr" anchorCtr="0">
               <a:noAutofit/>
             </a:bodyPr>
             <a:lstStyle/>
             <a:p>
-              <a:pPr indent="0" lvl="0" marL="0" rtl="0" algn="l">
+              <a:pPr marL="0" lvl="0" indent="0" algn="l" rtl="0">
                 <a:spcBef>
                   <a:spcPts val="0"/>
                 </a:spcBef>
@@ -4402,9 +4406,6 @@
                 </a:spcAft>
                 <a:buNone/>
               </a:pPr>
-              <a:r>
-                <a:t/>
-              </a:r>
               <a:endParaRPr/>
             </a:p>
           </p:txBody>
@@ -4413,7 +4414,9 @@
       <p:sp>
         <p:nvSpPr>
           <p:cNvPr id="47" name="Google Shape;47;p3"/>
-          <p:cNvSpPr txBox="1"/>
+          <p:cNvSpPr txBox="1">
+            <a:spLocks noGrp="1"/>
+          </p:cNvSpPr>
           <p:nvPr>
             <p:ph type="title"/>
           </p:nvPr>
@@ -4428,7 +4431,7 @@
           </a:prstGeom>
         </p:spPr>
         <p:txBody>
-          <a:bodyPr anchorCtr="0" anchor="ctr" bIns="91425" lIns="91425" spcFirstLastPara="1" rIns="91425" wrap="square" tIns="91425">
+          <a:bodyPr spcFirstLastPara="1" wrap="square" lIns="91425" tIns="91425" rIns="91425" bIns="91425" anchor="ctr" anchorCtr="0">
             <a:normAutofit/>
           </a:bodyPr>
           <a:lstStyle>
@@ -4595,15 +4598,19 @@
               </a:defRPr>
             </a:lvl9pPr>
           </a:lstStyle>
-          <a:p/>
+          <a:p>
+            <a:endParaRPr/>
+          </a:p>
         </p:txBody>
       </p:sp>
       <p:sp>
         <p:nvSpPr>
           <p:cNvPr id="48" name="Google Shape;48;p3"/>
-          <p:cNvSpPr txBox="1"/>
+          <p:cNvSpPr txBox="1">
+            <a:spLocks noGrp="1"/>
+          </p:cNvSpPr>
           <p:nvPr>
-            <p:ph idx="12" type="sldNum"/>
+            <p:ph type="sldNum" idx="12"/>
           </p:nvPr>
         </p:nvSpPr>
         <p:spPr>
@@ -4616,7 +4623,7 @@
           </a:prstGeom>
         </p:spPr>
         <p:txBody>
-          <a:bodyPr anchorCtr="0" anchor="ctr" bIns="91425" lIns="91425" spcFirstLastPara="1" rIns="91425" wrap="square" tIns="91425">
+          <a:bodyPr spcFirstLastPara="1" wrap="square" lIns="91425" tIns="91425" rIns="91425" bIns="91425" anchor="ctr" anchorCtr="0">
             <a:normAutofit/>
           </a:bodyPr>
           <a:lstStyle>
@@ -4658,7 +4665,7 @@
             </a:lvl9pPr>
           </a:lstStyle>
           <a:p>
-            <a:pPr indent="0" lvl="0" marL="0" rtl="0" algn="r">
+            <a:pPr marL="0" lvl="0" indent="0" algn="r" rtl="0">
               <a:spcBef>
                 <a:spcPts val="0"/>
               </a:spcBef>
@@ -4684,18 +4691,19 @@
 </file>
 
 <file path=ppt/slideLayouts/slideLayout3.xml><?xml version="1.0" encoding="utf-8"?>
-<p:sldLayout xmlns:a="http://schemas.openxmlformats.org/drawingml/2006/main" xmlns:r="http://schemas.openxmlformats.org/officeDocument/2006/relationships" xmlns:mc="http://schemas.openxmlformats.org/markup-compatibility/2006" xmlns:mv="urn:schemas-microsoft-com:mac:vml" xmlns:p="http://schemas.openxmlformats.org/presentationml/2006/main" xmlns:c="http://schemas.openxmlformats.org/drawingml/2006/chart" xmlns:dgm="http://schemas.openxmlformats.org/drawingml/2006/diagram" xmlns:o="urn:schemas-microsoft-com:office:office" xmlns:v="urn:schemas-microsoft-com:vml" xmlns:pvml="urn:schemas-microsoft-com:office:powerpoint" xmlns:com="http://schemas.openxmlformats.org/drawingml/2006/compatibility" xmlns:p14="http://schemas.microsoft.com/office/powerpoint/2010/main" xmlns:p15="http://schemas.microsoft.com/office/powerpoint/2012/main" xmlns:ahyp="http://schemas.microsoft.com/office/drawing/2018/hyperlinkcolor" matchingName="Title and body" type="tx">
+<p:sldLayout xmlns:a="http://schemas.openxmlformats.org/drawingml/2006/main" xmlns:r="http://schemas.openxmlformats.org/officeDocument/2006/relationships" xmlns:p="http://schemas.openxmlformats.org/presentationml/2006/main" matchingName="Title and body" type="tx">
   <p:cSld name="TITLE_AND_BODY">
     <p:bg>
       <p:bgPr>
         <a:solidFill>
           <a:schemeClr val="dk2"/>
         </a:solidFill>
+        <a:effectLst/>
       </p:bgPr>
     </p:bg>
     <p:spTree>
       <p:nvGrpSpPr>
-        <p:cNvPr id="49" name="Shape 49"/>
+        <p:cNvPr id="1" name="Shape 49"/>
         <p:cNvGrpSpPr/>
         <p:nvPr/>
       </p:nvGrpSpPr>
@@ -4729,12 +4737,12 @@
           </a:ln>
         </p:spPr>
         <p:txBody>
-          <a:bodyPr anchorCtr="0" anchor="ctr" bIns="91425" lIns="91425" spcFirstLastPara="1" rIns="91425" wrap="square" tIns="91425">
+          <a:bodyPr spcFirstLastPara="1" wrap="square" lIns="91425" tIns="91425" rIns="91425" bIns="91425" anchor="ctr" anchorCtr="0">
             <a:noAutofit/>
           </a:bodyPr>
           <a:lstStyle/>
           <a:p>
-            <a:pPr indent="0" lvl="0" marL="0" rtl="0" algn="l">
+            <a:pPr marL="0" lvl="0" indent="0" algn="l" rtl="0">
               <a:spcBef>
                 <a:spcPts val="0"/>
               </a:spcBef>
@@ -4743,9 +4751,6 @@
               </a:spcAft>
               <a:buNone/>
             </a:pPr>
-            <a:r>
-              <a:t/>
-            </a:r>
             <a:endParaRPr/>
           </a:p>
         </p:txBody>
@@ -4772,12 +4777,12 @@
           </a:ln>
         </p:spPr>
         <p:txBody>
-          <a:bodyPr anchorCtr="0" anchor="ctr" bIns="91425" lIns="91425" spcFirstLastPara="1" rIns="91425" wrap="square" tIns="91425">
+          <a:bodyPr spcFirstLastPara="1" wrap="square" lIns="91425" tIns="91425" rIns="91425" bIns="91425" anchor="ctr" anchorCtr="0">
             <a:noAutofit/>
           </a:bodyPr>
           <a:lstStyle/>
           <a:p>
-            <a:pPr indent="0" lvl="0" marL="0" rtl="0" algn="l">
+            <a:pPr marL="0" lvl="0" indent="0" algn="l" rtl="0">
               <a:spcBef>
                 <a:spcPts val="0"/>
               </a:spcBef>
@@ -4786,9 +4791,6 @@
               </a:spcAft>
               <a:buNone/>
             </a:pPr>
-            <a:r>
-              <a:t/>
-            </a:r>
             <a:endParaRPr/>
           </a:p>
         </p:txBody>
@@ -4814,7 +4816,7 @@
             <a:noFill/>
           </a:ln>
           <a:effectLst>
-            <a:outerShdw blurRad="228600" sx="101000" rotWithShape="0" algn="ctr" sy="101000">
+            <a:outerShdw blurRad="228600" sx="101000" sy="101000" algn="ctr" rotWithShape="0">
               <a:srgbClr val="000000">
                 <a:alpha val="40000"/>
               </a:srgbClr>
@@ -4822,12 +4824,12 @@
           </a:effectLst>
         </p:spPr>
         <p:txBody>
-          <a:bodyPr anchorCtr="0" anchor="ctr" bIns="91425" lIns="91425" spcFirstLastPara="1" rIns="91425" wrap="square" tIns="91425">
+          <a:bodyPr spcFirstLastPara="1" wrap="square" lIns="91425" tIns="91425" rIns="91425" bIns="91425" anchor="ctr" anchorCtr="0">
             <a:noAutofit/>
           </a:bodyPr>
           <a:lstStyle/>
           <a:p>
-            <a:pPr indent="0" lvl="0" marL="0" rtl="0" algn="l">
+            <a:pPr marL="0" lvl="0" indent="0" algn="l" rtl="0">
               <a:spcBef>
                 <a:spcPts val="0"/>
               </a:spcBef>
@@ -4836,9 +4838,6 @@
               </a:spcAft>
               <a:buNone/>
             </a:pPr>
-            <a:r>
-              <a:t/>
-            </a:r>
             <a:endParaRPr/>
           </a:p>
         </p:txBody>
@@ -4846,7 +4845,9 @@
       <p:sp>
         <p:nvSpPr>
           <p:cNvPr id="53" name="Google Shape;53;p4"/>
-          <p:cNvSpPr txBox="1"/>
+          <p:cNvSpPr txBox="1">
+            <a:spLocks noGrp="1"/>
+          </p:cNvSpPr>
           <p:nvPr>
             <p:ph type="title"/>
           </p:nvPr>
@@ -4861,7 +4862,7 @@
           </a:prstGeom>
         </p:spPr>
         <p:txBody>
-          <a:bodyPr anchorCtr="0" anchor="t" bIns="91425" lIns="91425" spcFirstLastPara="1" rIns="91425" wrap="square" tIns="91425">
+          <a:bodyPr spcFirstLastPara="1" wrap="square" lIns="91425" tIns="91425" rIns="91425" bIns="91425" anchor="t" anchorCtr="0">
             <a:normAutofit/>
           </a:bodyPr>
           <a:lstStyle>
@@ -4965,15 +4966,19 @@
               <a:defRPr sz="3000"/>
             </a:lvl9pPr>
           </a:lstStyle>
-          <a:p/>
+          <a:p>
+            <a:endParaRPr/>
+          </a:p>
         </p:txBody>
       </p:sp>
       <p:sp>
         <p:nvSpPr>
           <p:cNvPr id="54" name="Google Shape;54;p4"/>
-          <p:cNvSpPr txBox="1"/>
+          <p:cNvSpPr txBox="1">
+            <a:spLocks noGrp="1"/>
+          </p:cNvSpPr>
           <p:nvPr>
-            <p:ph idx="1" type="body"/>
+            <p:ph type="body" idx="1"/>
           </p:nvPr>
         </p:nvSpPr>
         <p:spPr>
@@ -4986,11 +4991,11 @@
           </a:prstGeom>
         </p:spPr>
         <p:txBody>
-          <a:bodyPr anchorCtr="0" anchor="t" bIns="91425" lIns="91425" spcFirstLastPara="1" rIns="91425" wrap="square" tIns="91425">
+          <a:bodyPr spcFirstLastPara="1" wrap="square" lIns="91425" tIns="91425" rIns="91425" bIns="91425" anchor="t" anchorCtr="0">
             <a:normAutofit/>
           </a:bodyPr>
           <a:lstStyle>
-            <a:lvl1pPr indent="-311150" lvl="0" marL="457200">
+            <a:lvl1pPr marL="457200" lvl="0" indent="-311150">
               <a:spcBef>
                 <a:spcPts val="0"/>
               </a:spcBef>
@@ -5001,7 +5006,7 @@
               <a:buChar char="●"/>
               <a:defRPr/>
             </a:lvl1pPr>
-            <a:lvl2pPr indent="-298450" lvl="1" marL="914400">
+            <a:lvl2pPr marL="914400" lvl="1" indent="-298450">
               <a:spcBef>
                 <a:spcPts val="0"/>
               </a:spcBef>
@@ -5012,7 +5017,7 @@
               <a:buChar char="○"/>
               <a:defRPr/>
             </a:lvl2pPr>
-            <a:lvl3pPr indent="-298450" lvl="2" marL="1371600">
+            <a:lvl3pPr marL="1371600" lvl="2" indent="-298450">
               <a:spcBef>
                 <a:spcPts val="0"/>
               </a:spcBef>
@@ -5023,7 +5028,7 @@
               <a:buChar char="■"/>
               <a:defRPr/>
             </a:lvl3pPr>
-            <a:lvl4pPr indent="-298450" lvl="3" marL="1828800">
+            <a:lvl4pPr marL="1828800" lvl="3" indent="-298450">
               <a:spcBef>
                 <a:spcPts val="0"/>
               </a:spcBef>
@@ -5034,7 +5039,7 @@
               <a:buChar char="●"/>
               <a:defRPr/>
             </a:lvl4pPr>
-            <a:lvl5pPr indent="-298450" lvl="4" marL="2286000">
+            <a:lvl5pPr marL="2286000" lvl="4" indent="-298450">
               <a:spcBef>
                 <a:spcPts val="0"/>
               </a:spcBef>
@@ -5045,7 +5050,7 @@
               <a:buChar char="○"/>
               <a:defRPr/>
             </a:lvl5pPr>
-            <a:lvl6pPr indent="-298450" lvl="5" marL="2743200">
+            <a:lvl6pPr marL="2743200" lvl="5" indent="-298450">
               <a:spcBef>
                 <a:spcPts val="0"/>
               </a:spcBef>
@@ -5056,7 +5061,7 @@
               <a:buChar char="■"/>
               <a:defRPr/>
             </a:lvl6pPr>
-            <a:lvl7pPr indent="-298450" lvl="6" marL="3200400">
+            <a:lvl7pPr marL="3200400" lvl="6" indent="-298450">
               <a:spcBef>
                 <a:spcPts val="0"/>
               </a:spcBef>
@@ -5067,7 +5072,7 @@
               <a:buChar char="●"/>
               <a:defRPr/>
             </a:lvl7pPr>
-            <a:lvl8pPr indent="-298450" lvl="7" marL="3657600">
+            <a:lvl8pPr marL="3657600" lvl="7" indent="-298450">
               <a:spcBef>
                 <a:spcPts val="0"/>
               </a:spcBef>
@@ -5078,7 +5083,7 @@
               <a:buChar char="○"/>
               <a:defRPr/>
             </a:lvl8pPr>
-            <a:lvl9pPr indent="-298450" lvl="8" marL="4114800">
+            <a:lvl9pPr marL="4114800" lvl="8" indent="-298450">
               <a:spcBef>
                 <a:spcPts val="0"/>
               </a:spcBef>
@@ -5090,15 +5095,19 @@
               <a:defRPr/>
             </a:lvl9pPr>
           </a:lstStyle>
-          <a:p/>
+          <a:p>
+            <a:endParaRPr/>
+          </a:p>
         </p:txBody>
       </p:sp>
       <p:sp>
         <p:nvSpPr>
           <p:cNvPr id="55" name="Google Shape;55;p4"/>
-          <p:cNvSpPr txBox="1"/>
+          <p:cNvSpPr txBox="1">
+            <a:spLocks noGrp="1"/>
+          </p:cNvSpPr>
           <p:nvPr>
-            <p:ph idx="12" type="sldNum"/>
+            <p:ph type="sldNum" idx="12"/>
           </p:nvPr>
         </p:nvSpPr>
         <p:spPr>
@@ -5111,7 +5120,7 @@
           </a:prstGeom>
         </p:spPr>
         <p:txBody>
-          <a:bodyPr anchorCtr="0" anchor="ctr" bIns="91425" lIns="91425" spcFirstLastPara="1" rIns="91425" wrap="square" tIns="91425">
+          <a:bodyPr spcFirstLastPara="1" wrap="square" lIns="91425" tIns="91425" rIns="91425" bIns="91425" anchor="ctr" anchorCtr="0">
             <a:normAutofit/>
           </a:bodyPr>
           <a:lstStyle>
@@ -5153,7 +5162,7 @@
             </a:lvl9pPr>
           </a:lstStyle>
           <a:p>
-            <a:pPr indent="0" lvl="0" marL="0" rtl="0" algn="r">
+            <a:pPr marL="0" lvl="0" indent="0" algn="r" rtl="0">
               <a:spcBef>
                 <a:spcPts val="0"/>
               </a:spcBef>
@@ -5179,18 +5188,19 @@
 </file>
 
 <file path=ppt/slideLayouts/slideLayout4.xml><?xml version="1.0" encoding="utf-8"?>
-<p:sldLayout xmlns:a="http://schemas.openxmlformats.org/drawingml/2006/main" xmlns:r="http://schemas.openxmlformats.org/officeDocument/2006/relationships" xmlns:mc="http://schemas.openxmlformats.org/markup-compatibility/2006" xmlns:mv="urn:schemas-microsoft-com:mac:vml" xmlns:p="http://schemas.openxmlformats.org/presentationml/2006/main" xmlns:c="http://schemas.openxmlformats.org/drawingml/2006/chart" xmlns:dgm="http://schemas.openxmlformats.org/drawingml/2006/diagram" xmlns:o="urn:schemas-microsoft-com:office:office" xmlns:v="urn:schemas-microsoft-com:vml" xmlns:pvml="urn:schemas-microsoft-com:office:powerpoint" xmlns:com="http://schemas.openxmlformats.org/drawingml/2006/compatibility" xmlns:p14="http://schemas.microsoft.com/office/powerpoint/2010/main" xmlns:p15="http://schemas.microsoft.com/office/powerpoint/2012/main" xmlns:ahyp="http://schemas.microsoft.com/office/drawing/2018/hyperlinkcolor" matchingName="Title and two columns" type="twoColTx">
+<p:sldLayout xmlns:a="http://schemas.openxmlformats.org/drawingml/2006/main" xmlns:r="http://schemas.openxmlformats.org/officeDocument/2006/relationships" xmlns:p="http://schemas.openxmlformats.org/presentationml/2006/main" matchingName="Title and two columns" type="twoColTx">
   <p:cSld name="TITLE_AND_TWO_COLUMNS">
     <p:bg>
       <p:bgPr>
         <a:solidFill>
           <a:schemeClr val="dk2"/>
         </a:solidFill>
+        <a:effectLst/>
       </p:bgPr>
     </p:bg>
     <p:spTree>
       <p:nvGrpSpPr>
-        <p:cNvPr id="56" name="Shape 56"/>
+        <p:cNvPr id="1" name="Shape 56"/>
         <p:cNvGrpSpPr/>
         <p:nvPr/>
       </p:nvGrpSpPr>
@@ -5224,12 +5234,12 @@
           </a:ln>
         </p:spPr>
         <p:txBody>
-          <a:bodyPr anchorCtr="0" anchor="ctr" bIns="91425" lIns="91425" spcFirstLastPara="1" rIns="91425" wrap="square" tIns="91425">
+          <a:bodyPr spcFirstLastPara="1" wrap="square" lIns="91425" tIns="91425" rIns="91425" bIns="91425" anchor="ctr" anchorCtr="0">
             <a:noAutofit/>
           </a:bodyPr>
           <a:lstStyle/>
           <a:p>
-            <a:pPr indent="0" lvl="0" marL="0" rtl="0" algn="l">
+            <a:pPr marL="0" lvl="0" indent="0" algn="l" rtl="0">
               <a:spcBef>
                 <a:spcPts val="0"/>
               </a:spcBef>
@@ -5238,9 +5248,6 @@
               </a:spcAft>
               <a:buNone/>
             </a:pPr>
-            <a:r>
-              <a:t/>
-            </a:r>
             <a:endParaRPr/>
           </a:p>
         </p:txBody>
@@ -5267,12 +5274,12 @@
           </a:ln>
         </p:spPr>
         <p:txBody>
-          <a:bodyPr anchorCtr="0" anchor="ctr" bIns="91425" lIns="91425" spcFirstLastPara="1" rIns="91425" wrap="square" tIns="91425">
+          <a:bodyPr spcFirstLastPara="1" wrap="square" lIns="91425" tIns="91425" rIns="91425" bIns="91425" anchor="ctr" anchorCtr="0">
             <a:noAutofit/>
           </a:bodyPr>
           <a:lstStyle/>
           <a:p>
-            <a:pPr indent="0" lvl="0" marL="0" rtl="0" algn="l">
+            <a:pPr marL="0" lvl="0" indent="0" algn="l" rtl="0">
               <a:spcBef>
                 <a:spcPts val="0"/>
               </a:spcBef>
@@ -5281,9 +5288,6 @@
               </a:spcAft>
               <a:buNone/>
             </a:pPr>
-            <a:r>
-              <a:t/>
-            </a:r>
             <a:endParaRPr/>
           </a:p>
         </p:txBody>
@@ -5309,7 +5313,7 @@
             <a:noFill/>
           </a:ln>
           <a:effectLst>
-            <a:outerShdw blurRad="228600" sx="101000" rotWithShape="0" algn="ctr" sy="101000">
+            <a:outerShdw blurRad="228600" sx="101000" sy="101000" algn="ctr" rotWithShape="0">
               <a:srgbClr val="000000">
                 <a:alpha val="40000"/>
               </a:srgbClr>
@@ -5317,12 +5321,12 @@
           </a:effectLst>
         </p:spPr>
         <p:txBody>
-          <a:bodyPr anchorCtr="0" anchor="ctr" bIns="91425" lIns="91425" spcFirstLastPara="1" rIns="91425" wrap="square" tIns="91425">
+          <a:bodyPr spcFirstLastPara="1" wrap="square" lIns="91425" tIns="91425" rIns="91425" bIns="91425" anchor="ctr" anchorCtr="0">
             <a:noAutofit/>
           </a:bodyPr>
           <a:lstStyle/>
           <a:p>
-            <a:pPr indent="0" lvl="0" marL="0" rtl="0" algn="l">
+            <a:pPr marL="0" lvl="0" indent="0" algn="l" rtl="0">
               <a:spcBef>
                 <a:spcPts val="0"/>
               </a:spcBef>
@@ -5331,9 +5335,6 @@
               </a:spcAft>
               <a:buNone/>
             </a:pPr>
-            <a:r>
-              <a:t/>
-            </a:r>
             <a:endParaRPr/>
           </a:p>
         </p:txBody>
@@ -5341,7 +5342,9 @@
       <p:sp>
         <p:nvSpPr>
           <p:cNvPr id="60" name="Google Shape;60;p5"/>
-          <p:cNvSpPr txBox="1"/>
+          <p:cNvSpPr txBox="1">
+            <a:spLocks noGrp="1"/>
+          </p:cNvSpPr>
           <p:nvPr>
             <p:ph type="title"/>
           </p:nvPr>
@@ -5356,7 +5359,7 @@
           </a:prstGeom>
         </p:spPr>
         <p:txBody>
-          <a:bodyPr anchorCtr="0" anchor="t" bIns="91425" lIns="91425" spcFirstLastPara="1" rIns="91425" wrap="square" tIns="91425">
+          <a:bodyPr spcFirstLastPara="1" wrap="square" lIns="91425" tIns="91425" rIns="91425" bIns="91425" anchor="t" anchorCtr="0">
             <a:normAutofit/>
           </a:bodyPr>
           <a:lstStyle>
@@ -5460,15 +5463,19 @@
               <a:defRPr sz="3000"/>
             </a:lvl9pPr>
           </a:lstStyle>
-          <a:p/>
+          <a:p>
+            <a:endParaRPr/>
+          </a:p>
         </p:txBody>
       </p:sp>
       <p:sp>
         <p:nvSpPr>
           <p:cNvPr id="61" name="Google Shape;61;p5"/>
-          <p:cNvSpPr txBox="1"/>
+          <p:cNvSpPr txBox="1">
+            <a:spLocks noGrp="1"/>
+          </p:cNvSpPr>
           <p:nvPr>
-            <p:ph idx="1" type="body"/>
+            <p:ph type="body" idx="1"/>
           </p:nvPr>
         </p:nvSpPr>
         <p:spPr>
@@ -5481,11 +5488,11 @@
           </a:prstGeom>
         </p:spPr>
         <p:txBody>
-          <a:bodyPr anchorCtr="0" anchor="t" bIns="91425" lIns="91425" spcFirstLastPara="1" rIns="91425" wrap="square" tIns="91425">
+          <a:bodyPr spcFirstLastPara="1" wrap="square" lIns="91425" tIns="91425" rIns="91425" bIns="91425" anchor="t" anchorCtr="0">
             <a:normAutofit/>
           </a:bodyPr>
           <a:lstStyle>
-            <a:lvl1pPr indent="-311150" lvl="0" marL="457200">
+            <a:lvl1pPr marL="457200" lvl="0" indent="-311150">
               <a:spcBef>
                 <a:spcPts val="0"/>
               </a:spcBef>
@@ -5496,7 +5503,7 @@
               <a:buChar char="●"/>
               <a:defRPr/>
             </a:lvl1pPr>
-            <a:lvl2pPr indent="-298450" lvl="1" marL="914400">
+            <a:lvl2pPr marL="914400" lvl="1" indent="-298450">
               <a:spcBef>
                 <a:spcPts val="0"/>
               </a:spcBef>
@@ -5507,7 +5514,7 @@
               <a:buChar char="○"/>
               <a:defRPr/>
             </a:lvl2pPr>
-            <a:lvl3pPr indent="-298450" lvl="2" marL="1371600">
+            <a:lvl3pPr marL="1371600" lvl="2" indent="-298450">
               <a:spcBef>
                 <a:spcPts val="0"/>
               </a:spcBef>
@@ -5518,7 +5525,7 @@
               <a:buChar char="■"/>
               <a:defRPr/>
             </a:lvl3pPr>
-            <a:lvl4pPr indent="-298450" lvl="3" marL="1828800">
+            <a:lvl4pPr marL="1828800" lvl="3" indent="-298450">
               <a:spcBef>
                 <a:spcPts val="0"/>
               </a:spcBef>
@@ -5529,7 +5536,7 @@
               <a:buChar char="●"/>
               <a:defRPr/>
             </a:lvl4pPr>
-            <a:lvl5pPr indent="-298450" lvl="4" marL="2286000">
+            <a:lvl5pPr marL="2286000" lvl="4" indent="-298450">
               <a:spcBef>
                 <a:spcPts val="0"/>
               </a:spcBef>
@@ -5540,7 +5547,7 @@
               <a:buChar char="○"/>
               <a:defRPr/>
             </a:lvl5pPr>
-            <a:lvl6pPr indent="-298450" lvl="5" marL="2743200">
+            <a:lvl6pPr marL="2743200" lvl="5" indent="-298450">
               <a:spcBef>
                 <a:spcPts val="0"/>
               </a:spcBef>
@@ -5551,7 +5558,7 @@
               <a:buChar char="■"/>
               <a:defRPr/>
             </a:lvl6pPr>
-            <a:lvl7pPr indent="-298450" lvl="6" marL="3200400">
+            <a:lvl7pPr marL="3200400" lvl="6" indent="-298450">
               <a:spcBef>
                 <a:spcPts val="0"/>
               </a:spcBef>
@@ -5562,7 +5569,7 @@
               <a:buChar char="●"/>
               <a:defRPr/>
             </a:lvl7pPr>
-            <a:lvl8pPr indent="-298450" lvl="7" marL="3657600">
+            <a:lvl8pPr marL="3657600" lvl="7" indent="-298450">
               <a:spcBef>
                 <a:spcPts val="0"/>
               </a:spcBef>
@@ -5573,7 +5580,7 @@
               <a:buChar char="○"/>
               <a:defRPr/>
             </a:lvl8pPr>
-            <a:lvl9pPr indent="-298450" lvl="8" marL="4114800">
+            <a:lvl9pPr marL="4114800" lvl="8" indent="-298450">
               <a:spcBef>
                 <a:spcPts val="0"/>
               </a:spcBef>
@@ -5585,15 +5592,19 @@
               <a:defRPr/>
             </a:lvl9pPr>
           </a:lstStyle>
-          <a:p/>
+          <a:p>
+            <a:endParaRPr/>
+          </a:p>
         </p:txBody>
       </p:sp>
       <p:sp>
         <p:nvSpPr>
           <p:cNvPr id="62" name="Google Shape;62;p5"/>
-          <p:cNvSpPr txBox="1"/>
+          <p:cNvSpPr txBox="1">
+            <a:spLocks noGrp="1"/>
+          </p:cNvSpPr>
           <p:nvPr>
-            <p:ph idx="2" type="body"/>
+            <p:ph type="body" idx="2"/>
           </p:nvPr>
         </p:nvSpPr>
         <p:spPr>
@@ -5606,11 +5617,11 @@
           </a:prstGeom>
         </p:spPr>
         <p:txBody>
-          <a:bodyPr anchorCtr="0" anchor="t" bIns="91425" lIns="91425" spcFirstLastPara="1" rIns="91425" wrap="square" tIns="91425">
+          <a:bodyPr spcFirstLastPara="1" wrap="square" lIns="91425" tIns="91425" rIns="91425" bIns="91425" anchor="t" anchorCtr="0">
             <a:normAutofit/>
           </a:bodyPr>
           <a:lstStyle>
-            <a:lvl1pPr indent="-311150" lvl="0" marL="457200">
+            <a:lvl1pPr marL="457200" lvl="0" indent="-311150">
               <a:spcBef>
                 <a:spcPts val="0"/>
               </a:spcBef>
@@ -5621,7 +5632,7 @@
               <a:buChar char="●"/>
               <a:defRPr/>
             </a:lvl1pPr>
-            <a:lvl2pPr indent="-298450" lvl="1" marL="914400">
+            <a:lvl2pPr marL="914400" lvl="1" indent="-298450">
               <a:spcBef>
                 <a:spcPts val="0"/>
               </a:spcBef>
@@ -5632,7 +5643,7 @@
               <a:buChar char="○"/>
               <a:defRPr/>
             </a:lvl2pPr>
-            <a:lvl3pPr indent="-298450" lvl="2" marL="1371600">
+            <a:lvl3pPr marL="1371600" lvl="2" indent="-298450">
               <a:spcBef>
                 <a:spcPts val="0"/>
               </a:spcBef>
@@ -5643,7 +5654,7 @@
               <a:buChar char="■"/>
               <a:defRPr/>
             </a:lvl3pPr>
-            <a:lvl4pPr indent="-298450" lvl="3" marL="1828800">
+            <a:lvl4pPr marL="1828800" lvl="3" indent="-298450">
               <a:spcBef>
                 <a:spcPts val="0"/>
               </a:spcBef>
@@ -5654,7 +5665,7 @@
               <a:buChar char="●"/>
               <a:defRPr/>
             </a:lvl4pPr>
-            <a:lvl5pPr indent="-298450" lvl="4" marL="2286000">
+            <a:lvl5pPr marL="2286000" lvl="4" indent="-298450">
               <a:spcBef>
                 <a:spcPts val="0"/>
               </a:spcBef>
@@ -5665,7 +5676,7 @@
               <a:buChar char="○"/>
               <a:defRPr/>
             </a:lvl5pPr>
-            <a:lvl6pPr indent="-298450" lvl="5" marL="2743200">
+            <a:lvl6pPr marL="2743200" lvl="5" indent="-298450">
               <a:spcBef>
                 <a:spcPts val="0"/>
               </a:spcBef>
@@ -5676,7 +5687,7 @@
               <a:buChar char="■"/>
               <a:defRPr/>
             </a:lvl6pPr>
-            <a:lvl7pPr indent="-298450" lvl="6" marL="3200400">
+            <a:lvl7pPr marL="3200400" lvl="6" indent="-298450">
               <a:spcBef>
                 <a:spcPts val="0"/>
               </a:spcBef>
@@ -5687,7 +5698,7 @@
               <a:buChar char="●"/>
               <a:defRPr/>
             </a:lvl7pPr>
-            <a:lvl8pPr indent="-298450" lvl="7" marL="3657600">
+            <a:lvl8pPr marL="3657600" lvl="7" indent="-298450">
               <a:spcBef>
                 <a:spcPts val="0"/>
               </a:spcBef>
@@ -5698,7 +5709,7 @@
               <a:buChar char="○"/>
               <a:defRPr/>
             </a:lvl8pPr>
-            <a:lvl9pPr indent="-298450" lvl="8" marL="4114800">
+            <a:lvl9pPr marL="4114800" lvl="8" indent="-298450">
               <a:spcBef>
                 <a:spcPts val="0"/>
               </a:spcBef>
@@ -5710,15 +5721,19 @@
               <a:defRPr/>
             </a:lvl9pPr>
           </a:lstStyle>
-          <a:p/>
+          <a:p>
+            <a:endParaRPr/>
+          </a:p>
         </p:txBody>
       </p:sp>
       <p:sp>
         <p:nvSpPr>
           <p:cNvPr id="63" name="Google Shape;63;p5"/>
-          <p:cNvSpPr txBox="1"/>
+          <p:cNvSpPr txBox="1">
+            <a:spLocks noGrp="1"/>
+          </p:cNvSpPr>
           <p:nvPr>
-            <p:ph idx="12" type="sldNum"/>
+            <p:ph type="sldNum" idx="12"/>
           </p:nvPr>
         </p:nvSpPr>
         <p:spPr>
@@ -5731,7 +5746,7 @@
           </a:prstGeom>
         </p:spPr>
         <p:txBody>
-          <a:bodyPr anchorCtr="0" anchor="ctr" bIns="91425" lIns="91425" spcFirstLastPara="1" rIns="91425" wrap="square" tIns="91425">
+          <a:bodyPr spcFirstLastPara="1" wrap="square" lIns="91425" tIns="91425" rIns="91425" bIns="91425" anchor="ctr" anchorCtr="0">
             <a:normAutofit/>
           </a:bodyPr>
           <a:lstStyle>
@@ -5773,7 +5788,7 @@
             </a:lvl9pPr>
           </a:lstStyle>
           <a:p>
-            <a:pPr indent="0" lvl="0" marL="0" rtl="0" algn="r">
+            <a:pPr marL="0" lvl="0" indent="0" algn="r" rtl="0">
               <a:spcBef>
                 <a:spcPts val="0"/>
               </a:spcBef>
@@ -5799,18 +5814,19 @@
 </file>
 
 <file path=ppt/slideLayouts/slideLayout5.xml><?xml version="1.0" encoding="utf-8"?>
-<p:sldLayout xmlns:a="http://schemas.openxmlformats.org/drawingml/2006/main" xmlns:r="http://schemas.openxmlformats.org/officeDocument/2006/relationships" xmlns:mc="http://schemas.openxmlformats.org/markup-compatibility/2006" xmlns:mv="urn:schemas-microsoft-com:mac:vml" xmlns:p="http://schemas.openxmlformats.org/presentationml/2006/main" xmlns:c="http://schemas.openxmlformats.org/drawingml/2006/chart" xmlns:dgm="http://schemas.openxmlformats.org/drawingml/2006/diagram" xmlns:o="urn:schemas-microsoft-com:office:office" xmlns:v="urn:schemas-microsoft-com:vml" xmlns:pvml="urn:schemas-microsoft-com:office:powerpoint" xmlns:com="http://schemas.openxmlformats.org/drawingml/2006/compatibility" xmlns:p14="http://schemas.microsoft.com/office/powerpoint/2010/main" xmlns:p15="http://schemas.microsoft.com/office/powerpoint/2012/main" xmlns:ahyp="http://schemas.microsoft.com/office/drawing/2018/hyperlinkcolor" matchingName="Title only" type="titleOnly">
+<p:sldLayout xmlns:a="http://schemas.openxmlformats.org/drawingml/2006/main" xmlns:r="http://schemas.openxmlformats.org/officeDocument/2006/relationships" xmlns:p="http://schemas.openxmlformats.org/presentationml/2006/main" matchingName="Title only" type="titleOnly">
   <p:cSld name="TITLE_ONLY">
     <p:bg>
       <p:bgPr>
         <a:solidFill>
           <a:schemeClr val="dk2"/>
         </a:solidFill>
+        <a:effectLst/>
       </p:bgPr>
     </p:bg>
     <p:spTree>
       <p:nvGrpSpPr>
-        <p:cNvPr id="64" name="Shape 64"/>
+        <p:cNvPr id="1" name="Shape 64"/>
         <p:cNvGrpSpPr/>
         <p:nvPr/>
       </p:nvGrpSpPr>
@@ -5844,12 +5860,12 @@
           </a:ln>
         </p:spPr>
         <p:txBody>
-          <a:bodyPr anchorCtr="0" anchor="ctr" bIns="91425" lIns="91425" spcFirstLastPara="1" rIns="91425" wrap="square" tIns="91425">
+          <a:bodyPr spcFirstLastPara="1" wrap="square" lIns="91425" tIns="91425" rIns="91425" bIns="91425" anchor="ctr" anchorCtr="0">
             <a:noAutofit/>
           </a:bodyPr>
           <a:lstStyle/>
           <a:p>
-            <a:pPr indent="0" lvl="0" marL="0" rtl="0" algn="l">
+            <a:pPr marL="0" lvl="0" indent="0" algn="l" rtl="0">
               <a:spcBef>
                 <a:spcPts val="0"/>
               </a:spcBef>
@@ -5858,9 +5874,6 @@
               </a:spcAft>
               <a:buNone/>
             </a:pPr>
-            <a:r>
-              <a:t/>
-            </a:r>
             <a:endParaRPr/>
           </a:p>
         </p:txBody>
@@ -5887,12 +5900,12 @@
           </a:ln>
         </p:spPr>
         <p:txBody>
-          <a:bodyPr anchorCtr="0" anchor="ctr" bIns="91425" lIns="91425" spcFirstLastPara="1" rIns="91425" wrap="square" tIns="91425">
+          <a:bodyPr spcFirstLastPara="1" wrap="square" lIns="91425" tIns="91425" rIns="91425" bIns="91425" anchor="ctr" anchorCtr="0">
             <a:noAutofit/>
           </a:bodyPr>
           <a:lstStyle/>
           <a:p>
-            <a:pPr indent="0" lvl="0" marL="0" rtl="0" algn="l">
+            <a:pPr marL="0" lvl="0" indent="0" algn="l" rtl="0">
               <a:spcBef>
                 <a:spcPts val="0"/>
               </a:spcBef>
@@ -5901,9 +5914,6 @@
               </a:spcAft>
               <a:buNone/>
             </a:pPr>
-            <a:r>
-              <a:t/>
-            </a:r>
             <a:endParaRPr/>
           </a:p>
         </p:txBody>
@@ -5929,7 +5939,7 @@
             <a:noFill/>
           </a:ln>
           <a:effectLst>
-            <a:outerShdw blurRad="228600" sx="101000" rotWithShape="0" algn="ctr" sy="101000">
+            <a:outerShdw blurRad="228600" sx="101000" sy="101000" algn="ctr" rotWithShape="0">
               <a:srgbClr val="000000">
                 <a:alpha val="40000"/>
               </a:srgbClr>
@@ -5937,12 +5947,12 @@
           </a:effectLst>
         </p:spPr>
         <p:txBody>
-          <a:bodyPr anchorCtr="0" anchor="ctr" bIns="91425" lIns="91425" spcFirstLastPara="1" rIns="91425" wrap="square" tIns="91425">
+          <a:bodyPr spcFirstLastPara="1" wrap="square" lIns="91425" tIns="91425" rIns="91425" bIns="91425" anchor="ctr" anchorCtr="0">
             <a:noAutofit/>
           </a:bodyPr>
           <a:lstStyle/>
           <a:p>
-            <a:pPr indent="0" lvl="0" marL="0" rtl="0" algn="l">
+            <a:pPr marL="0" lvl="0" indent="0" algn="l" rtl="0">
               <a:spcBef>
                 <a:spcPts val="0"/>
               </a:spcBef>
@@ -5951,9 +5961,6 @@
               </a:spcAft>
               <a:buNone/>
             </a:pPr>
-            <a:r>
-              <a:t/>
-            </a:r>
             <a:endParaRPr/>
           </a:p>
         </p:txBody>
@@ -5961,7 +5968,9 @@
       <p:sp>
         <p:nvSpPr>
           <p:cNvPr id="68" name="Google Shape;68;p6"/>
-          <p:cNvSpPr txBox="1"/>
+          <p:cNvSpPr txBox="1">
+            <a:spLocks noGrp="1"/>
+          </p:cNvSpPr>
           <p:nvPr>
             <p:ph type="title"/>
           </p:nvPr>
@@ -5976,7 +5985,7 @@
           </a:prstGeom>
         </p:spPr>
         <p:txBody>
-          <a:bodyPr anchorCtr="0" anchor="t" bIns="91425" lIns="91425" spcFirstLastPara="1" rIns="91425" wrap="square" tIns="91425">
+          <a:bodyPr spcFirstLastPara="1" wrap="square" lIns="91425" tIns="91425" rIns="91425" bIns="91425" anchor="t" anchorCtr="0">
             <a:normAutofit/>
           </a:bodyPr>
           <a:lstStyle>
@@ -6080,15 +6089,19 @@
               <a:defRPr sz="3000"/>
             </a:lvl9pPr>
           </a:lstStyle>
-          <a:p/>
+          <a:p>
+            <a:endParaRPr/>
+          </a:p>
         </p:txBody>
       </p:sp>
       <p:sp>
         <p:nvSpPr>
           <p:cNvPr id="69" name="Google Shape;69;p6"/>
-          <p:cNvSpPr txBox="1"/>
+          <p:cNvSpPr txBox="1">
+            <a:spLocks noGrp="1"/>
+          </p:cNvSpPr>
           <p:nvPr>
-            <p:ph idx="12" type="sldNum"/>
+            <p:ph type="sldNum" idx="12"/>
           </p:nvPr>
         </p:nvSpPr>
         <p:spPr>
@@ -6101,7 +6114,7 @@
           </a:prstGeom>
         </p:spPr>
         <p:txBody>
-          <a:bodyPr anchorCtr="0" anchor="ctr" bIns="91425" lIns="91425" spcFirstLastPara="1" rIns="91425" wrap="square" tIns="91425">
+          <a:bodyPr spcFirstLastPara="1" wrap="square" lIns="91425" tIns="91425" rIns="91425" bIns="91425" anchor="ctr" anchorCtr="0">
             <a:normAutofit/>
           </a:bodyPr>
           <a:lstStyle>
@@ -6143,7 +6156,7 @@
             </a:lvl9pPr>
           </a:lstStyle>
           <a:p>
-            <a:pPr indent="0" lvl="0" marL="0" rtl="0" algn="r">
+            <a:pPr marL="0" lvl="0" indent="0" algn="r" rtl="0">
               <a:spcBef>
                 <a:spcPts val="0"/>
               </a:spcBef>
@@ -6169,18 +6182,19 @@
 </file>
 
 <file path=ppt/slideLayouts/slideLayout6.xml><?xml version="1.0" encoding="utf-8"?>
-<p:sldLayout xmlns:a="http://schemas.openxmlformats.org/drawingml/2006/main" xmlns:r="http://schemas.openxmlformats.org/officeDocument/2006/relationships" xmlns:mc="http://schemas.openxmlformats.org/markup-compatibility/2006" xmlns:mv="urn:schemas-microsoft-com:mac:vml" xmlns:p="http://schemas.openxmlformats.org/presentationml/2006/main" xmlns:c="http://schemas.openxmlformats.org/drawingml/2006/chart" xmlns:dgm="http://schemas.openxmlformats.org/drawingml/2006/diagram" xmlns:o="urn:schemas-microsoft-com:office:office" xmlns:v="urn:schemas-microsoft-com:vml" xmlns:pvml="urn:schemas-microsoft-com:office:powerpoint" xmlns:com="http://schemas.openxmlformats.org/drawingml/2006/compatibility" xmlns:p14="http://schemas.microsoft.com/office/powerpoint/2010/main" xmlns:p15="http://schemas.microsoft.com/office/powerpoint/2012/main" xmlns:ahyp="http://schemas.microsoft.com/office/drawing/2018/hyperlinkcolor" matchingName="One column text">
+<p:sldLayout xmlns:a="http://schemas.openxmlformats.org/drawingml/2006/main" xmlns:r="http://schemas.openxmlformats.org/officeDocument/2006/relationships" xmlns:p="http://schemas.openxmlformats.org/presentationml/2006/main" matchingName="One column text">
   <p:cSld name="ONE_COLUMN_TEXT">
     <p:bg>
       <p:bgPr>
         <a:solidFill>
           <a:schemeClr val="accent3"/>
         </a:solidFill>
+        <a:effectLst/>
       </p:bgPr>
     </p:bg>
     <p:spTree>
       <p:nvGrpSpPr>
-        <p:cNvPr id="70" name="Shape 70"/>
+        <p:cNvPr id="1" name="Shape 70"/>
         <p:cNvGrpSpPr/>
         <p:nvPr/>
       </p:nvGrpSpPr>
@@ -6214,12 +6228,12 @@
           </a:ln>
         </p:spPr>
         <p:txBody>
-          <a:bodyPr anchorCtr="0" anchor="ctr" bIns="91425" lIns="91425" spcFirstLastPara="1" rIns="91425" wrap="square" tIns="91425">
+          <a:bodyPr spcFirstLastPara="1" wrap="square" lIns="91425" tIns="91425" rIns="91425" bIns="91425" anchor="ctr" anchorCtr="0">
             <a:noAutofit/>
           </a:bodyPr>
           <a:lstStyle/>
           <a:p>
-            <a:pPr indent="0" lvl="0" marL="0" rtl="0" algn="l">
+            <a:pPr marL="0" lvl="0" indent="0" algn="l" rtl="0">
               <a:spcBef>
                 <a:spcPts val="0"/>
               </a:spcBef>
@@ -6228,9 +6242,6 @@
               </a:spcAft>
               <a:buNone/>
             </a:pPr>
-            <a:r>
-              <a:t/>
-            </a:r>
             <a:endParaRPr/>
           </a:p>
         </p:txBody>
@@ -6257,12 +6268,12 @@
           </a:ln>
         </p:spPr>
         <p:txBody>
-          <a:bodyPr anchorCtr="0" anchor="ctr" bIns="91425" lIns="91425" spcFirstLastPara="1" rIns="91425" wrap="square" tIns="91425">
+          <a:bodyPr spcFirstLastPara="1" wrap="square" lIns="91425" tIns="91425" rIns="91425" bIns="91425" anchor="ctr" anchorCtr="0">
             <a:noAutofit/>
           </a:bodyPr>
           <a:lstStyle/>
           <a:p>
-            <a:pPr indent="0" lvl="0" marL="0" rtl="0" algn="l">
+            <a:pPr marL="0" lvl="0" indent="0" algn="l" rtl="0">
               <a:spcBef>
                 <a:spcPts val="0"/>
               </a:spcBef>
@@ -6271,9 +6282,6 @@
               </a:spcAft>
               <a:buNone/>
             </a:pPr>
-            <a:r>
-              <a:t/>
-            </a:r>
             <a:endParaRPr/>
           </a:p>
         </p:txBody>
@@ -6299,7 +6307,7 @@
             <a:noFill/>
           </a:ln>
           <a:effectLst>
-            <a:outerShdw blurRad="228600" sx="101000" rotWithShape="0" algn="ctr" sy="101000">
+            <a:outerShdw blurRad="228600" sx="101000" sy="101000" algn="ctr" rotWithShape="0">
               <a:srgbClr val="000000">
                 <a:alpha val="40000"/>
               </a:srgbClr>
@@ -6307,12 +6315,12 @@
           </a:effectLst>
         </p:spPr>
         <p:txBody>
-          <a:bodyPr anchorCtr="0" anchor="ctr" bIns="91425" lIns="91425" spcFirstLastPara="1" rIns="91425" wrap="square" tIns="91425">
+          <a:bodyPr spcFirstLastPara="1" wrap="square" lIns="91425" tIns="91425" rIns="91425" bIns="91425" anchor="ctr" anchorCtr="0">
             <a:noAutofit/>
           </a:bodyPr>
           <a:lstStyle/>
           <a:p>
-            <a:pPr indent="0" lvl="0" marL="0" rtl="0" algn="l">
+            <a:pPr marL="0" lvl="0" indent="0" algn="l" rtl="0">
               <a:spcBef>
                 <a:spcPts val="0"/>
               </a:spcBef>
@@ -6321,9 +6329,6 @@
               </a:spcAft>
               <a:buNone/>
             </a:pPr>
-            <a:r>
-              <a:t/>
-            </a:r>
             <a:endParaRPr/>
           </a:p>
         </p:txBody>
@@ -6331,7 +6336,9 @@
       <p:sp>
         <p:nvSpPr>
           <p:cNvPr id="74" name="Google Shape;74;p7"/>
-          <p:cNvSpPr txBox="1"/>
+          <p:cNvSpPr txBox="1">
+            <a:spLocks noGrp="1"/>
+          </p:cNvSpPr>
           <p:nvPr>
             <p:ph type="title"/>
           </p:nvPr>
@@ -6346,7 +6353,7 @@
           </a:prstGeom>
         </p:spPr>
         <p:txBody>
-          <a:bodyPr anchorCtr="0" anchor="t" bIns="91425" lIns="91425" spcFirstLastPara="1" rIns="91425" wrap="square" tIns="91425">
+          <a:bodyPr spcFirstLastPara="1" wrap="square" lIns="91425" tIns="91425" rIns="91425" bIns="91425" anchor="t" anchorCtr="0">
             <a:normAutofit/>
           </a:bodyPr>
           <a:lstStyle>
@@ -6450,15 +6457,19 @@
               <a:defRPr sz="3000"/>
             </a:lvl9pPr>
           </a:lstStyle>
-          <a:p/>
+          <a:p>
+            <a:endParaRPr/>
+          </a:p>
         </p:txBody>
       </p:sp>
       <p:sp>
         <p:nvSpPr>
           <p:cNvPr id="75" name="Google Shape;75;p7"/>
-          <p:cNvSpPr txBox="1"/>
+          <p:cNvSpPr txBox="1">
+            <a:spLocks noGrp="1"/>
+          </p:cNvSpPr>
           <p:nvPr>
-            <p:ph idx="1" type="body"/>
+            <p:ph type="body" idx="1"/>
           </p:nvPr>
         </p:nvSpPr>
         <p:spPr>
@@ -6471,11 +6482,11 @@
           </a:prstGeom>
         </p:spPr>
         <p:txBody>
-          <a:bodyPr anchorCtr="0" anchor="t" bIns="91425" lIns="91425" spcFirstLastPara="1" rIns="91425" wrap="square" tIns="91425">
+          <a:bodyPr spcFirstLastPara="1" wrap="square" lIns="91425" tIns="91425" rIns="91425" bIns="91425" anchor="t" anchorCtr="0">
             <a:normAutofit/>
           </a:bodyPr>
           <a:lstStyle>
-            <a:lvl1pPr indent="-311150" lvl="0" marL="457200">
+            <a:lvl1pPr marL="457200" lvl="0" indent="-311150">
               <a:spcBef>
                 <a:spcPts val="0"/>
               </a:spcBef>
@@ -6486,7 +6497,7 @@
               <a:buChar char="●"/>
               <a:defRPr/>
             </a:lvl1pPr>
-            <a:lvl2pPr indent="-298450" lvl="1" marL="914400">
+            <a:lvl2pPr marL="914400" lvl="1" indent="-298450">
               <a:spcBef>
                 <a:spcPts val="0"/>
               </a:spcBef>
@@ -6497,7 +6508,7 @@
               <a:buChar char="○"/>
               <a:defRPr/>
             </a:lvl2pPr>
-            <a:lvl3pPr indent="-298450" lvl="2" marL="1371600">
+            <a:lvl3pPr marL="1371600" lvl="2" indent="-298450">
               <a:spcBef>
                 <a:spcPts val="0"/>
               </a:spcBef>
@@ -6508,7 +6519,7 @@
               <a:buChar char="■"/>
               <a:defRPr/>
             </a:lvl3pPr>
-            <a:lvl4pPr indent="-298450" lvl="3" marL="1828800">
+            <a:lvl4pPr marL="1828800" lvl="3" indent="-298450">
               <a:spcBef>
                 <a:spcPts val="0"/>
               </a:spcBef>
@@ -6519,7 +6530,7 @@
               <a:buChar char="●"/>
               <a:defRPr/>
             </a:lvl4pPr>
-            <a:lvl5pPr indent="-298450" lvl="4" marL="2286000">
+            <a:lvl5pPr marL="2286000" lvl="4" indent="-298450">
               <a:spcBef>
                 <a:spcPts val="0"/>
               </a:spcBef>
@@ -6530,7 +6541,7 @@
               <a:buChar char="○"/>
               <a:defRPr/>
             </a:lvl5pPr>
-            <a:lvl6pPr indent="-298450" lvl="5" marL="2743200">
+            <a:lvl6pPr marL="2743200" lvl="5" indent="-298450">
               <a:spcBef>
                 <a:spcPts val="0"/>
               </a:spcBef>
@@ -6541,7 +6552,7 @@
               <a:buChar char="■"/>
               <a:defRPr/>
             </a:lvl6pPr>
-            <a:lvl7pPr indent="-298450" lvl="6" marL="3200400">
+            <a:lvl7pPr marL="3200400" lvl="6" indent="-298450">
               <a:spcBef>
                 <a:spcPts val="0"/>
               </a:spcBef>
@@ -6552,7 +6563,7 @@
               <a:buChar char="●"/>
               <a:defRPr/>
             </a:lvl7pPr>
-            <a:lvl8pPr indent="-298450" lvl="7" marL="3657600">
+            <a:lvl8pPr marL="3657600" lvl="7" indent="-298450">
               <a:spcBef>
                 <a:spcPts val="0"/>
               </a:spcBef>
@@ -6563,7 +6574,7 @@
               <a:buChar char="○"/>
               <a:defRPr/>
             </a:lvl8pPr>
-            <a:lvl9pPr indent="-298450" lvl="8" marL="4114800">
+            <a:lvl9pPr marL="4114800" lvl="8" indent="-298450">
               <a:spcBef>
                 <a:spcPts val="0"/>
               </a:spcBef>
@@ -6575,15 +6586,19 @@
               <a:defRPr/>
             </a:lvl9pPr>
           </a:lstStyle>
-          <a:p/>
+          <a:p>
+            <a:endParaRPr/>
+          </a:p>
         </p:txBody>
       </p:sp>
       <p:sp>
         <p:nvSpPr>
           <p:cNvPr id="76" name="Google Shape;76;p7"/>
-          <p:cNvSpPr txBox="1"/>
+          <p:cNvSpPr txBox="1">
+            <a:spLocks noGrp="1"/>
+          </p:cNvSpPr>
           <p:nvPr>
-            <p:ph idx="12" type="sldNum"/>
+            <p:ph type="sldNum" idx="12"/>
           </p:nvPr>
         </p:nvSpPr>
         <p:spPr>
@@ -6596,7 +6611,7 @@
           </a:prstGeom>
         </p:spPr>
         <p:txBody>
-          <a:bodyPr anchorCtr="0" anchor="ctr" bIns="91425" lIns="91425" spcFirstLastPara="1" rIns="91425" wrap="square" tIns="91425">
+          <a:bodyPr spcFirstLastPara="1" wrap="square" lIns="91425" tIns="91425" rIns="91425" bIns="91425" anchor="ctr" anchorCtr="0">
             <a:normAutofit/>
           </a:bodyPr>
           <a:lstStyle>
@@ -6638,7 +6653,7 @@
             </a:lvl9pPr>
           </a:lstStyle>
           <a:p>
-            <a:pPr indent="0" lvl="0" marL="0" rtl="0" algn="r">
+            <a:pPr marL="0" lvl="0" indent="0" algn="r" rtl="0">
               <a:spcBef>
                 <a:spcPts val="0"/>
               </a:spcBef>
@@ -6664,18 +6679,19 @@
 </file>
 
 <file path=ppt/slideLayouts/slideLayout7.xml><?xml version="1.0" encoding="utf-8"?>
-<p:sldLayout xmlns:a="http://schemas.openxmlformats.org/drawingml/2006/main" xmlns:r="http://schemas.openxmlformats.org/officeDocument/2006/relationships" xmlns:mc="http://schemas.openxmlformats.org/markup-compatibility/2006" xmlns:mv="urn:schemas-microsoft-com:mac:vml" xmlns:p="http://schemas.openxmlformats.org/presentationml/2006/main" xmlns:c="http://schemas.openxmlformats.org/drawingml/2006/chart" xmlns:dgm="http://schemas.openxmlformats.org/drawingml/2006/diagram" xmlns:o="urn:schemas-microsoft-com:office:office" xmlns:v="urn:schemas-microsoft-com:vml" xmlns:pvml="urn:schemas-microsoft-com:office:powerpoint" xmlns:com="http://schemas.openxmlformats.org/drawingml/2006/compatibility" xmlns:p14="http://schemas.microsoft.com/office/powerpoint/2010/main" xmlns:p15="http://schemas.microsoft.com/office/powerpoint/2012/main" xmlns:ahyp="http://schemas.microsoft.com/office/drawing/2018/hyperlinkcolor" matchingName="Main point">
+<p:sldLayout xmlns:a="http://schemas.openxmlformats.org/drawingml/2006/main" xmlns:r="http://schemas.openxmlformats.org/officeDocument/2006/relationships" xmlns:p="http://schemas.openxmlformats.org/presentationml/2006/main" matchingName="Main point">
   <p:cSld name="MAIN_POINT">
     <p:bg>
       <p:bgPr>
         <a:solidFill>
           <a:schemeClr val="accent1"/>
         </a:solidFill>
+        <a:effectLst/>
       </p:bgPr>
     </p:bg>
     <p:spTree>
       <p:nvGrpSpPr>
-        <p:cNvPr id="77" name="Shape 77"/>
+        <p:cNvPr id="1" name="Shape 77"/>
         <p:cNvGrpSpPr/>
         <p:nvPr/>
       </p:nvGrpSpPr>
@@ -6709,12 +6725,12 @@
           </a:ln>
         </p:spPr>
         <p:txBody>
-          <a:bodyPr anchorCtr="0" anchor="ctr" bIns="91425" lIns="91425" spcFirstLastPara="1" rIns="91425" wrap="square" tIns="91425">
+          <a:bodyPr spcFirstLastPara="1" wrap="square" lIns="91425" tIns="91425" rIns="91425" bIns="91425" anchor="ctr" anchorCtr="0">
             <a:noAutofit/>
           </a:bodyPr>
           <a:lstStyle/>
           <a:p>
-            <a:pPr indent="0" lvl="0" marL="0" rtl="0" algn="l">
+            <a:pPr marL="0" lvl="0" indent="0" algn="l" rtl="0">
               <a:spcBef>
                 <a:spcPts val="0"/>
               </a:spcBef>
@@ -6723,9 +6739,6 @@
               </a:spcAft>
               <a:buNone/>
             </a:pPr>
-            <a:r>
-              <a:t/>
-            </a:r>
             <a:endParaRPr/>
           </a:p>
         </p:txBody>
@@ -6752,12 +6765,12 @@
           </a:ln>
         </p:spPr>
         <p:txBody>
-          <a:bodyPr anchorCtr="0" anchor="ctr" bIns="91425" lIns="91425" spcFirstLastPara="1" rIns="91425" wrap="square" tIns="91425">
+          <a:bodyPr spcFirstLastPara="1" wrap="square" lIns="91425" tIns="91425" rIns="91425" bIns="91425" anchor="ctr" anchorCtr="0">
             <a:noAutofit/>
           </a:bodyPr>
           <a:lstStyle/>
           <a:p>
-            <a:pPr indent="0" lvl="0" marL="0" rtl="0" algn="l">
+            <a:pPr marL="0" lvl="0" indent="0" algn="l" rtl="0">
               <a:spcBef>
                 <a:spcPts val="0"/>
               </a:spcBef>
@@ -6766,9 +6779,6 @@
               </a:spcAft>
               <a:buNone/>
             </a:pPr>
-            <a:r>
-              <a:t/>
-            </a:r>
             <a:endParaRPr/>
           </a:p>
         </p:txBody>
@@ -6800,7 +6810,7 @@
             </a:xfrm>
             <a:prstGeom prst="parallelogram">
               <a:avLst>
-                <a:gd fmla="val 153193" name="adj"/>
+                <a:gd name="adj" fmla="val 153193"/>
               </a:avLst>
             </a:prstGeom>
             <a:solidFill>
@@ -6811,12 +6821,12 @@
             </a:ln>
           </p:spPr>
           <p:txBody>
-            <a:bodyPr anchorCtr="0" anchor="ctr" bIns="91425" lIns="91425" spcFirstLastPara="1" rIns="91425" wrap="square" tIns="91425">
+            <a:bodyPr spcFirstLastPara="1" wrap="square" lIns="91425" tIns="91425" rIns="91425" bIns="91425" anchor="ctr" anchorCtr="0">
               <a:noAutofit/>
             </a:bodyPr>
             <a:lstStyle/>
             <a:p>
-              <a:pPr indent="0" lvl="0" marL="0" rtl="0" algn="l">
+              <a:pPr marL="0" lvl="0" indent="0" algn="l" rtl="0">
                 <a:spcBef>
                   <a:spcPts val="0"/>
                 </a:spcBef>
@@ -6825,9 +6835,6 @@
                 </a:spcAft>
                 <a:buNone/>
               </a:pPr>
-              <a:r>
-                <a:t/>
-              </a:r>
               <a:endParaRPr/>
             </a:p>
           </p:txBody>
@@ -6845,7 +6852,7 @@
             </a:xfrm>
             <a:prstGeom prst="parallelogram">
               <a:avLst>
-                <a:gd fmla="val 153193" name="adj"/>
+                <a:gd name="adj" fmla="val 153193"/>
               </a:avLst>
             </a:prstGeom>
             <a:solidFill>
@@ -6856,12 +6863,12 @@
             </a:ln>
           </p:spPr>
           <p:txBody>
-            <a:bodyPr anchorCtr="0" anchor="ctr" bIns="91425" lIns="91425" spcFirstLastPara="1" rIns="91425" wrap="square" tIns="91425">
+            <a:bodyPr spcFirstLastPara="1" wrap="square" lIns="91425" tIns="91425" rIns="91425" bIns="91425" anchor="ctr" anchorCtr="0">
               <a:noAutofit/>
             </a:bodyPr>
             <a:lstStyle/>
             <a:p>
-              <a:pPr indent="0" lvl="0" marL="0" rtl="0" algn="l">
+              <a:pPr marL="0" lvl="0" indent="0" algn="l" rtl="0">
                 <a:spcBef>
                   <a:spcPts val="0"/>
                 </a:spcBef>
@@ -6870,9 +6877,6 @@
                 </a:spcAft>
                 <a:buNone/>
               </a:pPr>
-              <a:r>
-                <a:t/>
-              </a:r>
               <a:endParaRPr/>
             </a:p>
           </p:txBody>
@@ -6890,7 +6894,7 @@
             </a:xfrm>
             <a:prstGeom prst="parallelogram">
               <a:avLst>
-                <a:gd fmla="val 153193" name="adj"/>
+                <a:gd name="adj" fmla="val 153193"/>
               </a:avLst>
             </a:prstGeom>
             <a:solidFill>
@@ -6901,12 +6905,12 @@
             </a:ln>
           </p:spPr>
           <p:txBody>
-            <a:bodyPr anchorCtr="0" anchor="ctr" bIns="91425" lIns="91425" spcFirstLastPara="1" rIns="91425" wrap="square" tIns="91425">
+            <a:bodyPr spcFirstLastPara="1" wrap="square" lIns="91425" tIns="91425" rIns="91425" bIns="91425" anchor="ctr" anchorCtr="0">
               <a:noAutofit/>
             </a:bodyPr>
             <a:lstStyle/>
             <a:p>
-              <a:pPr indent="0" lvl="0" marL="0" rtl="0" algn="l">
+              <a:pPr marL="0" lvl="0" indent="0" algn="l" rtl="0">
                 <a:spcBef>
                   <a:spcPts val="0"/>
                 </a:spcBef>
@@ -6915,9 +6919,6 @@
                 </a:spcAft>
                 <a:buNone/>
               </a:pPr>
-              <a:r>
-                <a:t/>
-              </a:r>
               <a:endParaRPr/>
             </a:p>
           </p:txBody>
@@ -6944,7 +6945,7 @@
             <a:noFill/>
           </a:ln>
           <a:effectLst>
-            <a:outerShdw blurRad="228600" sx="101000" rotWithShape="0" algn="ctr" sy="101000">
+            <a:outerShdw blurRad="228600" sx="101000" sy="101000" algn="ctr" rotWithShape="0">
               <a:srgbClr val="000000">
                 <a:alpha val="40000"/>
               </a:srgbClr>
@@ -6952,12 +6953,12 @@
           </a:effectLst>
         </p:spPr>
         <p:txBody>
-          <a:bodyPr anchorCtr="0" anchor="ctr" bIns="91425" lIns="91425" spcFirstLastPara="1" rIns="91425" wrap="square" tIns="91425">
+          <a:bodyPr spcFirstLastPara="1" wrap="square" lIns="91425" tIns="91425" rIns="91425" bIns="91425" anchor="ctr" anchorCtr="0">
             <a:noAutofit/>
           </a:bodyPr>
           <a:lstStyle/>
           <a:p>
-            <a:pPr indent="0" lvl="0" marL="0" rtl="0" algn="l">
+            <a:pPr marL="0" lvl="0" indent="0" algn="l" rtl="0">
               <a:spcBef>
                 <a:spcPts val="0"/>
               </a:spcBef>
@@ -6966,9 +6967,6 @@
               </a:spcAft>
               <a:buNone/>
             </a:pPr>
-            <a:r>
-              <a:t/>
-            </a:r>
             <a:endParaRPr/>
           </a:p>
         </p:txBody>
@@ -7000,7 +6998,7 @@
             </a:xfrm>
             <a:prstGeom prst="parallelogram">
               <a:avLst>
-                <a:gd fmla="val 158024" name="adj"/>
+                <a:gd name="adj" fmla="val 158024"/>
               </a:avLst>
             </a:prstGeom>
             <a:solidFill>
@@ -7011,12 +7009,12 @@
             </a:ln>
           </p:spPr>
           <p:txBody>
-            <a:bodyPr anchorCtr="0" anchor="ctr" bIns="91425" lIns="91425" spcFirstLastPara="1" rIns="91425" wrap="square" tIns="91425">
+            <a:bodyPr spcFirstLastPara="1" wrap="square" lIns="91425" tIns="91425" rIns="91425" bIns="91425" anchor="ctr" anchorCtr="0">
               <a:noAutofit/>
             </a:bodyPr>
             <a:lstStyle/>
             <a:p>
-              <a:pPr indent="0" lvl="0" marL="0" rtl="0" algn="l">
+              <a:pPr marL="0" lvl="0" indent="0" algn="l" rtl="0">
                 <a:spcBef>
                   <a:spcPts val="0"/>
                 </a:spcBef>
@@ -7025,9 +7023,6 @@
                 </a:spcAft>
                 <a:buNone/>
               </a:pPr>
-              <a:r>
-                <a:t/>
-              </a:r>
               <a:endParaRPr/>
             </a:p>
           </p:txBody>
@@ -7045,7 +7040,7 @@
             </a:xfrm>
             <a:prstGeom prst="parallelogram">
               <a:avLst>
-                <a:gd fmla="val 158024" name="adj"/>
+                <a:gd name="adj" fmla="val 158024"/>
               </a:avLst>
             </a:prstGeom>
             <a:solidFill>
@@ -7056,12 +7051,12 @@
             </a:ln>
           </p:spPr>
           <p:txBody>
-            <a:bodyPr anchorCtr="0" anchor="ctr" bIns="91425" lIns="91425" spcFirstLastPara="1" rIns="91425" wrap="square" tIns="91425">
+            <a:bodyPr spcFirstLastPara="1" wrap="square" lIns="91425" tIns="91425" rIns="91425" bIns="91425" anchor="ctr" anchorCtr="0">
               <a:noAutofit/>
             </a:bodyPr>
             <a:lstStyle/>
             <a:p>
-              <a:pPr indent="0" lvl="0" marL="0" rtl="0" algn="l">
+              <a:pPr marL="0" lvl="0" indent="0" algn="l" rtl="0">
                 <a:spcBef>
                   <a:spcPts val="0"/>
                 </a:spcBef>
@@ -7070,9 +7065,6 @@
                 </a:spcAft>
                 <a:buNone/>
               </a:pPr>
-              <a:r>
-                <a:t/>
-              </a:r>
               <a:endParaRPr/>
             </a:p>
           </p:txBody>
@@ -7090,7 +7082,7 @@
             </a:xfrm>
             <a:prstGeom prst="parallelogram">
               <a:avLst>
-                <a:gd fmla="val 158024" name="adj"/>
+                <a:gd name="adj" fmla="val 158024"/>
               </a:avLst>
             </a:prstGeom>
             <a:solidFill>
@@ -7101,12 +7093,12 @@
             </a:ln>
           </p:spPr>
           <p:txBody>
-            <a:bodyPr anchorCtr="0" anchor="ctr" bIns="91425" lIns="91425" spcFirstLastPara="1" rIns="91425" wrap="square" tIns="91425">
+            <a:bodyPr spcFirstLastPara="1" wrap="square" lIns="91425" tIns="91425" rIns="91425" bIns="91425" anchor="ctr" anchorCtr="0">
               <a:noAutofit/>
             </a:bodyPr>
             <a:lstStyle/>
             <a:p>
-              <a:pPr indent="0" lvl="0" marL="0" rtl="0" algn="l">
+              <a:pPr marL="0" lvl="0" indent="0" algn="l" rtl="0">
                 <a:spcBef>
                   <a:spcPts val="0"/>
                 </a:spcBef>
@@ -7115,9 +7107,6 @@
                 </a:spcAft>
                 <a:buNone/>
               </a:pPr>
-              <a:r>
-                <a:t/>
-              </a:r>
               <a:endParaRPr/>
             </a:p>
           </p:txBody>
@@ -7150,7 +7139,7 @@
             </a:xfrm>
             <a:prstGeom prst="parallelogram">
               <a:avLst>
-                <a:gd fmla="val 158024" name="adj"/>
+                <a:gd name="adj" fmla="val 158024"/>
               </a:avLst>
             </a:prstGeom>
             <a:solidFill>
@@ -7161,12 +7150,12 @@
             </a:ln>
           </p:spPr>
           <p:txBody>
-            <a:bodyPr anchorCtr="0" anchor="ctr" bIns="91425" lIns="91425" spcFirstLastPara="1" rIns="91425" wrap="square" tIns="91425">
+            <a:bodyPr spcFirstLastPara="1" wrap="square" lIns="91425" tIns="91425" rIns="91425" bIns="91425" anchor="ctr" anchorCtr="0">
               <a:noAutofit/>
             </a:bodyPr>
             <a:lstStyle/>
             <a:p>
-              <a:pPr indent="0" lvl="0" marL="0" rtl="0" algn="l">
+              <a:pPr marL="0" lvl="0" indent="0" algn="l" rtl="0">
                 <a:spcBef>
                   <a:spcPts val="0"/>
                 </a:spcBef>
@@ -7175,9 +7164,6 @@
                 </a:spcAft>
                 <a:buNone/>
               </a:pPr>
-              <a:r>
-                <a:t/>
-              </a:r>
               <a:endParaRPr/>
             </a:p>
           </p:txBody>
@@ -7195,7 +7181,7 @@
             </a:xfrm>
             <a:prstGeom prst="parallelogram">
               <a:avLst>
-                <a:gd fmla="val 158024" name="adj"/>
+                <a:gd name="adj" fmla="val 158024"/>
               </a:avLst>
             </a:prstGeom>
             <a:solidFill>
@@ -7206,12 +7192,12 @@
             </a:ln>
           </p:spPr>
           <p:txBody>
-            <a:bodyPr anchorCtr="0" anchor="ctr" bIns="91425" lIns="91425" spcFirstLastPara="1" rIns="91425" wrap="square" tIns="91425">
+            <a:bodyPr spcFirstLastPara="1" wrap="square" lIns="91425" tIns="91425" rIns="91425" bIns="91425" anchor="ctr" anchorCtr="0">
               <a:noAutofit/>
             </a:bodyPr>
             <a:lstStyle/>
             <a:p>
-              <a:pPr indent="0" lvl="0" marL="0" rtl="0" algn="l">
+              <a:pPr marL="0" lvl="0" indent="0" algn="l" rtl="0">
                 <a:spcBef>
                   <a:spcPts val="0"/>
                 </a:spcBef>
@@ -7220,9 +7206,6 @@
                 </a:spcAft>
                 <a:buNone/>
               </a:pPr>
-              <a:r>
-                <a:t/>
-              </a:r>
               <a:endParaRPr/>
             </a:p>
           </p:txBody>
@@ -7240,7 +7223,7 @@
             </a:xfrm>
             <a:prstGeom prst="parallelogram">
               <a:avLst>
-                <a:gd fmla="val 158024" name="adj"/>
+                <a:gd name="adj" fmla="val 158024"/>
               </a:avLst>
             </a:prstGeom>
             <a:solidFill>
@@ -7251,12 +7234,12 @@
             </a:ln>
           </p:spPr>
           <p:txBody>
-            <a:bodyPr anchorCtr="0" anchor="ctr" bIns="91425" lIns="91425" spcFirstLastPara="1" rIns="91425" wrap="square" tIns="91425">
+            <a:bodyPr spcFirstLastPara="1" wrap="square" lIns="91425" tIns="91425" rIns="91425" bIns="91425" anchor="ctr" anchorCtr="0">
               <a:noAutofit/>
             </a:bodyPr>
             <a:lstStyle/>
             <a:p>
-              <a:pPr indent="0" lvl="0" marL="0" rtl="0" algn="l">
+              <a:pPr marL="0" lvl="0" indent="0" algn="l" rtl="0">
                 <a:spcBef>
                   <a:spcPts val="0"/>
                 </a:spcBef>
@@ -7265,9 +7248,6 @@
                 </a:spcAft>
                 <a:buNone/>
               </a:pPr>
-              <a:r>
-                <a:t/>
-              </a:r>
               <a:endParaRPr/>
             </a:p>
           </p:txBody>
@@ -7276,7 +7256,9 @@
       <p:sp>
         <p:nvSpPr>
           <p:cNvPr id="93" name="Google Shape;93;p8"/>
-          <p:cNvSpPr txBox="1"/>
+          <p:cNvSpPr txBox="1">
+            <a:spLocks noGrp="1"/>
+          </p:cNvSpPr>
           <p:nvPr>
             <p:ph type="title"/>
           </p:nvPr>
@@ -7291,7 +7273,7 @@
           </a:prstGeom>
         </p:spPr>
         <p:txBody>
-          <a:bodyPr anchorCtr="0" anchor="ctr" bIns="91425" lIns="91425" spcFirstLastPara="1" rIns="91425" wrap="square" tIns="91425">
+          <a:bodyPr spcFirstLastPara="1" wrap="square" lIns="91425" tIns="91425" rIns="91425" bIns="91425" anchor="ctr" anchorCtr="0">
             <a:normAutofit/>
           </a:bodyPr>
           <a:lstStyle>
@@ -7395,15 +7377,19 @@
               <a:defRPr sz="3200"/>
             </a:lvl9pPr>
           </a:lstStyle>
-          <a:p/>
+          <a:p>
+            <a:endParaRPr/>
+          </a:p>
         </p:txBody>
       </p:sp>
       <p:sp>
         <p:nvSpPr>
           <p:cNvPr id="94" name="Google Shape;94;p8"/>
-          <p:cNvSpPr txBox="1"/>
+          <p:cNvSpPr txBox="1">
+            <a:spLocks noGrp="1"/>
+          </p:cNvSpPr>
           <p:nvPr>
-            <p:ph idx="12" type="sldNum"/>
+            <p:ph type="sldNum" idx="12"/>
           </p:nvPr>
         </p:nvSpPr>
         <p:spPr>
@@ -7416,7 +7402,7 @@
           </a:prstGeom>
         </p:spPr>
         <p:txBody>
-          <a:bodyPr anchorCtr="0" anchor="ctr" bIns="91425" lIns="91425" spcFirstLastPara="1" rIns="91425" wrap="square" tIns="91425">
+          <a:bodyPr spcFirstLastPara="1" wrap="square" lIns="91425" tIns="91425" rIns="91425" bIns="91425" anchor="ctr" anchorCtr="0">
             <a:normAutofit/>
           </a:bodyPr>
           <a:lstStyle>
@@ -7458,7 +7444,7 @@
             </a:lvl9pPr>
           </a:lstStyle>
           <a:p>
-            <a:pPr indent="0" lvl="0" marL="0" rtl="0" algn="r">
+            <a:pPr marL="0" lvl="0" indent="0" algn="r" rtl="0">
               <a:spcBef>
                 <a:spcPts val="0"/>
               </a:spcBef>
@@ -7484,18 +7470,19 @@
 </file>
 
 <file path=ppt/slideLayouts/slideLayout8.xml><?xml version="1.0" encoding="utf-8"?>
-<p:sldLayout xmlns:a="http://schemas.openxmlformats.org/drawingml/2006/main" xmlns:r="http://schemas.openxmlformats.org/officeDocument/2006/relationships" xmlns:mc="http://schemas.openxmlformats.org/markup-compatibility/2006" xmlns:mv="urn:schemas-microsoft-com:mac:vml" xmlns:p="http://schemas.openxmlformats.org/presentationml/2006/main" xmlns:c="http://schemas.openxmlformats.org/drawingml/2006/chart" xmlns:dgm="http://schemas.openxmlformats.org/drawingml/2006/diagram" xmlns:o="urn:schemas-microsoft-com:office:office" xmlns:v="urn:schemas-microsoft-com:vml" xmlns:pvml="urn:schemas-microsoft-com:office:powerpoint" xmlns:com="http://schemas.openxmlformats.org/drawingml/2006/compatibility" xmlns:p14="http://schemas.microsoft.com/office/powerpoint/2010/main" xmlns:p15="http://schemas.microsoft.com/office/powerpoint/2012/main" xmlns:ahyp="http://schemas.microsoft.com/office/drawing/2018/hyperlinkcolor" matchingName="Section title and description">
+<p:sldLayout xmlns:a="http://schemas.openxmlformats.org/drawingml/2006/main" xmlns:r="http://schemas.openxmlformats.org/officeDocument/2006/relationships" xmlns:p="http://schemas.openxmlformats.org/presentationml/2006/main" matchingName="Section title and description">
   <p:cSld name="SECTION_TITLE_AND_DESCRIPTION">
     <p:bg>
       <p:bgPr>
         <a:solidFill>
           <a:schemeClr val="dk2"/>
         </a:solidFill>
+        <a:effectLst/>
       </p:bgPr>
     </p:bg>
     <p:spTree>
       <p:nvGrpSpPr>
-        <p:cNvPr id="95" name="Shape 95"/>
+        <p:cNvPr id="1" name="Shape 95"/>
         <p:cNvGrpSpPr/>
         <p:nvPr/>
       </p:nvGrpSpPr>
@@ -7529,12 +7516,12 @@
           </a:ln>
         </p:spPr>
         <p:txBody>
-          <a:bodyPr anchorCtr="0" anchor="ctr" bIns="91425" lIns="91425" spcFirstLastPara="1" rIns="91425" wrap="square" tIns="91425">
+          <a:bodyPr spcFirstLastPara="1" wrap="square" lIns="91425" tIns="91425" rIns="91425" bIns="91425" anchor="ctr" anchorCtr="0">
             <a:noAutofit/>
           </a:bodyPr>
           <a:lstStyle/>
           <a:p>
-            <a:pPr indent="0" lvl="0" marL="0" rtl="0" algn="l">
+            <a:pPr marL="0" lvl="0" indent="0" algn="l" rtl="0">
               <a:spcBef>
                 <a:spcPts val="0"/>
               </a:spcBef>
@@ -7543,9 +7530,6 @@
               </a:spcAft>
               <a:buNone/>
             </a:pPr>
-            <a:r>
-              <a:t/>
-            </a:r>
             <a:endParaRPr/>
           </a:p>
         </p:txBody>
@@ -7572,12 +7556,12 @@
           </a:ln>
         </p:spPr>
         <p:txBody>
-          <a:bodyPr anchorCtr="0" anchor="ctr" bIns="91425" lIns="91425" spcFirstLastPara="1" rIns="91425" wrap="square" tIns="91425">
+          <a:bodyPr spcFirstLastPara="1" wrap="square" lIns="91425" tIns="91425" rIns="91425" bIns="91425" anchor="ctr" anchorCtr="0">
             <a:noAutofit/>
           </a:bodyPr>
           <a:lstStyle/>
           <a:p>
-            <a:pPr indent="0" lvl="0" marL="0" rtl="0" algn="l">
+            <a:pPr marL="0" lvl="0" indent="0" algn="l" rtl="0">
               <a:spcBef>
                 <a:spcPts val="0"/>
               </a:spcBef>
@@ -7586,9 +7570,6 @@
               </a:spcAft>
               <a:buNone/>
             </a:pPr>
-            <a:r>
-              <a:t/>
-            </a:r>
             <a:endParaRPr/>
           </a:p>
         </p:txBody>
@@ -7614,7 +7595,7 @@
             <a:noFill/>
           </a:ln>
           <a:effectLst>
-            <a:outerShdw blurRad="228600" sx="101000" rotWithShape="0" algn="ctr" sy="101000">
+            <a:outerShdw blurRad="228600" sx="101000" sy="101000" algn="ctr" rotWithShape="0">
               <a:srgbClr val="000000">
                 <a:alpha val="40000"/>
               </a:srgbClr>
@@ -7622,12 +7603,12 @@
           </a:effectLst>
         </p:spPr>
         <p:txBody>
-          <a:bodyPr anchorCtr="0" anchor="ctr" bIns="91425" lIns="91425" spcFirstLastPara="1" rIns="91425" wrap="square" tIns="91425">
+          <a:bodyPr spcFirstLastPara="1" wrap="square" lIns="91425" tIns="91425" rIns="91425" bIns="91425" anchor="ctr" anchorCtr="0">
             <a:noAutofit/>
           </a:bodyPr>
           <a:lstStyle/>
           <a:p>
-            <a:pPr indent="0" lvl="0" marL="0" rtl="0" algn="l">
+            <a:pPr marL="0" lvl="0" indent="0" algn="l" rtl="0">
               <a:spcBef>
                 <a:spcPts val="0"/>
               </a:spcBef>
@@ -7636,9 +7617,6 @@
               </a:spcAft>
               <a:buNone/>
             </a:pPr>
-            <a:r>
-              <a:t/>
-            </a:r>
             <a:endParaRPr/>
           </a:p>
         </p:txBody>
@@ -7646,7 +7624,9 @@
       <p:sp>
         <p:nvSpPr>
           <p:cNvPr id="99" name="Google Shape;99;p9"/>
-          <p:cNvSpPr txBox="1"/>
+          <p:cNvSpPr txBox="1">
+            <a:spLocks noGrp="1"/>
+          </p:cNvSpPr>
           <p:nvPr>
             <p:ph type="title"/>
           </p:nvPr>
@@ -7661,7 +7641,7 @@
           </a:prstGeom>
         </p:spPr>
         <p:txBody>
-          <a:bodyPr anchorCtr="0" anchor="t" bIns="91425" lIns="91425" spcFirstLastPara="1" rIns="91425" wrap="square" tIns="91425">
+          <a:bodyPr spcFirstLastPara="1" wrap="square" lIns="91425" tIns="91425" rIns="91425" bIns="91425" anchor="t" anchorCtr="0">
             <a:normAutofit/>
           </a:bodyPr>
           <a:lstStyle>
@@ -7765,15 +7745,19 @@
               <a:defRPr sz="3000"/>
             </a:lvl9pPr>
           </a:lstStyle>
-          <a:p/>
+          <a:p>
+            <a:endParaRPr/>
+          </a:p>
         </p:txBody>
       </p:sp>
       <p:sp>
         <p:nvSpPr>
           <p:cNvPr id="100" name="Google Shape;100;p9"/>
-          <p:cNvSpPr txBox="1"/>
+          <p:cNvSpPr txBox="1">
+            <a:spLocks noGrp="1"/>
+          </p:cNvSpPr>
           <p:nvPr>
-            <p:ph idx="1" type="subTitle"/>
+            <p:ph type="subTitle" idx="1"/>
           </p:nvPr>
         </p:nvSpPr>
         <p:spPr>
@@ -7786,7 +7770,7 @@
           </a:prstGeom>
         </p:spPr>
         <p:txBody>
-          <a:bodyPr anchorCtr="0" anchor="t" bIns="91425" lIns="91425" spcFirstLastPara="1" rIns="91425" wrap="square" tIns="91425">
+          <a:bodyPr spcFirstLastPara="1" wrap="square" lIns="91425" tIns="91425" rIns="91425" bIns="91425" anchor="t" anchorCtr="0">
             <a:normAutofit/>
           </a:bodyPr>
           <a:lstStyle>
@@ -7980,15 +7964,19 @@
               </a:defRPr>
             </a:lvl9pPr>
           </a:lstStyle>
-          <a:p/>
+          <a:p>
+            <a:endParaRPr/>
+          </a:p>
         </p:txBody>
       </p:sp>
       <p:sp>
         <p:nvSpPr>
           <p:cNvPr id="101" name="Google Shape;101;p9"/>
-          <p:cNvSpPr txBox="1"/>
+          <p:cNvSpPr txBox="1">
+            <a:spLocks noGrp="1"/>
+          </p:cNvSpPr>
           <p:nvPr>
-            <p:ph idx="2" type="body"/>
+            <p:ph type="body" idx="2"/>
           </p:nvPr>
         </p:nvSpPr>
         <p:spPr>
@@ -8001,11 +7989,11 @@
           </a:prstGeom>
         </p:spPr>
         <p:txBody>
-          <a:bodyPr anchorCtr="0" anchor="t" bIns="91425" lIns="91425" spcFirstLastPara="1" rIns="91425" wrap="square" tIns="91425">
+          <a:bodyPr spcFirstLastPara="1" wrap="square" lIns="91425" tIns="91425" rIns="91425" bIns="91425" anchor="t" anchorCtr="0">
             <a:normAutofit/>
           </a:bodyPr>
           <a:lstStyle>
-            <a:lvl1pPr indent="-311150" lvl="0" marL="457200">
+            <a:lvl1pPr marL="457200" lvl="0" indent="-311150">
               <a:spcBef>
                 <a:spcPts val="0"/>
               </a:spcBef>
@@ -8016,7 +8004,7 @@
               <a:buChar char="●"/>
               <a:defRPr/>
             </a:lvl1pPr>
-            <a:lvl2pPr indent="-298450" lvl="1" marL="914400">
+            <a:lvl2pPr marL="914400" lvl="1" indent="-298450">
               <a:spcBef>
                 <a:spcPts val="0"/>
               </a:spcBef>
@@ -8027,7 +8015,7 @@
               <a:buChar char="○"/>
               <a:defRPr/>
             </a:lvl2pPr>
-            <a:lvl3pPr indent="-298450" lvl="2" marL="1371600">
+            <a:lvl3pPr marL="1371600" lvl="2" indent="-298450">
               <a:spcBef>
                 <a:spcPts val="0"/>
               </a:spcBef>
@@ -8038,7 +8026,7 @@
               <a:buChar char="■"/>
               <a:defRPr/>
             </a:lvl3pPr>
-            <a:lvl4pPr indent="-298450" lvl="3" marL="1828800">
+            <a:lvl4pPr marL="1828800" lvl="3" indent="-298450">
               <a:spcBef>
                 <a:spcPts val="0"/>
               </a:spcBef>
@@ -8049,7 +8037,7 @@
               <a:buChar char="●"/>
               <a:defRPr/>
             </a:lvl4pPr>
-            <a:lvl5pPr indent="-298450" lvl="4" marL="2286000">
+            <a:lvl5pPr marL="2286000" lvl="4" indent="-298450">
               <a:spcBef>
                 <a:spcPts val="0"/>
               </a:spcBef>
@@ -8060,7 +8048,7 @@
               <a:buChar char="○"/>
               <a:defRPr/>
             </a:lvl5pPr>
-            <a:lvl6pPr indent="-298450" lvl="5" marL="2743200">
+            <a:lvl6pPr marL="2743200" lvl="5" indent="-298450">
               <a:spcBef>
                 <a:spcPts val="0"/>
               </a:spcBef>
@@ -8071,7 +8059,7 @@
               <a:buChar char="■"/>
               <a:defRPr/>
             </a:lvl6pPr>
-            <a:lvl7pPr indent="-298450" lvl="6" marL="3200400">
+            <a:lvl7pPr marL="3200400" lvl="6" indent="-298450">
               <a:spcBef>
                 <a:spcPts val="0"/>
               </a:spcBef>
@@ -8082,7 +8070,7 @@
               <a:buChar char="●"/>
               <a:defRPr/>
             </a:lvl7pPr>
-            <a:lvl8pPr indent="-298450" lvl="7" marL="3657600">
+            <a:lvl8pPr marL="3657600" lvl="7" indent="-298450">
               <a:spcBef>
                 <a:spcPts val="0"/>
               </a:spcBef>
@@ -8093,7 +8081,7 @@
               <a:buChar char="○"/>
               <a:defRPr/>
             </a:lvl8pPr>
-            <a:lvl9pPr indent="-298450" lvl="8" marL="4114800">
+            <a:lvl9pPr marL="4114800" lvl="8" indent="-298450">
               <a:spcBef>
                 <a:spcPts val="0"/>
               </a:spcBef>
@@ -8105,15 +8093,19 @@
               <a:defRPr/>
             </a:lvl9pPr>
           </a:lstStyle>
-          <a:p/>
+          <a:p>
+            <a:endParaRPr/>
+          </a:p>
         </p:txBody>
       </p:sp>
       <p:sp>
         <p:nvSpPr>
           <p:cNvPr id="102" name="Google Shape;102;p9"/>
-          <p:cNvSpPr txBox="1"/>
+          <p:cNvSpPr txBox="1">
+            <a:spLocks noGrp="1"/>
+          </p:cNvSpPr>
           <p:nvPr>
-            <p:ph idx="12" type="sldNum"/>
+            <p:ph type="sldNum" idx="12"/>
           </p:nvPr>
         </p:nvSpPr>
         <p:spPr>
@@ -8126,7 +8118,7 @@
           </a:prstGeom>
         </p:spPr>
         <p:txBody>
-          <a:bodyPr anchorCtr="0" anchor="ctr" bIns="91425" lIns="91425" spcFirstLastPara="1" rIns="91425" wrap="square" tIns="91425">
+          <a:bodyPr spcFirstLastPara="1" wrap="square" lIns="91425" tIns="91425" rIns="91425" bIns="91425" anchor="ctr" anchorCtr="0">
             <a:normAutofit/>
           </a:bodyPr>
           <a:lstStyle>
@@ -8168,7 +8160,7 @@
             </a:lvl9pPr>
           </a:lstStyle>
           <a:p>
-            <a:pPr indent="0" lvl="0" marL="0" rtl="0" algn="r">
+            <a:pPr marL="0" lvl="0" indent="0" algn="r" rtl="0">
               <a:spcBef>
                 <a:spcPts val="0"/>
               </a:spcBef>
@@ -8194,18 +8186,19 @@
 </file>
 
 <file path=ppt/slideLayouts/slideLayout9.xml><?xml version="1.0" encoding="utf-8"?>
-<p:sldLayout xmlns:a="http://schemas.openxmlformats.org/drawingml/2006/main" xmlns:r="http://schemas.openxmlformats.org/officeDocument/2006/relationships" xmlns:mc="http://schemas.openxmlformats.org/markup-compatibility/2006" xmlns:mv="urn:schemas-microsoft-com:mac:vml" xmlns:p="http://schemas.openxmlformats.org/presentationml/2006/main" xmlns:c="http://schemas.openxmlformats.org/drawingml/2006/chart" xmlns:dgm="http://schemas.openxmlformats.org/drawingml/2006/diagram" xmlns:o="urn:schemas-microsoft-com:office:office" xmlns:v="urn:schemas-microsoft-com:vml" xmlns:pvml="urn:schemas-microsoft-com:office:powerpoint" xmlns:com="http://schemas.openxmlformats.org/drawingml/2006/compatibility" xmlns:p14="http://schemas.microsoft.com/office/powerpoint/2010/main" xmlns:p15="http://schemas.microsoft.com/office/powerpoint/2012/main" xmlns:ahyp="http://schemas.microsoft.com/office/drawing/2018/hyperlinkcolor" matchingName="Caption">
+<p:sldLayout xmlns:a="http://schemas.openxmlformats.org/drawingml/2006/main" xmlns:r="http://schemas.openxmlformats.org/officeDocument/2006/relationships" xmlns:p="http://schemas.openxmlformats.org/presentationml/2006/main" matchingName="Caption">
   <p:cSld name="CAPTION_ONLY">
     <p:bg>
       <p:bgPr>
         <a:solidFill>
           <a:schemeClr val="accent1"/>
         </a:solidFill>
+        <a:effectLst/>
       </p:bgPr>
     </p:bg>
     <p:spTree>
       <p:nvGrpSpPr>
-        <p:cNvPr id="103" name="Shape 103"/>
+        <p:cNvPr id="1" name="Shape 103"/>
         <p:cNvGrpSpPr/>
         <p:nvPr/>
       </p:nvGrpSpPr>
@@ -8239,12 +8232,12 @@
           </a:ln>
         </p:spPr>
         <p:txBody>
-          <a:bodyPr anchorCtr="0" anchor="ctr" bIns="91425" lIns="91425" spcFirstLastPara="1" rIns="91425" wrap="square" tIns="91425">
+          <a:bodyPr spcFirstLastPara="1" wrap="square" lIns="91425" tIns="91425" rIns="91425" bIns="91425" anchor="ctr" anchorCtr="0">
             <a:noAutofit/>
           </a:bodyPr>
           <a:lstStyle/>
           <a:p>
-            <a:pPr indent="0" lvl="0" marL="0" rtl="0" algn="l">
+            <a:pPr marL="0" lvl="0" indent="0" algn="l" rtl="0">
               <a:spcBef>
                 <a:spcPts val="0"/>
               </a:spcBef>
@@ -8253,9 +8246,6 @@
               </a:spcAft>
               <a:buNone/>
             </a:pPr>
-            <a:r>
-              <a:t/>
-            </a:r>
             <a:endParaRPr/>
           </a:p>
         </p:txBody>
@@ -8282,12 +8272,12 @@
           </a:ln>
         </p:spPr>
         <p:txBody>
-          <a:bodyPr anchorCtr="0" anchor="ctr" bIns="91425" lIns="91425" spcFirstLastPara="1" rIns="91425" wrap="square" tIns="91425">
+          <a:bodyPr spcFirstLastPara="1" wrap="square" lIns="91425" tIns="91425" rIns="91425" bIns="91425" anchor="ctr" anchorCtr="0">
             <a:noAutofit/>
           </a:bodyPr>
           <a:lstStyle/>
           <a:p>
-            <a:pPr indent="0" lvl="0" marL="0" rtl="0" algn="l">
+            <a:pPr marL="0" lvl="0" indent="0" algn="l" rtl="0">
               <a:spcBef>
                 <a:spcPts val="0"/>
               </a:spcBef>
@@ -8296,9 +8286,6 @@
               </a:spcAft>
               <a:buNone/>
             </a:pPr>
-            <a:r>
-              <a:t/>
-            </a:r>
             <a:endParaRPr/>
           </a:p>
         </p:txBody>
@@ -8324,7 +8311,7 @@
             <a:noFill/>
           </a:ln>
           <a:effectLst>
-            <a:outerShdw blurRad="228600" sx="101000" rotWithShape="0" algn="ctr" sy="101000">
+            <a:outerShdw blurRad="228600" sx="101000" sy="101000" algn="ctr" rotWithShape="0">
               <a:srgbClr val="000000">
                 <a:alpha val="40000"/>
               </a:srgbClr>
@@ -8332,12 +8319,12 @@
           </a:effectLst>
         </p:spPr>
         <p:txBody>
-          <a:bodyPr anchorCtr="0" anchor="ctr" bIns="91425" lIns="91425" spcFirstLastPara="1" rIns="91425" wrap="square" tIns="91425">
+          <a:bodyPr spcFirstLastPara="1" wrap="square" lIns="91425" tIns="91425" rIns="91425" bIns="91425" anchor="ctr" anchorCtr="0">
             <a:noAutofit/>
           </a:bodyPr>
           <a:lstStyle/>
           <a:p>
-            <a:pPr indent="0" lvl="0" marL="0" rtl="0" algn="l">
+            <a:pPr marL="0" lvl="0" indent="0" algn="l" rtl="0">
               <a:spcBef>
                 <a:spcPts val="0"/>
               </a:spcBef>
@@ -8346,9 +8333,6 @@
               </a:spcAft>
               <a:buNone/>
             </a:pPr>
-            <a:r>
-              <a:t/>
-            </a:r>
             <a:endParaRPr/>
           </a:p>
         </p:txBody>
@@ -8356,9 +8340,11 @@
       <p:sp>
         <p:nvSpPr>
           <p:cNvPr id="107" name="Google Shape;107;p10"/>
-          <p:cNvSpPr txBox="1"/>
+          <p:cNvSpPr txBox="1">
+            <a:spLocks noGrp="1"/>
+          </p:cNvSpPr>
           <p:nvPr>
-            <p:ph idx="1" type="body"/>
+            <p:ph type="body" idx="1"/>
           </p:nvPr>
         </p:nvSpPr>
         <p:spPr>
@@ -8371,11 +8357,11 @@
           </a:prstGeom>
         </p:spPr>
         <p:txBody>
-          <a:bodyPr anchorCtr="0" anchor="b" bIns="91425" lIns="91425" spcFirstLastPara="1" rIns="91425" wrap="square" tIns="91425">
+          <a:bodyPr spcFirstLastPara="1" wrap="square" lIns="91425" tIns="91425" rIns="91425" bIns="91425" anchor="b" anchorCtr="0">
             <a:normAutofit/>
           </a:bodyPr>
           <a:lstStyle>
-            <a:lvl1pPr indent="-228600" lvl="0" marL="457200">
+            <a:lvl1pPr marL="457200" lvl="0" indent="-228600">
               <a:lnSpc>
                 <a:spcPct val="100000"/>
               </a:lnSpc>
@@ -8390,15 +8376,19 @@
               <a:defRPr/>
             </a:lvl1pPr>
           </a:lstStyle>
-          <a:p/>
+          <a:p>
+            <a:endParaRPr/>
+          </a:p>
         </p:txBody>
       </p:sp>
       <p:sp>
         <p:nvSpPr>
           <p:cNvPr id="108" name="Google Shape;108;p10"/>
-          <p:cNvSpPr txBox="1"/>
+          <p:cNvSpPr txBox="1">
+            <a:spLocks noGrp="1"/>
+          </p:cNvSpPr>
           <p:nvPr>
-            <p:ph idx="12" type="sldNum"/>
+            <p:ph type="sldNum" idx="12"/>
           </p:nvPr>
         </p:nvSpPr>
         <p:spPr>
@@ -8411,7 +8401,7 @@
           </a:prstGeom>
         </p:spPr>
         <p:txBody>
-          <a:bodyPr anchorCtr="0" anchor="ctr" bIns="91425" lIns="91425" spcFirstLastPara="1" rIns="91425" wrap="square" tIns="91425">
+          <a:bodyPr spcFirstLastPara="1" wrap="square" lIns="91425" tIns="91425" rIns="91425" bIns="91425" anchor="ctr" anchorCtr="0">
             <a:normAutofit/>
           </a:bodyPr>
           <a:lstStyle>
@@ -8453,7 +8443,7 @@
             </a:lvl9pPr>
           </a:lstStyle>
           <a:p>
-            <a:pPr indent="0" lvl="0" marL="0" rtl="0" algn="r">
+            <a:pPr marL="0" lvl="0" indent="0" algn="r" rtl="0">
               <a:spcBef>
                 <a:spcPts val="0"/>
               </a:spcBef>
@@ -8479,18 +8469,19 @@
 </file>
 
 <file path=ppt/slideMasters/slideMaster1.xml><?xml version="1.0" encoding="utf-8"?>
-<p:sldMaster xmlns:a="http://schemas.openxmlformats.org/drawingml/2006/main" xmlns:r="http://schemas.openxmlformats.org/officeDocument/2006/relationships" xmlns:mc="http://schemas.openxmlformats.org/markup-compatibility/2006" xmlns:mv="urn:schemas-microsoft-com:mac:vml" xmlns:p="http://schemas.openxmlformats.org/presentationml/2006/main" xmlns:c="http://schemas.openxmlformats.org/drawingml/2006/chart" xmlns:dgm="http://schemas.openxmlformats.org/drawingml/2006/diagram" xmlns:o="urn:schemas-microsoft-com:office:office" xmlns:v="urn:schemas-microsoft-com:vml" xmlns:pvml="urn:schemas-microsoft-com:office:powerpoint" xmlns:com="http://schemas.openxmlformats.org/drawingml/2006/compatibility" xmlns:p14="http://schemas.microsoft.com/office/powerpoint/2010/main" xmlns:p15="http://schemas.microsoft.com/office/powerpoint/2012/main" xmlns:ahyp="http://schemas.microsoft.com/office/drawing/2018/hyperlinkcolor">
+<p:sldMaster xmlns:a="http://schemas.openxmlformats.org/drawingml/2006/main" xmlns:r="http://schemas.openxmlformats.org/officeDocument/2006/relationships" xmlns:p="http://schemas.openxmlformats.org/presentationml/2006/main">
   <p:cSld name="shift">
     <p:bg>
       <p:bgPr>
         <a:solidFill>
           <a:schemeClr val="dk1"/>
         </a:solidFill>
+        <a:effectLst/>
       </p:bgPr>
     </p:bg>
     <p:spTree>
       <p:nvGrpSpPr>
-        <p:cNvPr id="5" name="Shape 5"/>
+        <p:cNvPr id="1" name="Shape 5"/>
         <p:cNvGrpSpPr/>
         <p:nvPr/>
       </p:nvGrpSpPr>
@@ -8505,7 +8496,9 @@
       <p:sp>
         <p:nvSpPr>
           <p:cNvPr id="6" name="Google Shape;6;p1"/>
-          <p:cNvSpPr txBox="1"/>
+          <p:cNvSpPr txBox="1">
+            <a:spLocks noGrp="1"/>
+          </p:cNvSpPr>
           <p:nvPr>
             <p:ph type="title"/>
           </p:nvPr>
@@ -8524,7 +8517,7 @@
           </a:ln>
         </p:spPr>
         <p:txBody>
-          <a:bodyPr anchorCtr="0" anchor="t" bIns="91425" lIns="91425" spcFirstLastPara="1" rIns="91425" wrap="square" tIns="91425">
+          <a:bodyPr spcFirstLastPara="1" wrap="square" lIns="91425" tIns="91425" rIns="91425" bIns="91425" anchor="t" anchorCtr="0">
             <a:normAutofit/>
           </a:bodyPr>
           <a:lstStyle>
@@ -8736,15 +8729,19 @@
               </a:defRPr>
             </a:lvl9pPr>
           </a:lstStyle>
-          <a:p/>
+          <a:p>
+            <a:endParaRPr/>
+          </a:p>
         </p:txBody>
       </p:sp>
       <p:sp>
         <p:nvSpPr>
           <p:cNvPr id="7" name="Google Shape;7;p1"/>
-          <p:cNvSpPr txBox="1"/>
+          <p:cNvSpPr txBox="1">
+            <a:spLocks noGrp="1"/>
+          </p:cNvSpPr>
           <p:nvPr>
-            <p:ph idx="1" type="body"/>
+            <p:ph type="body" idx="1"/>
           </p:nvPr>
         </p:nvSpPr>
         <p:spPr>
@@ -8761,11 +8758,11 @@
           </a:ln>
         </p:spPr>
         <p:txBody>
-          <a:bodyPr anchorCtr="0" anchor="t" bIns="91425" lIns="91425" spcFirstLastPara="1" rIns="91425" wrap="square" tIns="91425">
+          <a:bodyPr spcFirstLastPara="1" wrap="square" lIns="91425" tIns="91425" rIns="91425" bIns="91425" anchor="t" anchorCtr="0">
             <a:normAutofit/>
           </a:bodyPr>
           <a:lstStyle>
-            <a:lvl1pPr indent="-311150" lvl="0" marL="457200">
+            <a:lvl1pPr marL="457200" lvl="0" indent="-311150">
               <a:lnSpc>
                 <a:spcPct val="115000"/>
               </a:lnSpc>
@@ -8791,7 +8788,7 @@
                 <a:sym typeface="Calibri"/>
               </a:defRPr>
             </a:lvl1pPr>
-            <a:lvl2pPr indent="-298450" lvl="1" marL="914400">
+            <a:lvl2pPr marL="914400" lvl="1" indent="-298450">
               <a:lnSpc>
                 <a:spcPct val="115000"/>
               </a:lnSpc>
@@ -8817,7 +8814,7 @@
                 <a:sym typeface="Calibri"/>
               </a:defRPr>
             </a:lvl2pPr>
-            <a:lvl3pPr indent="-298450" lvl="2" marL="1371600">
+            <a:lvl3pPr marL="1371600" lvl="2" indent="-298450">
               <a:lnSpc>
                 <a:spcPct val="115000"/>
               </a:lnSpc>
@@ -8843,7 +8840,7 @@
                 <a:sym typeface="Calibri"/>
               </a:defRPr>
             </a:lvl3pPr>
-            <a:lvl4pPr indent="-298450" lvl="3" marL="1828800">
+            <a:lvl4pPr marL="1828800" lvl="3" indent="-298450">
               <a:lnSpc>
                 <a:spcPct val="115000"/>
               </a:lnSpc>
@@ -8869,7 +8866,7 @@
                 <a:sym typeface="Calibri"/>
               </a:defRPr>
             </a:lvl4pPr>
-            <a:lvl5pPr indent="-298450" lvl="4" marL="2286000">
+            <a:lvl5pPr marL="2286000" lvl="4" indent="-298450">
               <a:lnSpc>
                 <a:spcPct val="115000"/>
               </a:lnSpc>
@@ -8895,7 +8892,7 @@
                 <a:sym typeface="Calibri"/>
               </a:defRPr>
             </a:lvl5pPr>
-            <a:lvl6pPr indent="-298450" lvl="5" marL="2743200">
+            <a:lvl6pPr marL="2743200" lvl="5" indent="-298450">
               <a:lnSpc>
                 <a:spcPct val="115000"/>
               </a:lnSpc>
@@ -8921,7 +8918,7 @@
                 <a:sym typeface="Calibri"/>
               </a:defRPr>
             </a:lvl6pPr>
-            <a:lvl7pPr indent="-298450" lvl="6" marL="3200400">
+            <a:lvl7pPr marL="3200400" lvl="6" indent="-298450">
               <a:lnSpc>
                 <a:spcPct val="115000"/>
               </a:lnSpc>
@@ -8947,7 +8944,7 @@
                 <a:sym typeface="Calibri"/>
               </a:defRPr>
             </a:lvl7pPr>
-            <a:lvl8pPr indent="-298450" lvl="7" marL="3657600">
+            <a:lvl8pPr marL="3657600" lvl="7" indent="-298450">
               <a:lnSpc>
                 <a:spcPct val="115000"/>
               </a:lnSpc>
@@ -8973,7 +8970,7 @@
                 <a:sym typeface="Calibri"/>
               </a:defRPr>
             </a:lvl8pPr>
-            <a:lvl9pPr indent="-298450" lvl="8" marL="4114800">
+            <a:lvl9pPr marL="4114800" lvl="8" indent="-298450">
               <a:lnSpc>
                 <a:spcPct val="115000"/>
               </a:lnSpc>
@@ -9000,15 +8997,19 @@
               </a:defRPr>
             </a:lvl9pPr>
           </a:lstStyle>
-          <a:p/>
+          <a:p>
+            <a:endParaRPr/>
+          </a:p>
         </p:txBody>
       </p:sp>
       <p:sp>
         <p:nvSpPr>
           <p:cNvPr id="8" name="Google Shape;8;p1"/>
-          <p:cNvSpPr txBox="1"/>
+          <p:cNvSpPr txBox="1">
+            <a:spLocks noGrp="1"/>
+          </p:cNvSpPr>
           <p:nvPr>
-            <p:ph idx="12" type="sldNum"/>
+            <p:ph type="sldNum" idx="12"/>
           </p:nvPr>
         </p:nvSpPr>
         <p:spPr>
@@ -9025,7 +9026,7 @@
           </a:ln>
         </p:spPr>
         <p:txBody>
-          <a:bodyPr anchorCtr="0" anchor="ctr" bIns="91425" lIns="91425" spcFirstLastPara="1" rIns="91425" wrap="square" tIns="91425">
+          <a:bodyPr spcFirstLastPara="1" wrap="square" lIns="91425" tIns="91425" rIns="91425" bIns="91425" anchor="ctr" anchorCtr="0">
             <a:normAutofit/>
           </a:bodyPr>
           <a:lstStyle>
@@ -9139,7 +9140,7 @@
             </a:lvl9pPr>
           </a:lstStyle>
           <a:p>
-            <a:pPr indent="0" lvl="0" marL="0" rtl="0" algn="r">
+            <a:pPr marL="0" lvl="0" indent="0" algn="r" rtl="0">
               <a:spcBef>
                 <a:spcPts val="0"/>
               </a:spcBef>
@@ -9158,7 +9159,7 @@
       </p:sp>
     </p:spTree>
   </p:cSld>
-  <p:clrMap accent1="accent1" accent2="accent2" accent3="accent3" accent4="accent4" accent5="accent5" accent6="accent6" bg1="lt1" bg2="dk2" tx1="dk1" tx2="lt2" folHlink="folHlink" hlink="hlink"/>
+  <p:clrMap bg1="lt1" tx1="dk1" bg2="dk2" tx2="lt2" accent1="accent1" accent2="accent2" accent3="accent3" accent4="accent4" accent5="accent5" accent6="accent6" hlink="hlink" folHlink="folHlink"/>
   <p:sldLayoutIdLst>
     <p:sldLayoutId id="2147483648" r:id="rId1"/>
     <p:sldLayoutId id="2147483649" r:id="rId2"/>
@@ -9172,10 +9173,10 @@
     <p:sldLayoutId id="2147483657" r:id="rId10"/>
     <p:sldLayoutId id="2147483658" r:id="rId11"/>
   </p:sldLayoutIdLst>
-  <p:hf dt="0" ftr="0" hdr="0" sldNum="0"/>
+  <p:hf sldNum="0" hdr="0" ftr="0" dt="0"/>
   <p:txStyles>
     <p:titleStyle>
-      <a:defPPr lvl="0" marR="0" rtl="0" algn="l">
+      <a:defPPr marR="0" lvl="0" algn="l" rtl="0">
         <a:lnSpc>
           <a:spcPct val="100000"/>
         </a:lnSpc>
@@ -9186,7 +9187,7 @@
           <a:spcPts val="0"/>
         </a:spcAft>
       </a:defPPr>
-      <a:lvl1pPr lvl="0" marR="0" rtl="0" algn="l">
+      <a:lvl1pPr marR="0" lvl="0" algn="l" rtl="0">
         <a:lnSpc>
           <a:spcPct val="100000"/>
         </a:lnSpc>
@@ -9200,7 +9201,7 @@
           <a:srgbClr val="000000"/>
         </a:buClr>
         <a:buFont typeface="Arial"/>
-        <a:defRPr b="0" i="0" sz="1400" u="none" cap="none" strike="noStrike">
+        <a:defRPr sz="1400" b="0" i="0" u="none" strike="noStrike" cap="none">
           <a:solidFill>
             <a:srgbClr val="000000"/>
           </a:solidFill>
@@ -9210,7 +9211,7 @@
           <a:sym typeface="Arial"/>
         </a:defRPr>
       </a:lvl1pPr>
-      <a:lvl2pPr lvl="1" marR="0" rtl="0" algn="l">
+      <a:lvl2pPr marR="0" lvl="1" algn="l" rtl="0">
         <a:lnSpc>
           <a:spcPct val="100000"/>
         </a:lnSpc>
@@ -9224,7 +9225,7 @@
           <a:srgbClr val="000000"/>
         </a:buClr>
         <a:buFont typeface="Arial"/>
-        <a:defRPr b="0" i="0" sz="1400" u="none" cap="none" strike="noStrike">
+        <a:defRPr sz="1400" b="0" i="0" u="none" strike="noStrike" cap="none">
           <a:solidFill>
             <a:srgbClr val="000000"/>
           </a:solidFill>
@@ -9234,7 +9235,7 @@
           <a:sym typeface="Arial"/>
         </a:defRPr>
       </a:lvl2pPr>
-      <a:lvl3pPr lvl="2" marR="0" rtl="0" algn="l">
+      <a:lvl3pPr marR="0" lvl="2" algn="l" rtl="0">
         <a:lnSpc>
           <a:spcPct val="100000"/>
         </a:lnSpc>
@@ -9248,7 +9249,7 @@
           <a:srgbClr val="000000"/>
         </a:buClr>
         <a:buFont typeface="Arial"/>
-        <a:defRPr b="0" i="0" sz="1400" u="none" cap="none" strike="noStrike">
+        <a:defRPr sz="1400" b="0" i="0" u="none" strike="noStrike" cap="none">
           <a:solidFill>
             <a:srgbClr val="000000"/>
           </a:solidFill>
@@ -9258,7 +9259,7 @@
           <a:sym typeface="Arial"/>
         </a:defRPr>
       </a:lvl3pPr>
-      <a:lvl4pPr lvl="3" marR="0" rtl="0" algn="l">
+      <a:lvl4pPr marR="0" lvl="3" algn="l" rtl="0">
         <a:lnSpc>
           <a:spcPct val="100000"/>
         </a:lnSpc>
@@ -9272,7 +9273,7 @@
           <a:srgbClr val="000000"/>
         </a:buClr>
         <a:buFont typeface="Arial"/>
-        <a:defRPr b="0" i="0" sz="1400" u="none" cap="none" strike="noStrike">
+        <a:defRPr sz="1400" b="0" i="0" u="none" strike="noStrike" cap="none">
           <a:solidFill>
             <a:srgbClr val="000000"/>
           </a:solidFill>
@@ -9282,7 +9283,7 @@
           <a:sym typeface="Arial"/>
         </a:defRPr>
       </a:lvl4pPr>
-      <a:lvl5pPr lvl="4" marR="0" rtl="0" algn="l">
+      <a:lvl5pPr marR="0" lvl="4" algn="l" rtl="0">
         <a:lnSpc>
           <a:spcPct val="100000"/>
         </a:lnSpc>
@@ -9296,7 +9297,7 @@
           <a:srgbClr val="000000"/>
         </a:buClr>
         <a:buFont typeface="Arial"/>
-        <a:defRPr b="0" i="0" sz="1400" u="none" cap="none" strike="noStrike">
+        <a:defRPr sz="1400" b="0" i="0" u="none" strike="noStrike" cap="none">
           <a:solidFill>
             <a:srgbClr val="000000"/>
           </a:solidFill>
@@ -9306,7 +9307,7 @@
           <a:sym typeface="Arial"/>
         </a:defRPr>
       </a:lvl5pPr>
-      <a:lvl6pPr lvl="5" marR="0" rtl="0" algn="l">
+      <a:lvl6pPr marR="0" lvl="5" algn="l" rtl="0">
         <a:lnSpc>
           <a:spcPct val="100000"/>
         </a:lnSpc>
@@ -9320,7 +9321,7 @@
           <a:srgbClr val="000000"/>
         </a:buClr>
         <a:buFont typeface="Arial"/>
-        <a:defRPr b="0" i="0" sz="1400" u="none" cap="none" strike="noStrike">
+        <a:defRPr sz="1400" b="0" i="0" u="none" strike="noStrike" cap="none">
           <a:solidFill>
             <a:srgbClr val="000000"/>
           </a:solidFill>
@@ -9330,7 +9331,7 @@
           <a:sym typeface="Arial"/>
         </a:defRPr>
       </a:lvl6pPr>
-      <a:lvl7pPr lvl="6" marR="0" rtl="0" algn="l">
+      <a:lvl7pPr marR="0" lvl="6" algn="l" rtl="0">
         <a:lnSpc>
           <a:spcPct val="100000"/>
         </a:lnSpc>
@@ -9344,7 +9345,7 @@
           <a:srgbClr val="000000"/>
         </a:buClr>
         <a:buFont typeface="Arial"/>
-        <a:defRPr b="0" i="0" sz="1400" u="none" cap="none" strike="noStrike">
+        <a:defRPr sz="1400" b="0" i="0" u="none" strike="noStrike" cap="none">
           <a:solidFill>
             <a:srgbClr val="000000"/>
           </a:solidFill>
@@ -9354,7 +9355,7 @@
           <a:sym typeface="Arial"/>
         </a:defRPr>
       </a:lvl7pPr>
-      <a:lvl8pPr lvl="7" marR="0" rtl="0" algn="l">
+      <a:lvl8pPr marR="0" lvl="7" algn="l" rtl="0">
         <a:lnSpc>
           <a:spcPct val="100000"/>
         </a:lnSpc>
@@ -9368,7 +9369,7 @@
           <a:srgbClr val="000000"/>
         </a:buClr>
         <a:buFont typeface="Arial"/>
-        <a:defRPr b="0" i="0" sz="1400" u="none" cap="none" strike="noStrike">
+        <a:defRPr sz="1400" b="0" i="0" u="none" strike="noStrike" cap="none">
           <a:solidFill>
             <a:srgbClr val="000000"/>
           </a:solidFill>
@@ -9378,7 +9379,7 @@
           <a:sym typeface="Arial"/>
         </a:defRPr>
       </a:lvl8pPr>
-      <a:lvl9pPr lvl="8" marR="0" rtl="0" algn="l">
+      <a:lvl9pPr marR="0" lvl="8" algn="l" rtl="0">
         <a:lnSpc>
           <a:spcPct val="100000"/>
         </a:lnSpc>
@@ -9392,7 +9393,7 @@
           <a:srgbClr val="000000"/>
         </a:buClr>
         <a:buFont typeface="Arial"/>
-        <a:defRPr b="0" i="0" sz="1400" u="none" cap="none" strike="noStrike">
+        <a:defRPr sz="1400" b="0" i="0" u="none" strike="noStrike" cap="none">
           <a:solidFill>
             <a:srgbClr val="000000"/>
           </a:solidFill>
@@ -9404,7 +9405,7 @@
       </a:lvl9pPr>
     </p:titleStyle>
     <p:bodyStyle>
-      <a:defPPr lvl="0" marR="0" rtl="0" algn="l">
+      <a:defPPr marR="0" lvl="0" algn="l" rtl="0">
         <a:lnSpc>
           <a:spcPct val="100000"/>
         </a:lnSpc>
@@ -9415,7 +9416,7 @@
           <a:spcPts val="0"/>
         </a:spcAft>
       </a:defPPr>
-      <a:lvl1pPr lvl="0" marR="0" rtl="0" algn="l">
+      <a:lvl1pPr marR="0" lvl="0" algn="l" rtl="0">
         <a:lnSpc>
           <a:spcPct val="100000"/>
         </a:lnSpc>
@@ -9429,7 +9430,7 @@
           <a:srgbClr val="000000"/>
         </a:buClr>
         <a:buFont typeface="Arial"/>
-        <a:defRPr b="0" i="0" sz="1400" u="none" cap="none" strike="noStrike">
+        <a:defRPr sz="1400" b="0" i="0" u="none" strike="noStrike" cap="none">
           <a:solidFill>
             <a:srgbClr val="000000"/>
           </a:solidFill>
@@ -9439,7 +9440,7 @@
           <a:sym typeface="Arial"/>
         </a:defRPr>
       </a:lvl1pPr>
-      <a:lvl2pPr lvl="1" marR="0" rtl="0" algn="l">
+      <a:lvl2pPr marR="0" lvl="1" algn="l" rtl="0">
         <a:lnSpc>
           <a:spcPct val="100000"/>
         </a:lnSpc>
@@ -9453,7 +9454,7 @@
           <a:srgbClr val="000000"/>
         </a:buClr>
         <a:buFont typeface="Arial"/>
-        <a:defRPr b="0" i="0" sz="1400" u="none" cap="none" strike="noStrike">
+        <a:defRPr sz="1400" b="0" i="0" u="none" strike="noStrike" cap="none">
           <a:solidFill>
             <a:srgbClr val="000000"/>
           </a:solidFill>
@@ -9463,7 +9464,7 @@
           <a:sym typeface="Arial"/>
         </a:defRPr>
       </a:lvl2pPr>
-      <a:lvl3pPr lvl="2" marR="0" rtl="0" algn="l">
+      <a:lvl3pPr marR="0" lvl="2" algn="l" rtl="0">
         <a:lnSpc>
           <a:spcPct val="100000"/>
         </a:lnSpc>
@@ -9477,7 +9478,7 @@
           <a:srgbClr val="000000"/>
         </a:buClr>
         <a:buFont typeface="Arial"/>
-        <a:defRPr b="0" i="0" sz="1400" u="none" cap="none" strike="noStrike">
+        <a:defRPr sz="1400" b="0" i="0" u="none" strike="noStrike" cap="none">
           <a:solidFill>
             <a:srgbClr val="000000"/>
           </a:solidFill>
@@ -9487,7 +9488,7 @@
           <a:sym typeface="Arial"/>
         </a:defRPr>
       </a:lvl3pPr>
-      <a:lvl4pPr lvl="3" marR="0" rtl="0" algn="l">
+      <a:lvl4pPr marR="0" lvl="3" algn="l" rtl="0">
         <a:lnSpc>
           <a:spcPct val="100000"/>
         </a:lnSpc>
@@ -9501,7 +9502,7 @@
           <a:srgbClr val="000000"/>
         </a:buClr>
         <a:buFont typeface="Arial"/>
-        <a:defRPr b="0" i="0" sz="1400" u="none" cap="none" strike="noStrike">
+        <a:defRPr sz="1400" b="0" i="0" u="none" strike="noStrike" cap="none">
           <a:solidFill>
             <a:srgbClr val="000000"/>
           </a:solidFill>
@@ -9511,7 +9512,7 @@
           <a:sym typeface="Arial"/>
         </a:defRPr>
       </a:lvl4pPr>
-      <a:lvl5pPr lvl="4" marR="0" rtl="0" algn="l">
+      <a:lvl5pPr marR="0" lvl="4" algn="l" rtl="0">
         <a:lnSpc>
           <a:spcPct val="100000"/>
         </a:lnSpc>
@@ -9525,7 +9526,7 @@
           <a:srgbClr val="000000"/>
         </a:buClr>
         <a:buFont typeface="Arial"/>
-        <a:defRPr b="0" i="0" sz="1400" u="none" cap="none" strike="noStrike">
+        <a:defRPr sz="1400" b="0" i="0" u="none" strike="noStrike" cap="none">
           <a:solidFill>
             <a:srgbClr val="000000"/>
           </a:solidFill>
@@ -9535,7 +9536,7 @@
           <a:sym typeface="Arial"/>
         </a:defRPr>
       </a:lvl5pPr>
-      <a:lvl6pPr lvl="5" marR="0" rtl="0" algn="l">
+      <a:lvl6pPr marR="0" lvl="5" algn="l" rtl="0">
         <a:lnSpc>
           <a:spcPct val="100000"/>
         </a:lnSpc>
@@ -9549,7 +9550,7 @@
           <a:srgbClr val="000000"/>
         </a:buClr>
         <a:buFont typeface="Arial"/>
-        <a:defRPr b="0" i="0" sz="1400" u="none" cap="none" strike="noStrike">
+        <a:defRPr sz="1400" b="0" i="0" u="none" strike="noStrike" cap="none">
           <a:solidFill>
             <a:srgbClr val="000000"/>
           </a:solidFill>
@@ -9559,7 +9560,7 @@
           <a:sym typeface="Arial"/>
         </a:defRPr>
       </a:lvl6pPr>
-      <a:lvl7pPr lvl="6" marR="0" rtl="0" algn="l">
+      <a:lvl7pPr marR="0" lvl="6" algn="l" rtl="0">
         <a:lnSpc>
           <a:spcPct val="100000"/>
         </a:lnSpc>
@@ -9573,7 +9574,7 @@
           <a:srgbClr val="000000"/>
         </a:buClr>
         <a:buFont typeface="Arial"/>
-        <a:defRPr b="0" i="0" sz="1400" u="none" cap="none" strike="noStrike">
+        <a:defRPr sz="1400" b="0" i="0" u="none" strike="noStrike" cap="none">
           <a:solidFill>
             <a:srgbClr val="000000"/>
           </a:solidFill>
@@ -9583,7 +9584,7 @@
           <a:sym typeface="Arial"/>
         </a:defRPr>
       </a:lvl7pPr>
-      <a:lvl8pPr lvl="7" marR="0" rtl="0" algn="l">
+      <a:lvl8pPr marR="0" lvl="7" algn="l" rtl="0">
         <a:lnSpc>
           <a:spcPct val="100000"/>
         </a:lnSpc>
@@ -9597,7 +9598,7 @@
           <a:srgbClr val="000000"/>
         </a:buClr>
         <a:buFont typeface="Arial"/>
-        <a:defRPr b="0" i="0" sz="1400" u="none" cap="none" strike="noStrike">
+        <a:defRPr sz="1400" b="0" i="0" u="none" strike="noStrike" cap="none">
           <a:solidFill>
             <a:srgbClr val="000000"/>
           </a:solidFill>
@@ -9607,7 +9608,7 @@
           <a:sym typeface="Arial"/>
         </a:defRPr>
       </a:lvl8pPr>
-      <a:lvl9pPr lvl="8" marR="0" rtl="0" algn="l">
+      <a:lvl9pPr marR="0" lvl="8" algn="l" rtl="0">
         <a:lnSpc>
           <a:spcPct val="100000"/>
         </a:lnSpc>
@@ -9621,7 +9622,7 @@
           <a:srgbClr val="000000"/>
         </a:buClr>
         <a:buFont typeface="Arial"/>
-        <a:defRPr b="0" i="0" sz="1400" u="none" cap="none" strike="noStrike">
+        <a:defRPr sz="1400" b="0" i="0" u="none" strike="noStrike" cap="none">
           <a:solidFill>
             <a:srgbClr val="000000"/>
           </a:solidFill>
@@ -9633,7 +9634,7 @@
       </a:lvl9pPr>
     </p:bodyStyle>
     <p:otherStyle>
-      <a:defPPr lvl="0" marR="0" rtl="0" algn="l">
+      <a:defPPr marR="0" lvl="0" algn="l" rtl="0">
         <a:lnSpc>
           <a:spcPct val="100000"/>
         </a:lnSpc>
@@ -9644,7 +9645,7 @@
           <a:spcPts val="0"/>
         </a:spcAft>
       </a:defPPr>
-      <a:lvl1pPr lvl="0" marR="0" rtl="0" algn="l">
+      <a:lvl1pPr marR="0" lvl="0" algn="l" rtl="0">
         <a:lnSpc>
           <a:spcPct val="100000"/>
         </a:lnSpc>
@@ -9658,7 +9659,7 @@
           <a:srgbClr val="000000"/>
         </a:buClr>
         <a:buFont typeface="Arial"/>
-        <a:defRPr b="0" i="0" sz="1400" u="none" cap="none" strike="noStrike">
+        <a:defRPr sz="1400" b="0" i="0" u="none" strike="noStrike" cap="none">
           <a:solidFill>
             <a:srgbClr val="000000"/>
           </a:solidFill>
@@ -9668,7 +9669,7 @@
           <a:sym typeface="Arial"/>
         </a:defRPr>
       </a:lvl1pPr>
-      <a:lvl2pPr lvl="1" marR="0" rtl="0" algn="l">
+      <a:lvl2pPr marR="0" lvl="1" algn="l" rtl="0">
         <a:lnSpc>
           <a:spcPct val="100000"/>
         </a:lnSpc>
@@ -9682,7 +9683,7 @@
           <a:srgbClr val="000000"/>
         </a:buClr>
         <a:buFont typeface="Arial"/>
-        <a:defRPr b="0" i="0" sz="1400" u="none" cap="none" strike="noStrike">
+        <a:defRPr sz="1400" b="0" i="0" u="none" strike="noStrike" cap="none">
           <a:solidFill>
             <a:srgbClr val="000000"/>
           </a:solidFill>
@@ -9692,7 +9693,7 @@
           <a:sym typeface="Arial"/>
         </a:defRPr>
       </a:lvl2pPr>
-      <a:lvl3pPr lvl="2" marR="0" rtl="0" algn="l">
+      <a:lvl3pPr marR="0" lvl="2" algn="l" rtl="0">
         <a:lnSpc>
           <a:spcPct val="100000"/>
         </a:lnSpc>
@@ -9706,7 +9707,7 @@
           <a:srgbClr val="000000"/>
         </a:buClr>
         <a:buFont typeface="Arial"/>
-        <a:defRPr b="0" i="0" sz="1400" u="none" cap="none" strike="noStrike">
+        <a:defRPr sz="1400" b="0" i="0" u="none" strike="noStrike" cap="none">
           <a:solidFill>
             <a:srgbClr val="000000"/>
           </a:solidFill>
@@ -9716,7 +9717,7 @@
           <a:sym typeface="Arial"/>
         </a:defRPr>
       </a:lvl3pPr>
-      <a:lvl4pPr lvl="3" marR="0" rtl="0" algn="l">
+      <a:lvl4pPr marR="0" lvl="3" algn="l" rtl="0">
         <a:lnSpc>
           <a:spcPct val="100000"/>
         </a:lnSpc>
@@ -9730,7 +9731,7 @@
           <a:srgbClr val="000000"/>
         </a:buClr>
         <a:buFont typeface="Arial"/>
-        <a:defRPr b="0" i="0" sz="1400" u="none" cap="none" strike="noStrike">
+        <a:defRPr sz="1400" b="0" i="0" u="none" strike="noStrike" cap="none">
           <a:solidFill>
             <a:srgbClr val="000000"/>
           </a:solidFill>
@@ -9740,7 +9741,7 @@
           <a:sym typeface="Arial"/>
         </a:defRPr>
       </a:lvl4pPr>
-      <a:lvl5pPr lvl="4" marR="0" rtl="0" algn="l">
+      <a:lvl5pPr marR="0" lvl="4" algn="l" rtl="0">
         <a:lnSpc>
           <a:spcPct val="100000"/>
         </a:lnSpc>
@@ -9754,7 +9755,7 @@
           <a:srgbClr val="000000"/>
         </a:buClr>
         <a:buFont typeface="Arial"/>
-        <a:defRPr b="0" i="0" sz="1400" u="none" cap="none" strike="noStrike">
+        <a:defRPr sz="1400" b="0" i="0" u="none" strike="noStrike" cap="none">
           <a:solidFill>
             <a:srgbClr val="000000"/>
           </a:solidFill>
@@ -9764,7 +9765,7 @@
           <a:sym typeface="Arial"/>
         </a:defRPr>
       </a:lvl5pPr>
-      <a:lvl6pPr lvl="5" marR="0" rtl="0" algn="l">
+      <a:lvl6pPr marR="0" lvl="5" algn="l" rtl="0">
         <a:lnSpc>
           <a:spcPct val="100000"/>
         </a:lnSpc>
@@ -9778,7 +9779,7 @@
           <a:srgbClr val="000000"/>
         </a:buClr>
         <a:buFont typeface="Arial"/>
-        <a:defRPr b="0" i="0" sz="1400" u="none" cap="none" strike="noStrike">
+        <a:defRPr sz="1400" b="0" i="0" u="none" strike="noStrike" cap="none">
           <a:solidFill>
             <a:srgbClr val="000000"/>
           </a:solidFill>
@@ -9788,7 +9789,7 @@
           <a:sym typeface="Arial"/>
         </a:defRPr>
       </a:lvl6pPr>
-      <a:lvl7pPr lvl="6" marR="0" rtl="0" algn="l">
+      <a:lvl7pPr marR="0" lvl="6" algn="l" rtl="0">
         <a:lnSpc>
           <a:spcPct val="100000"/>
         </a:lnSpc>
@@ -9802,7 +9803,7 @@
           <a:srgbClr val="000000"/>
         </a:buClr>
         <a:buFont typeface="Arial"/>
-        <a:defRPr b="0" i="0" sz="1400" u="none" cap="none" strike="noStrike">
+        <a:defRPr sz="1400" b="0" i="0" u="none" strike="noStrike" cap="none">
           <a:solidFill>
             <a:srgbClr val="000000"/>
           </a:solidFill>
@@ -9812,7 +9813,7 @@
           <a:sym typeface="Arial"/>
         </a:defRPr>
       </a:lvl7pPr>
-      <a:lvl8pPr lvl="7" marR="0" rtl="0" algn="l">
+      <a:lvl8pPr marR="0" lvl="7" algn="l" rtl="0">
         <a:lnSpc>
           <a:spcPct val="100000"/>
         </a:lnSpc>
@@ -9826,7 +9827,7 @@
           <a:srgbClr val="000000"/>
         </a:buClr>
         <a:buFont typeface="Arial"/>
-        <a:defRPr b="0" i="0" sz="1400" u="none" cap="none" strike="noStrike">
+        <a:defRPr sz="1400" b="0" i="0" u="none" strike="noStrike" cap="none">
           <a:solidFill>
             <a:srgbClr val="000000"/>
           </a:solidFill>
@@ -9836,7 +9837,7 @@
           <a:sym typeface="Arial"/>
         </a:defRPr>
       </a:lvl8pPr>
-      <a:lvl9pPr lvl="8" marR="0" rtl="0" algn="l">
+      <a:lvl9pPr marR="0" lvl="8" algn="l" rtl="0">
         <a:lnSpc>
           <a:spcPct val="100000"/>
         </a:lnSpc>
@@ -9850,7 +9851,7 @@
           <a:srgbClr val="000000"/>
         </a:buClr>
         <a:buFont typeface="Arial"/>
-        <a:defRPr b="0" i="0" sz="1400" u="none" cap="none" strike="noStrike">
+        <a:defRPr sz="1400" b="0" i="0" u="none" strike="noStrike" cap="none">
           <a:solidFill>
             <a:srgbClr val="000000"/>
           </a:solidFill>
@@ -9866,11 +9867,11 @@
 </file>
 
 <file path=ppt/slides/slide1.xml><?xml version="1.0" encoding="utf-8"?>
-<p:sld xmlns:a="http://schemas.openxmlformats.org/drawingml/2006/main" xmlns:r="http://schemas.openxmlformats.org/officeDocument/2006/relationships" xmlns:mc="http://schemas.openxmlformats.org/markup-compatibility/2006" xmlns:mv="urn:schemas-microsoft-com:mac:vml" xmlns:p="http://schemas.openxmlformats.org/presentationml/2006/main" xmlns:c="http://schemas.openxmlformats.org/drawingml/2006/chart" xmlns:dgm="http://schemas.openxmlformats.org/drawingml/2006/diagram" xmlns:o="urn:schemas-microsoft-com:office:office" xmlns:v="urn:schemas-microsoft-com:vml" xmlns:pvml="urn:schemas-microsoft-com:office:powerpoint" xmlns:com="http://schemas.openxmlformats.org/drawingml/2006/compatibility" xmlns:p14="http://schemas.microsoft.com/office/powerpoint/2010/main" xmlns:p15="http://schemas.microsoft.com/office/powerpoint/2012/main" xmlns:ahyp="http://schemas.microsoft.com/office/drawing/2018/hyperlinkcolor">
+<p:sld xmlns:a="http://schemas.openxmlformats.org/drawingml/2006/main" xmlns:r="http://schemas.openxmlformats.org/officeDocument/2006/relationships" xmlns:p="http://schemas.openxmlformats.org/presentationml/2006/main">
   <p:cSld>
     <p:spTree>
       <p:nvGrpSpPr>
-        <p:cNvPr id="127" name="Shape 127"/>
+        <p:cNvPr id="1" name="Shape 127"/>
         <p:cNvGrpSpPr/>
         <p:nvPr/>
       </p:nvGrpSpPr>
@@ -9885,7 +9886,9 @@
       <p:sp>
         <p:nvSpPr>
           <p:cNvPr id="128" name="Google Shape;128;p13"/>
-          <p:cNvSpPr txBox="1"/>
+          <p:cNvSpPr txBox="1">
+            <a:spLocks noGrp="1"/>
+          </p:cNvSpPr>
           <p:nvPr>
             <p:ph type="ctrTitle"/>
           </p:nvPr>
@@ -9900,12 +9903,12 @@
           </a:prstGeom>
         </p:spPr>
         <p:txBody>
-          <a:bodyPr anchorCtr="0" anchor="ctr" bIns="91425" lIns="91425" spcFirstLastPara="1" rIns="91425" wrap="square" tIns="91425">
+          <a:bodyPr spcFirstLastPara="1" wrap="square" lIns="91425" tIns="91425" rIns="91425" bIns="91425" anchor="ctr" anchorCtr="0">
             <a:normAutofit/>
           </a:bodyPr>
           <a:lstStyle/>
           <a:p>
-            <a:pPr indent="0" lvl="0" marL="0" rtl="0" algn="ctr">
+            <a:pPr marL="0" lvl="0" indent="0" algn="ctr" rtl="0">
               <a:spcBef>
                 <a:spcPts val="0"/>
               </a:spcBef>
@@ -9931,7 +9934,7 @@
             </a:endParaRPr>
           </a:p>
           <a:p>
-            <a:pPr indent="0" lvl="0" marL="0" rtl="0" algn="ctr">
+            <a:pPr marL="0" lvl="0" indent="0" algn="ctr" rtl="0">
               <a:spcBef>
                 <a:spcPts val="600"/>
               </a:spcBef>
@@ -9966,9 +9969,11 @@
       <p:sp>
         <p:nvSpPr>
           <p:cNvPr id="129" name="Google Shape;129;p13"/>
-          <p:cNvSpPr txBox="1"/>
+          <p:cNvSpPr txBox="1">
+            <a:spLocks noGrp="1"/>
+          </p:cNvSpPr>
           <p:nvPr>
-            <p:ph idx="1" type="subTitle"/>
+            <p:ph type="subTitle" idx="1"/>
           </p:nvPr>
         </p:nvSpPr>
         <p:spPr>
@@ -9981,12 +9986,12 @@
           </a:prstGeom>
         </p:spPr>
         <p:txBody>
-          <a:bodyPr anchorCtr="0" anchor="t" bIns="91425" lIns="91425" spcFirstLastPara="1" rIns="91425" wrap="square" tIns="91425">
-            <a:normAutofit fontScale="85000" lnSpcReduction="20000"/>
+          <a:bodyPr spcFirstLastPara="1" wrap="square" lIns="91425" tIns="91425" rIns="91425" bIns="91425" anchor="t" anchorCtr="0">
+            <a:normAutofit fontScale="77500" lnSpcReduction="20000"/>
           </a:bodyPr>
           <a:lstStyle/>
           <a:p>
-            <a:pPr indent="0" lvl="0" marL="0" rtl="0" algn="ctr">
+            <a:pPr marL="0" lvl="0" indent="0" algn="ctr" rtl="0">
               <a:spcBef>
                 <a:spcPts val="0"/>
               </a:spcBef>
@@ -9996,13 +10001,13 @@
               <a:buNone/>
             </a:pPr>
             <a:r>
-              <a:rPr lang="en"/>
-              <a:t>Марина Спасић</a:t>
+              <a:rPr lang="en" dirty="0"/>
+              <a:t>Марина Спасић 2017/0689</a:t>
             </a:r>
-            <a:endParaRPr/>
-          </a:p>
-          <a:p>
-            <a:pPr indent="0" lvl="0" marL="0" rtl="0" algn="ctr">
+            <a:endParaRPr dirty="0"/>
+          </a:p>
+          <a:p>
+            <a:pPr marL="0" lvl="0" indent="0" algn="ctr" rtl="0">
               <a:spcBef>
                 <a:spcPts val="0"/>
               </a:spcBef>
@@ -10012,10 +10017,10 @@
               <a:buNone/>
             </a:pPr>
             <a:r>
-              <a:rPr lang="en"/>
+              <a:rPr lang="en" dirty="0"/>
               <a:t>Алекса Богдановић 2017/0578</a:t>
             </a:r>
-            <a:endParaRPr/>
+            <a:endParaRPr dirty="0"/>
           </a:p>
         </p:txBody>
       </p:sp>
@@ -10028,11 +10033,11 @@
 </file>
 
 <file path=ppt/slides/slide10.xml><?xml version="1.0" encoding="utf-8"?>
-<p:sld xmlns:a="http://schemas.openxmlformats.org/drawingml/2006/main" xmlns:r="http://schemas.openxmlformats.org/officeDocument/2006/relationships" xmlns:mc="http://schemas.openxmlformats.org/markup-compatibility/2006" xmlns:mv="urn:schemas-microsoft-com:mac:vml" xmlns:p="http://schemas.openxmlformats.org/presentationml/2006/main" xmlns:c="http://schemas.openxmlformats.org/drawingml/2006/chart" xmlns:dgm="http://schemas.openxmlformats.org/drawingml/2006/diagram" xmlns:o="urn:schemas-microsoft-com:office:office" xmlns:v="urn:schemas-microsoft-com:vml" xmlns:pvml="urn:schemas-microsoft-com:office:powerpoint" xmlns:com="http://schemas.openxmlformats.org/drawingml/2006/compatibility" xmlns:p14="http://schemas.microsoft.com/office/powerpoint/2010/main" xmlns:p15="http://schemas.microsoft.com/office/powerpoint/2012/main" xmlns:ahyp="http://schemas.microsoft.com/office/drawing/2018/hyperlinkcolor">
+<p:sld xmlns:a="http://schemas.openxmlformats.org/drawingml/2006/main" xmlns:r="http://schemas.openxmlformats.org/officeDocument/2006/relationships" xmlns:p="http://schemas.openxmlformats.org/presentationml/2006/main">
   <p:cSld>
     <p:spTree>
       <p:nvGrpSpPr>
-        <p:cNvPr id="181" name="Shape 181"/>
+        <p:cNvPr id="1" name="Shape 181"/>
         <p:cNvGrpSpPr/>
         <p:nvPr/>
       </p:nvGrpSpPr>
@@ -10047,7 +10052,9 @@
       <p:sp>
         <p:nvSpPr>
           <p:cNvPr id="182" name="Google Shape;182;p22"/>
-          <p:cNvSpPr txBox="1"/>
+          <p:cNvSpPr txBox="1">
+            <a:spLocks noGrp="1"/>
+          </p:cNvSpPr>
           <p:nvPr>
             <p:ph type="title"/>
           </p:nvPr>
@@ -10062,12 +10069,12 @@
           </a:prstGeom>
         </p:spPr>
         <p:txBody>
-          <a:bodyPr anchorCtr="0" anchor="t" bIns="91425" lIns="91425" spcFirstLastPara="1" rIns="91425" wrap="square" tIns="91425">
+          <a:bodyPr spcFirstLastPara="1" wrap="square" lIns="91425" tIns="91425" rIns="91425" bIns="91425" anchor="t" anchorCtr="0">
             <a:normAutofit/>
           </a:bodyPr>
           <a:lstStyle/>
           <a:p>
-            <a:pPr indent="0" lvl="0" marL="0" rtl="0" algn="l">
+            <a:pPr marL="0" lvl="0" indent="0" algn="l" rtl="0">
               <a:spcBef>
                 <a:spcPts val="0"/>
               </a:spcBef>
@@ -10087,9 +10094,11 @@
       <p:sp>
         <p:nvSpPr>
           <p:cNvPr id="183" name="Google Shape;183;p22"/>
-          <p:cNvSpPr txBox="1"/>
+          <p:cNvSpPr txBox="1">
+            <a:spLocks noGrp="1"/>
+          </p:cNvSpPr>
           <p:nvPr>
-            <p:ph idx="1" type="body"/>
+            <p:ph type="body" idx="1"/>
           </p:nvPr>
         </p:nvSpPr>
         <p:spPr>
@@ -10102,12 +10111,12 @@
           </a:prstGeom>
         </p:spPr>
         <p:txBody>
-          <a:bodyPr anchorCtr="0" anchor="t" bIns="91425" lIns="91425" spcFirstLastPara="1" rIns="91425" wrap="square" tIns="91425">
+          <a:bodyPr spcFirstLastPara="1" wrap="square" lIns="91425" tIns="91425" rIns="91425" bIns="91425" anchor="t" anchorCtr="0">
             <a:normAutofit/>
           </a:bodyPr>
           <a:lstStyle/>
           <a:p>
-            <a:pPr indent="-311150" lvl="0" marL="457200" rtl="0" algn="l">
+            <a:pPr marL="457200" lvl="0" indent="-311150" algn="l" rtl="0">
               <a:spcBef>
                 <a:spcPts val="0"/>
               </a:spcBef>
@@ -10124,7 +10133,7 @@
             <a:endParaRPr/>
           </a:p>
           <a:p>
-            <a:pPr indent="-311150" lvl="0" marL="457200" rtl="0" algn="l">
+            <a:pPr marL="457200" lvl="0" indent="-311150" algn="l" rtl="0">
               <a:spcBef>
                 <a:spcPts val="0"/>
               </a:spcBef>
@@ -10141,7 +10150,7 @@
             <a:endParaRPr/>
           </a:p>
           <a:p>
-            <a:pPr indent="-311150" lvl="0" marL="457200" rtl="0" algn="l">
+            <a:pPr marL="457200" lvl="0" indent="-311150" algn="l" rtl="0">
               <a:spcBef>
                 <a:spcPts val="0"/>
               </a:spcBef>
@@ -10168,11 +10177,11 @@
 </file>
 
 <file path=ppt/slides/slide11.xml><?xml version="1.0" encoding="utf-8"?>
-<p:sld xmlns:a="http://schemas.openxmlformats.org/drawingml/2006/main" xmlns:r="http://schemas.openxmlformats.org/officeDocument/2006/relationships" xmlns:mc="http://schemas.openxmlformats.org/markup-compatibility/2006" xmlns:mv="urn:schemas-microsoft-com:mac:vml" xmlns:p="http://schemas.openxmlformats.org/presentationml/2006/main" xmlns:c="http://schemas.openxmlformats.org/drawingml/2006/chart" xmlns:dgm="http://schemas.openxmlformats.org/drawingml/2006/diagram" xmlns:o="urn:schemas-microsoft-com:office:office" xmlns:v="urn:schemas-microsoft-com:vml" xmlns:pvml="urn:schemas-microsoft-com:office:powerpoint" xmlns:com="http://schemas.openxmlformats.org/drawingml/2006/compatibility" xmlns:p14="http://schemas.microsoft.com/office/powerpoint/2010/main" xmlns:p15="http://schemas.microsoft.com/office/powerpoint/2012/main" xmlns:ahyp="http://schemas.microsoft.com/office/drawing/2018/hyperlinkcolor">
+<p:sld xmlns:a="http://schemas.openxmlformats.org/drawingml/2006/main" xmlns:r="http://schemas.openxmlformats.org/officeDocument/2006/relationships" xmlns:p="http://schemas.openxmlformats.org/presentationml/2006/main">
   <p:cSld>
     <p:spTree>
       <p:nvGrpSpPr>
-        <p:cNvPr id="187" name="Shape 187"/>
+        <p:cNvPr id="1" name="Shape 187"/>
         <p:cNvGrpSpPr/>
         <p:nvPr/>
       </p:nvGrpSpPr>
@@ -10187,7 +10196,9 @@
       <p:sp>
         <p:nvSpPr>
           <p:cNvPr id="188" name="Google Shape;188;p23"/>
-          <p:cNvSpPr txBox="1"/>
+          <p:cNvSpPr txBox="1">
+            <a:spLocks noGrp="1"/>
+          </p:cNvSpPr>
           <p:nvPr>
             <p:ph type="title"/>
           </p:nvPr>
@@ -10202,12 +10213,12 @@
           </a:prstGeom>
         </p:spPr>
         <p:txBody>
-          <a:bodyPr anchorCtr="0" anchor="ctr" bIns="91425" lIns="91425" spcFirstLastPara="1" rIns="91425" wrap="square" tIns="91425">
+          <a:bodyPr spcFirstLastPara="1" wrap="square" lIns="91425" tIns="91425" rIns="91425" bIns="91425" anchor="ctr" anchorCtr="0">
             <a:normAutofit/>
           </a:bodyPr>
           <a:lstStyle/>
           <a:p>
-            <a:pPr indent="0" lvl="0" marL="0" rtl="0" algn="ctr">
+            <a:pPr marL="0" lvl="0" indent="0" algn="ctr" rtl="0">
               <a:spcBef>
                 <a:spcPts val="0"/>
               </a:spcBef>
@@ -10233,11 +10244,11 @@
 </file>
 
 <file path=ppt/slides/slide2.xml><?xml version="1.0" encoding="utf-8"?>
-<p:sld xmlns:a="http://schemas.openxmlformats.org/drawingml/2006/main" xmlns:r="http://schemas.openxmlformats.org/officeDocument/2006/relationships" xmlns:mc="http://schemas.openxmlformats.org/markup-compatibility/2006" xmlns:mv="urn:schemas-microsoft-com:mac:vml" xmlns:p="http://schemas.openxmlformats.org/presentationml/2006/main" xmlns:c="http://schemas.openxmlformats.org/drawingml/2006/chart" xmlns:dgm="http://schemas.openxmlformats.org/drawingml/2006/diagram" xmlns:o="urn:schemas-microsoft-com:office:office" xmlns:v="urn:schemas-microsoft-com:vml" xmlns:pvml="urn:schemas-microsoft-com:office:powerpoint" xmlns:com="http://schemas.openxmlformats.org/drawingml/2006/compatibility" xmlns:p14="http://schemas.microsoft.com/office/powerpoint/2010/main" xmlns:p15="http://schemas.microsoft.com/office/powerpoint/2012/main" xmlns:ahyp="http://schemas.microsoft.com/office/drawing/2018/hyperlinkcolor">
+<p:sld xmlns:a="http://schemas.openxmlformats.org/drawingml/2006/main" xmlns:r="http://schemas.openxmlformats.org/officeDocument/2006/relationships" xmlns:p="http://schemas.openxmlformats.org/presentationml/2006/main">
   <p:cSld>
     <p:spTree>
       <p:nvGrpSpPr>
-        <p:cNvPr id="133" name="Shape 133"/>
+        <p:cNvPr id="1" name="Shape 133"/>
         <p:cNvGrpSpPr/>
         <p:nvPr/>
       </p:nvGrpSpPr>
@@ -10252,7 +10263,9 @@
       <p:sp>
         <p:nvSpPr>
           <p:cNvPr id="134" name="Google Shape;134;p14"/>
-          <p:cNvSpPr txBox="1"/>
+          <p:cNvSpPr txBox="1">
+            <a:spLocks noGrp="1"/>
+          </p:cNvSpPr>
           <p:nvPr>
             <p:ph type="title"/>
           </p:nvPr>
@@ -10267,12 +10280,12 @@
           </a:prstGeom>
         </p:spPr>
         <p:txBody>
-          <a:bodyPr anchorCtr="0" anchor="t" bIns="91425" lIns="91425" spcFirstLastPara="1" rIns="91425" wrap="square" tIns="91425">
+          <a:bodyPr spcFirstLastPara="1" wrap="square" lIns="91425" tIns="91425" rIns="91425" bIns="91425" anchor="t" anchorCtr="0">
             <a:normAutofit/>
           </a:bodyPr>
           <a:lstStyle/>
           <a:p>
-            <a:pPr indent="0" lvl="0" marL="0" rtl="0" algn="l">
+            <a:pPr marL="0" lvl="0" indent="0" algn="l" rtl="0">
               <a:spcBef>
                 <a:spcPts val="0"/>
               </a:spcBef>
@@ -10292,9 +10305,11 @@
       <p:sp>
         <p:nvSpPr>
           <p:cNvPr id="135" name="Google Shape;135;p14"/>
-          <p:cNvSpPr txBox="1"/>
+          <p:cNvSpPr txBox="1">
+            <a:spLocks noGrp="1"/>
+          </p:cNvSpPr>
           <p:nvPr>
-            <p:ph idx="1" type="body"/>
+            <p:ph type="body" idx="1"/>
           </p:nvPr>
         </p:nvSpPr>
         <p:spPr>
@@ -10307,12 +10322,12 @@
           </a:prstGeom>
         </p:spPr>
         <p:txBody>
-          <a:bodyPr anchorCtr="0" anchor="t" bIns="91425" lIns="91425" spcFirstLastPara="1" rIns="91425" wrap="square" tIns="91425">
+          <a:bodyPr spcFirstLastPara="1" wrap="square" lIns="91425" tIns="91425" rIns="91425" bIns="91425" anchor="t" anchorCtr="0">
             <a:normAutofit/>
           </a:bodyPr>
           <a:lstStyle/>
           <a:p>
-            <a:pPr indent="-311150" lvl="0" marL="457200" rtl="0" algn="l">
+            <a:pPr marL="457200" lvl="0" indent="-311150" algn="l" rtl="0">
               <a:spcBef>
                 <a:spcPts val="0"/>
               </a:spcBef>
@@ -10329,7 +10344,7 @@
             <a:endParaRPr/>
           </a:p>
           <a:p>
-            <a:pPr indent="-311150" lvl="0" marL="457200" rtl="0" algn="l">
+            <a:pPr marL="457200" lvl="0" indent="-311150" algn="l" rtl="0">
               <a:spcBef>
                 <a:spcPts val="0"/>
               </a:spcBef>
@@ -10346,7 +10361,7 @@
             <a:endParaRPr/>
           </a:p>
           <a:p>
-            <a:pPr indent="-311150" lvl="0" marL="457200" rtl="0" algn="l">
+            <a:pPr marL="457200" lvl="0" indent="-311150" algn="l" rtl="0">
               <a:spcBef>
                 <a:spcPts val="0"/>
               </a:spcBef>
@@ -10363,7 +10378,7 @@
             <a:endParaRPr/>
           </a:p>
           <a:p>
-            <a:pPr indent="-311150" lvl="0" marL="457200" rtl="0" algn="l">
+            <a:pPr marL="457200" lvl="0" indent="-311150" algn="l" rtl="0">
               <a:spcBef>
                 <a:spcPts val="0"/>
               </a:spcBef>
@@ -10380,7 +10395,7 @@
             <a:endParaRPr/>
           </a:p>
           <a:p>
-            <a:pPr indent="-311150" lvl="0" marL="457200" rtl="0" algn="l">
+            <a:pPr marL="457200" lvl="0" indent="-311150" algn="l" rtl="0">
               <a:spcBef>
                 <a:spcPts val="0"/>
               </a:spcBef>
@@ -10407,11 +10422,11 @@
 </file>
 
 <file path=ppt/slides/slide3.xml><?xml version="1.0" encoding="utf-8"?>
-<p:sld xmlns:a="http://schemas.openxmlformats.org/drawingml/2006/main" xmlns:r="http://schemas.openxmlformats.org/officeDocument/2006/relationships" xmlns:mc="http://schemas.openxmlformats.org/markup-compatibility/2006" xmlns:mv="urn:schemas-microsoft-com:mac:vml" xmlns:p="http://schemas.openxmlformats.org/presentationml/2006/main" xmlns:c="http://schemas.openxmlformats.org/drawingml/2006/chart" xmlns:dgm="http://schemas.openxmlformats.org/drawingml/2006/diagram" xmlns:o="urn:schemas-microsoft-com:office:office" xmlns:v="urn:schemas-microsoft-com:vml" xmlns:pvml="urn:schemas-microsoft-com:office:powerpoint" xmlns:com="http://schemas.openxmlformats.org/drawingml/2006/compatibility" xmlns:p14="http://schemas.microsoft.com/office/powerpoint/2010/main" xmlns:p15="http://schemas.microsoft.com/office/powerpoint/2012/main" xmlns:ahyp="http://schemas.microsoft.com/office/drawing/2018/hyperlinkcolor">
+<p:sld xmlns:a="http://schemas.openxmlformats.org/drawingml/2006/main" xmlns:r="http://schemas.openxmlformats.org/officeDocument/2006/relationships" xmlns:p="http://schemas.openxmlformats.org/presentationml/2006/main">
   <p:cSld>
     <p:spTree>
       <p:nvGrpSpPr>
-        <p:cNvPr id="139" name="Shape 139"/>
+        <p:cNvPr id="1" name="Shape 139"/>
         <p:cNvGrpSpPr/>
         <p:nvPr/>
       </p:nvGrpSpPr>
@@ -10426,7 +10441,9 @@
       <p:sp>
         <p:nvSpPr>
           <p:cNvPr id="140" name="Google Shape;140;p15"/>
-          <p:cNvSpPr txBox="1"/>
+          <p:cNvSpPr txBox="1">
+            <a:spLocks noGrp="1"/>
+          </p:cNvSpPr>
           <p:nvPr>
             <p:ph type="title"/>
           </p:nvPr>
@@ -10441,12 +10458,12 @@
           </a:prstGeom>
         </p:spPr>
         <p:txBody>
-          <a:bodyPr anchorCtr="0" anchor="t" bIns="91425" lIns="91425" spcFirstLastPara="1" rIns="91425" wrap="square" tIns="91425">
+          <a:bodyPr spcFirstLastPara="1" wrap="square" lIns="91425" tIns="91425" rIns="91425" bIns="91425" anchor="t" anchorCtr="0">
             <a:normAutofit/>
           </a:bodyPr>
           <a:lstStyle/>
           <a:p>
-            <a:pPr indent="0" lvl="0" marL="0" rtl="0" algn="l">
+            <a:pPr marL="0" lvl="0" indent="0" algn="l" rtl="0">
               <a:spcBef>
                 <a:spcPts val="0"/>
               </a:spcBef>
@@ -10466,9 +10483,11 @@
       <p:sp>
         <p:nvSpPr>
           <p:cNvPr id="141" name="Google Shape;141;p15"/>
-          <p:cNvSpPr txBox="1"/>
+          <p:cNvSpPr txBox="1">
+            <a:spLocks noGrp="1"/>
+          </p:cNvSpPr>
           <p:nvPr>
-            <p:ph idx="1" type="body"/>
+            <p:ph type="body" idx="1"/>
           </p:nvPr>
         </p:nvSpPr>
         <p:spPr>
@@ -10481,12 +10500,12 @@
           </a:prstGeom>
         </p:spPr>
         <p:txBody>
-          <a:bodyPr anchorCtr="0" anchor="t" bIns="91425" lIns="91425" spcFirstLastPara="1" rIns="91425" wrap="square" tIns="91425">
+          <a:bodyPr spcFirstLastPara="1" wrap="square" lIns="91425" tIns="91425" rIns="91425" bIns="91425" anchor="t" anchorCtr="0">
             <a:normAutofit/>
           </a:bodyPr>
           <a:lstStyle/>
           <a:p>
-            <a:pPr indent="-311150" lvl="0" marL="457200" rtl="0" algn="l">
+            <a:pPr marL="457200" lvl="0" indent="-311150" algn="l" rtl="0">
               <a:spcBef>
                 <a:spcPts val="0"/>
               </a:spcBef>
@@ -10503,7 +10522,7 @@
             <a:endParaRPr/>
           </a:p>
           <a:p>
-            <a:pPr indent="-311150" lvl="0" marL="457200" rtl="0" algn="l">
+            <a:pPr marL="457200" lvl="0" indent="-311150" algn="l" rtl="0">
               <a:spcBef>
                 <a:spcPts val="0"/>
               </a:spcBef>
@@ -10520,7 +10539,7 @@
             <a:endParaRPr/>
           </a:p>
           <a:p>
-            <a:pPr indent="-311150" lvl="0" marL="457200" rtl="0" algn="l">
+            <a:pPr marL="457200" lvl="0" indent="-311150" algn="l" rtl="0">
               <a:spcBef>
                 <a:spcPts val="0"/>
               </a:spcBef>
@@ -10547,11 +10566,11 @@
 </file>
 
 <file path=ppt/slides/slide4.xml><?xml version="1.0" encoding="utf-8"?>
-<p:sld xmlns:a="http://schemas.openxmlformats.org/drawingml/2006/main" xmlns:r="http://schemas.openxmlformats.org/officeDocument/2006/relationships" xmlns:mc="http://schemas.openxmlformats.org/markup-compatibility/2006" xmlns:mv="urn:schemas-microsoft-com:mac:vml" xmlns:p="http://schemas.openxmlformats.org/presentationml/2006/main" xmlns:c="http://schemas.openxmlformats.org/drawingml/2006/chart" xmlns:dgm="http://schemas.openxmlformats.org/drawingml/2006/diagram" xmlns:o="urn:schemas-microsoft-com:office:office" xmlns:v="urn:schemas-microsoft-com:vml" xmlns:pvml="urn:schemas-microsoft-com:office:powerpoint" xmlns:com="http://schemas.openxmlformats.org/drawingml/2006/compatibility" xmlns:p14="http://schemas.microsoft.com/office/powerpoint/2010/main" xmlns:p15="http://schemas.microsoft.com/office/powerpoint/2012/main" xmlns:ahyp="http://schemas.microsoft.com/office/drawing/2018/hyperlinkcolor">
+<p:sld xmlns:a="http://schemas.openxmlformats.org/drawingml/2006/main" xmlns:r="http://schemas.openxmlformats.org/officeDocument/2006/relationships" xmlns:p="http://schemas.openxmlformats.org/presentationml/2006/main">
   <p:cSld>
     <p:spTree>
       <p:nvGrpSpPr>
-        <p:cNvPr id="145" name="Shape 145"/>
+        <p:cNvPr id="1" name="Shape 145"/>
         <p:cNvGrpSpPr/>
         <p:nvPr/>
       </p:nvGrpSpPr>
@@ -10566,7 +10585,9 @@
       <p:sp>
         <p:nvSpPr>
           <p:cNvPr id="146" name="Google Shape;146;p16"/>
-          <p:cNvSpPr txBox="1"/>
+          <p:cNvSpPr txBox="1">
+            <a:spLocks noGrp="1"/>
+          </p:cNvSpPr>
           <p:nvPr>
             <p:ph type="title"/>
           </p:nvPr>
@@ -10581,12 +10602,12 @@
           </a:prstGeom>
         </p:spPr>
         <p:txBody>
-          <a:bodyPr anchorCtr="0" anchor="t" bIns="91425" lIns="91425" spcFirstLastPara="1" rIns="91425" wrap="square" tIns="91425">
+          <a:bodyPr spcFirstLastPara="1" wrap="square" lIns="91425" tIns="91425" rIns="91425" bIns="91425" anchor="t" anchorCtr="0">
             <a:normAutofit/>
           </a:bodyPr>
           <a:lstStyle/>
           <a:p>
-            <a:pPr indent="0" lvl="0" marL="0" rtl="0" algn="l">
+            <a:pPr marL="0" lvl="0" indent="0" algn="l" rtl="0">
               <a:spcBef>
                 <a:spcPts val="0"/>
               </a:spcBef>
@@ -10606,9 +10627,11 @@
       <p:sp>
         <p:nvSpPr>
           <p:cNvPr id="147" name="Google Shape;147;p16"/>
-          <p:cNvSpPr txBox="1"/>
+          <p:cNvSpPr txBox="1">
+            <a:spLocks noGrp="1"/>
+          </p:cNvSpPr>
           <p:nvPr>
-            <p:ph idx="1" type="body"/>
+            <p:ph type="body" idx="1"/>
           </p:nvPr>
         </p:nvSpPr>
         <p:spPr>
@@ -10621,12 +10644,12 @@
           </a:prstGeom>
         </p:spPr>
         <p:txBody>
-          <a:bodyPr anchorCtr="0" anchor="t" bIns="91425" lIns="91425" spcFirstLastPara="1" rIns="91425" wrap="square" tIns="91425">
+          <a:bodyPr spcFirstLastPara="1" wrap="square" lIns="91425" tIns="91425" rIns="91425" bIns="91425" anchor="t" anchorCtr="0">
             <a:normAutofit/>
           </a:bodyPr>
           <a:lstStyle/>
           <a:p>
-            <a:pPr indent="-311150" lvl="0" marL="457200" rtl="0" algn="l">
+            <a:pPr marL="457200" lvl="0" indent="-311150" algn="l" rtl="0">
               <a:spcBef>
                 <a:spcPts val="0"/>
               </a:spcBef>
@@ -10643,7 +10666,7 @@
             <a:endParaRPr/>
           </a:p>
           <a:p>
-            <a:pPr indent="-311150" lvl="0" marL="457200" rtl="0" algn="l">
+            <a:pPr marL="457200" lvl="0" indent="-311150" algn="l" rtl="0">
               <a:spcBef>
                 <a:spcPts val="0"/>
               </a:spcBef>
@@ -10660,7 +10683,7 @@
             <a:endParaRPr/>
           </a:p>
           <a:p>
-            <a:pPr indent="-311150" lvl="0" marL="457200" rtl="0" algn="l">
+            <a:pPr marL="457200" lvl="0" indent="-311150" algn="l" rtl="0">
               <a:spcBef>
                 <a:spcPts val="0"/>
               </a:spcBef>
@@ -10677,7 +10700,7 @@
             <a:endParaRPr/>
           </a:p>
           <a:p>
-            <a:pPr indent="-311150" lvl="0" marL="457200" rtl="0" algn="l">
+            <a:pPr marL="457200" lvl="0" indent="-311150" algn="l" rtl="0">
               <a:spcBef>
                 <a:spcPts val="0"/>
               </a:spcBef>
@@ -10694,7 +10717,7 @@
             <a:endParaRPr/>
           </a:p>
           <a:p>
-            <a:pPr indent="-311150" lvl="0" marL="457200" rtl="0" algn="l">
+            <a:pPr marL="457200" lvl="0" indent="-311150" algn="l" rtl="0">
               <a:spcBef>
                 <a:spcPts val="0"/>
               </a:spcBef>
@@ -10711,7 +10734,7 @@
             <a:endParaRPr/>
           </a:p>
           <a:p>
-            <a:pPr indent="-311150" lvl="0" marL="457200" rtl="0" algn="l">
+            <a:pPr marL="457200" lvl="0" indent="-311150" algn="l" rtl="0">
               <a:spcBef>
                 <a:spcPts val="0"/>
               </a:spcBef>
@@ -10728,7 +10751,7 @@
             <a:endParaRPr/>
           </a:p>
           <a:p>
-            <a:pPr indent="-311150" lvl="0" marL="457200" rtl="0" algn="l">
+            <a:pPr marL="457200" lvl="0" indent="-311150" algn="l" rtl="0">
               <a:spcBef>
                 <a:spcPts val="0"/>
               </a:spcBef>
@@ -10740,16 +10763,12 @@
             </a:pPr>
             <a:r>
               <a:rPr lang="en"/>
-              <a:t>К</a:t>
+              <a:t>Контролор - прати и евидентира особе које не поштују одређене мере </a:t>
             </a:r>
-            <a:r>
-              <a:rPr lang="en"/>
-              <a:t>онтролор - прати и евидентира особе које не поштују одређене мере </a:t>
-            </a:r>
-            <a:endParaRPr/>
-          </a:p>
-          <a:p>
-            <a:pPr indent="-311150" lvl="0" marL="457200" rtl="0" algn="l">
+            <a:endParaRPr/>
+          </a:p>
+          <a:p>
+            <a:pPr marL="457200" lvl="0" indent="-311150" algn="l" rtl="0">
               <a:spcBef>
                 <a:spcPts val="0"/>
               </a:spcBef>
@@ -10776,11 +10795,11 @@
 </file>
 
 <file path=ppt/slides/slide5.xml><?xml version="1.0" encoding="utf-8"?>
-<p:sld xmlns:a="http://schemas.openxmlformats.org/drawingml/2006/main" xmlns:r="http://schemas.openxmlformats.org/officeDocument/2006/relationships" xmlns:mc="http://schemas.openxmlformats.org/markup-compatibility/2006" xmlns:mv="urn:schemas-microsoft-com:mac:vml" xmlns:p="http://schemas.openxmlformats.org/presentationml/2006/main" xmlns:c="http://schemas.openxmlformats.org/drawingml/2006/chart" xmlns:dgm="http://schemas.openxmlformats.org/drawingml/2006/diagram" xmlns:o="urn:schemas-microsoft-com:office:office" xmlns:v="urn:schemas-microsoft-com:vml" xmlns:pvml="urn:schemas-microsoft-com:office:powerpoint" xmlns:com="http://schemas.openxmlformats.org/drawingml/2006/compatibility" xmlns:p14="http://schemas.microsoft.com/office/powerpoint/2010/main" xmlns:p15="http://schemas.microsoft.com/office/powerpoint/2012/main" xmlns:ahyp="http://schemas.microsoft.com/office/drawing/2018/hyperlinkcolor">
+<p:sld xmlns:a="http://schemas.openxmlformats.org/drawingml/2006/main" xmlns:r="http://schemas.openxmlformats.org/officeDocument/2006/relationships" xmlns:p="http://schemas.openxmlformats.org/presentationml/2006/main">
   <p:cSld>
     <p:spTree>
       <p:nvGrpSpPr>
-        <p:cNvPr id="151" name="Shape 151"/>
+        <p:cNvPr id="1" name="Shape 151"/>
         <p:cNvGrpSpPr/>
         <p:nvPr/>
       </p:nvGrpSpPr>
@@ -10795,7 +10814,9 @@
       <p:sp>
         <p:nvSpPr>
           <p:cNvPr id="152" name="Google Shape;152;p17"/>
-          <p:cNvSpPr txBox="1"/>
+          <p:cNvSpPr txBox="1">
+            <a:spLocks noGrp="1"/>
+          </p:cNvSpPr>
           <p:nvPr>
             <p:ph type="title"/>
           </p:nvPr>
@@ -10810,12 +10831,12 @@
           </a:prstGeom>
         </p:spPr>
         <p:txBody>
-          <a:bodyPr anchorCtr="0" anchor="t" bIns="91425" lIns="91425" spcFirstLastPara="1" rIns="91425" wrap="square" tIns="91425">
+          <a:bodyPr spcFirstLastPara="1" wrap="square" lIns="91425" tIns="91425" rIns="91425" bIns="91425" anchor="t" anchorCtr="0">
             <a:normAutofit/>
           </a:bodyPr>
           <a:lstStyle/>
           <a:p>
-            <a:pPr indent="0" lvl="0" marL="0" rtl="0" algn="l">
+            <a:pPr marL="0" lvl="0" indent="0" algn="l" rtl="0">
               <a:spcBef>
                 <a:spcPts val="0"/>
               </a:spcBef>
@@ -10835,9 +10856,11 @@
       <p:sp>
         <p:nvSpPr>
           <p:cNvPr id="153" name="Google Shape;153;p17"/>
-          <p:cNvSpPr txBox="1"/>
+          <p:cNvSpPr txBox="1">
+            <a:spLocks noGrp="1"/>
+          </p:cNvSpPr>
           <p:nvPr>
-            <p:ph idx="1" type="body"/>
+            <p:ph type="body" idx="1"/>
           </p:nvPr>
         </p:nvSpPr>
         <p:spPr>
@@ -10850,12 +10873,12 @@
           </a:prstGeom>
         </p:spPr>
         <p:txBody>
-          <a:bodyPr anchorCtr="0" anchor="t" bIns="91425" lIns="91425" spcFirstLastPara="1" rIns="91425" wrap="square" tIns="91425">
+          <a:bodyPr spcFirstLastPara="1" wrap="square" lIns="91425" tIns="91425" rIns="91425" bIns="91425" anchor="t" anchorCtr="0">
             <a:normAutofit/>
           </a:bodyPr>
           <a:lstStyle/>
           <a:p>
-            <a:pPr indent="-311150" lvl="0" marL="457200" rtl="0" algn="l">
+            <a:pPr marL="457200" lvl="0" indent="-311150" algn="l" rtl="0">
               <a:spcBef>
                 <a:spcPts val="0"/>
               </a:spcBef>
@@ -10867,16 +10890,12 @@
             </a:pPr>
             <a:r>
               <a:rPr lang="en"/>
-              <a:t>П</a:t>
+              <a:t>Потребно је да корисници поседују паметне телефоне на којима би апликација могла да се инсталира и који подржава праћење локације</a:t>
             </a:r>
-            <a:r>
-              <a:rPr lang="en"/>
-              <a:t>отребно је да корисници поседују паметне телефоне на којима би апликација могла да се инсталира и који подржава праћење локације</a:t>
-            </a:r>
-            <a:endParaRPr/>
-          </a:p>
-          <a:p>
-            <a:pPr indent="-311150" lvl="0" marL="457200" rtl="0" algn="l">
+            <a:endParaRPr/>
+          </a:p>
+          <a:p>
+            <a:pPr marL="457200" lvl="0" indent="-311150" algn="l" rtl="0">
               <a:spcBef>
                 <a:spcPts val="0"/>
               </a:spcBef>
@@ -10893,7 +10912,7 @@
             <a:endParaRPr/>
           </a:p>
           <a:p>
-            <a:pPr indent="-311150" lvl="0" marL="457200" rtl="0" algn="l">
+            <a:pPr marL="457200" lvl="0" indent="-311150" algn="l" rtl="0">
               <a:spcBef>
                 <a:spcPts val="0"/>
               </a:spcBef>
@@ -10910,7 +10929,7 @@
             <a:endParaRPr/>
           </a:p>
           <a:p>
-            <a:pPr indent="-311150" lvl="0" marL="457200" rtl="0" algn="l">
+            <a:pPr marL="457200" lvl="0" indent="-311150" algn="l" rtl="0">
               <a:spcBef>
                 <a:spcPts val="0"/>
               </a:spcBef>
@@ -10927,7 +10946,7 @@
             <a:endParaRPr/>
           </a:p>
           <a:p>
-            <a:pPr indent="-311150" lvl="0" marL="457200" rtl="0" algn="l">
+            <a:pPr marL="457200" lvl="0" indent="-311150" algn="l" rtl="0">
               <a:spcBef>
                 <a:spcPts val="0"/>
               </a:spcBef>
@@ -10954,11 +10973,11 @@
 </file>
 
 <file path=ppt/slides/slide6.xml><?xml version="1.0" encoding="utf-8"?>
-<p:sld xmlns:a="http://schemas.openxmlformats.org/drawingml/2006/main" xmlns:r="http://schemas.openxmlformats.org/officeDocument/2006/relationships" xmlns:mc="http://schemas.openxmlformats.org/markup-compatibility/2006" xmlns:mv="urn:schemas-microsoft-com:mac:vml" xmlns:p="http://schemas.openxmlformats.org/presentationml/2006/main" xmlns:c="http://schemas.openxmlformats.org/drawingml/2006/chart" xmlns:dgm="http://schemas.openxmlformats.org/drawingml/2006/diagram" xmlns:o="urn:schemas-microsoft-com:office:office" xmlns:v="urn:schemas-microsoft-com:vml" xmlns:pvml="urn:schemas-microsoft-com:office:powerpoint" xmlns:com="http://schemas.openxmlformats.org/drawingml/2006/compatibility" xmlns:p14="http://schemas.microsoft.com/office/powerpoint/2010/main" xmlns:p15="http://schemas.microsoft.com/office/powerpoint/2012/main" xmlns:ahyp="http://schemas.microsoft.com/office/drawing/2018/hyperlinkcolor">
+<p:sld xmlns:a="http://schemas.openxmlformats.org/drawingml/2006/main" xmlns:r="http://schemas.openxmlformats.org/officeDocument/2006/relationships" xmlns:p="http://schemas.openxmlformats.org/presentationml/2006/main">
   <p:cSld>
     <p:spTree>
       <p:nvGrpSpPr>
-        <p:cNvPr id="157" name="Shape 157"/>
+        <p:cNvPr id="1" name="Shape 157"/>
         <p:cNvGrpSpPr/>
         <p:nvPr/>
       </p:nvGrpSpPr>
@@ -10973,7 +10992,9 @@
       <p:sp>
         <p:nvSpPr>
           <p:cNvPr id="158" name="Google Shape;158;p18"/>
-          <p:cNvSpPr txBox="1"/>
+          <p:cNvSpPr txBox="1">
+            <a:spLocks noGrp="1"/>
+          </p:cNvSpPr>
           <p:nvPr>
             <p:ph type="title"/>
           </p:nvPr>
@@ -10988,12 +11009,12 @@
           </a:prstGeom>
         </p:spPr>
         <p:txBody>
-          <a:bodyPr anchorCtr="0" anchor="t" bIns="91425" lIns="91425" spcFirstLastPara="1" rIns="91425" wrap="square" tIns="91425">
+          <a:bodyPr spcFirstLastPara="1" wrap="square" lIns="91425" tIns="91425" rIns="91425" bIns="91425" anchor="t" anchorCtr="0">
             <a:normAutofit/>
           </a:bodyPr>
           <a:lstStyle/>
           <a:p>
-            <a:pPr indent="0" lvl="0" marL="0" rtl="0" algn="l">
+            <a:pPr marL="0" lvl="0" indent="0" algn="l" rtl="0">
               <a:spcBef>
                 <a:spcPts val="0"/>
               </a:spcBef>
@@ -11013,9 +11034,11 @@
       <p:sp>
         <p:nvSpPr>
           <p:cNvPr id="159" name="Google Shape;159;p18"/>
-          <p:cNvSpPr txBox="1"/>
+          <p:cNvSpPr txBox="1">
+            <a:spLocks noGrp="1"/>
+          </p:cNvSpPr>
           <p:nvPr>
-            <p:ph idx="1" type="body"/>
+            <p:ph type="body" idx="1"/>
           </p:nvPr>
         </p:nvSpPr>
         <p:spPr>
@@ -11028,12 +11051,12 @@
           </a:prstGeom>
         </p:spPr>
         <p:txBody>
-          <a:bodyPr anchorCtr="0" anchor="t" bIns="91425" lIns="91425" spcFirstLastPara="1" rIns="91425" wrap="square" tIns="91425">
+          <a:bodyPr spcFirstLastPara="1" wrap="square" lIns="91425" tIns="91425" rIns="91425" bIns="91425" anchor="t" anchorCtr="0">
             <a:normAutofit lnSpcReduction="10000"/>
           </a:bodyPr>
           <a:lstStyle/>
           <a:p>
-            <a:pPr indent="-311150" lvl="0" marL="457200" rtl="0" algn="l">
+            <a:pPr marL="457200" lvl="0" indent="-311150" algn="l" rtl="0">
               <a:spcBef>
                 <a:spcPts val="0"/>
               </a:spcBef>
@@ -11050,7 +11073,7 @@
             <a:endParaRPr/>
           </a:p>
           <a:p>
-            <a:pPr indent="-298450" lvl="1" marL="914400" rtl="0" algn="l">
+            <a:pPr marL="914400" lvl="1" indent="-298450" algn="l" rtl="0">
               <a:spcBef>
                 <a:spcPts val="0"/>
               </a:spcBef>
@@ -11067,7 +11090,7 @@
             <a:endParaRPr/>
           </a:p>
           <a:p>
-            <a:pPr indent="-298450" lvl="1" marL="914400" rtl="0" algn="l">
+            <a:pPr marL="914400" lvl="1" indent="-298450" algn="l" rtl="0">
               <a:spcBef>
                 <a:spcPts val="0"/>
               </a:spcBef>
@@ -11084,7 +11107,7 @@
             <a:endParaRPr/>
           </a:p>
           <a:p>
-            <a:pPr indent="-298450" lvl="1" marL="914400" rtl="0" algn="l">
+            <a:pPr marL="914400" lvl="1" indent="-298450" algn="l" rtl="0">
               <a:spcBef>
                 <a:spcPts val="0"/>
               </a:spcBef>
@@ -11101,7 +11124,7 @@
             <a:endParaRPr/>
           </a:p>
           <a:p>
-            <a:pPr indent="-298450" lvl="1" marL="914400" rtl="0" algn="l">
+            <a:pPr marL="914400" lvl="1" indent="-298450" algn="l" rtl="0">
               <a:spcBef>
                 <a:spcPts val="0"/>
               </a:spcBef>
@@ -11118,7 +11141,7 @@
             <a:endParaRPr/>
           </a:p>
           <a:p>
-            <a:pPr indent="-298450" lvl="1" marL="914400" rtl="0" algn="l">
+            <a:pPr marL="914400" lvl="1" indent="-298450" algn="l" rtl="0">
               <a:spcBef>
                 <a:spcPts val="0"/>
               </a:spcBef>
@@ -11135,7 +11158,7 @@
             <a:endParaRPr/>
           </a:p>
           <a:p>
-            <a:pPr indent="-298450" lvl="1" marL="914400" rtl="0" algn="l">
+            <a:pPr marL="914400" lvl="1" indent="-298450" algn="l" rtl="0">
               <a:spcBef>
                 <a:spcPts val="0"/>
               </a:spcBef>
@@ -11152,7 +11175,7 @@
             <a:endParaRPr/>
           </a:p>
           <a:p>
-            <a:pPr indent="-298450" lvl="1" marL="914400" rtl="0" algn="l">
+            <a:pPr marL="914400" lvl="1" indent="-298450" algn="l" rtl="0">
               <a:spcBef>
                 <a:spcPts val="0"/>
               </a:spcBef>
@@ -11169,7 +11192,7 @@
             <a:endParaRPr/>
           </a:p>
           <a:p>
-            <a:pPr indent="-298450" lvl="1" marL="914400" rtl="0" algn="l">
+            <a:pPr marL="914400" lvl="1" indent="-298450" algn="l" rtl="0">
               <a:spcBef>
                 <a:spcPts val="0"/>
               </a:spcBef>
@@ -11186,7 +11209,7 @@
             <a:endParaRPr/>
           </a:p>
           <a:p>
-            <a:pPr indent="-298450" lvl="1" marL="914400" rtl="0" algn="l">
+            <a:pPr marL="914400" lvl="1" indent="-298450" algn="l" rtl="0">
               <a:spcBef>
                 <a:spcPts val="0"/>
               </a:spcBef>
@@ -11203,7 +11226,7 @@
             <a:endParaRPr/>
           </a:p>
           <a:p>
-            <a:pPr indent="-311150" lvl="0" marL="457200" rtl="0" algn="l">
+            <a:pPr marL="457200" lvl="0" indent="-311150" algn="l" rtl="0">
               <a:spcBef>
                 <a:spcPts val="0"/>
               </a:spcBef>
@@ -11220,7 +11243,7 @@
             <a:endParaRPr/>
           </a:p>
           <a:p>
-            <a:pPr indent="-298450" lvl="1" marL="914400" rtl="0" algn="l">
+            <a:pPr marL="914400" lvl="1" indent="-298450" algn="l" rtl="0">
               <a:spcBef>
                 <a:spcPts val="0"/>
               </a:spcBef>
@@ -11237,7 +11260,7 @@
             <a:endParaRPr/>
           </a:p>
           <a:p>
-            <a:pPr indent="-298450" lvl="1" marL="914400" rtl="0" algn="l">
+            <a:pPr marL="914400" lvl="1" indent="-298450" algn="l" rtl="0">
               <a:spcBef>
                 <a:spcPts val="0"/>
               </a:spcBef>
@@ -11254,7 +11277,7 @@
             <a:endParaRPr/>
           </a:p>
           <a:p>
-            <a:pPr indent="-298450" lvl="1" marL="914400" rtl="0" algn="l">
+            <a:pPr marL="914400" lvl="1" indent="-298450" algn="l" rtl="0">
               <a:spcBef>
                 <a:spcPts val="0"/>
               </a:spcBef>
@@ -11281,11 +11304,11 @@
 </file>
 
 <file path=ppt/slides/slide7.xml><?xml version="1.0" encoding="utf-8"?>
-<p:sld xmlns:a="http://schemas.openxmlformats.org/drawingml/2006/main" xmlns:r="http://schemas.openxmlformats.org/officeDocument/2006/relationships" xmlns:mc="http://schemas.openxmlformats.org/markup-compatibility/2006" xmlns:mv="urn:schemas-microsoft-com:mac:vml" xmlns:p="http://schemas.openxmlformats.org/presentationml/2006/main" xmlns:c="http://schemas.openxmlformats.org/drawingml/2006/chart" xmlns:dgm="http://schemas.openxmlformats.org/drawingml/2006/diagram" xmlns:o="urn:schemas-microsoft-com:office:office" xmlns:v="urn:schemas-microsoft-com:vml" xmlns:pvml="urn:schemas-microsoft-com:office:powerpoint" xmlns:com="http://schemas.openxmlformats.org/drawingml/2006/compatibility" xmlns:p14="http://schemas.microsoft.com/office/powerpoint/2010/main" xmlns:p15="http://schemas.microsoft.com/office/powerpoint/2012/main" xmlns:ahyp="http://schemas.microsoft.com/office/drawing/2018/hyperlinkcolor">
+<p:sld xmlns:a="http://schemas.openxmlformats.org/drawingml/2006/main" xmlns:r="http://schemas.openxmlformats.org/officeDocument/2006/relationships" xmlns:p="http://schemas.openxmlformats.org/presentationml/2006/main">
   <p:cSld>
     <p:spTree>
       <p:nvGrpSpPr>
-        <p:cNvPr id="163" name="Shape 163"/>
+        <p:cNvPr id="1" name="Shape 163"/>
         <p:cNvGrpSpPr/>
         <p:nvPr/>
       </p:nvGrpSpPr>
@@ -11300,7 +11323,9 @@
       <p:sp>
         <p:nvSpPr>
           <p:cNvPr id="164" name="Google Shape;164;p19"/>
-          <p:cNvSpPr txBox="1"/>
+          <p:cNvSpPr txBox="1">
+            <a:spLocks noGrp="1"/>
+          </p:cNvSpPr>
           <p:nvPr>
             <p:ph type="title"/>
           </p:nvPr>
@@ -11315,12 +11340,12 @@
           </a:prstGeom>
         </p:spPr>
         <p:txBody>
-          <a:bodyPr anchorCtr="0" anchor="t" bIns="91425" lIns="91425" spcFirstLastPara="1" rIns="91425" wrap="square" tIns="91425">
+          <a:bodyPr spcFirstLastPara="1" wrap="square" lIns="91425" tIns="91425" rIns="91425" bIns="91425" anchor="t" anchorCtr="0">
             <a:normAutofit/>
           </a:bodyPr>
           <a:lstStyle/>
           <a:p>
-            <a:pPr indent="0" lvl="0" marL="0" rtl="0" algn="l">
+            <a:pPr marL="0" lvl="0" indent="0" algn="l" rtl="0">
               <a:spcBef>
                 <a:spcPts val="0"/>
               </a:spcBef>
@@ -11340,9 +11365,11 @@
       <p:sp>
         <p:nvSpPr>
           <p:cNvPr id="165" name="Google Shape;165;p19"/>
-          <p:cNvSpPr txBox="1"/>
+          <p:cNvSpPr txBox="1">
+            <a:spLocks noGrp="1"/>
+          </p:cNvSpPr>
           <p:nvPr>
-            <p:ph idx="1" type="body"/>
+            <p:ph type="body" idx="1"/>
           </p:nvPr>
         </p:nvSpPr>
         <p:spPr>
@@ -11355,12 +11382,12 @@
           </a:prstGeom>
         </p:spPr>
         <p:txBody>
-          <a:bodyPr anchorCtr="0" anchor="t" bIns="91425" lIns="91425" spcFirstLastPara="1" rIns="91425" wrap="square" tIns="91425">
+          <a:bodyPr spcFirstLastPara="1" wrap="square" lIns="91425" tIns="91425" rIns="91425" bIns="91425" anchor="t" anchorCtr="0">
             <a:normAutofit/>
           </a:bodyPr>
           <a:lstStyle/>
           <a:p>
-            <a:pPr indent="-311150" lvl="0" marL="457200" rtl="0" algn="l">
+            <a:pPr marL="457200" lvl="0" indent="-311150" algn="l" rtl="0">
               <a:spcBef>
                 <a:spcPts val="0"/>
               </a:spcBef>
@@ -11377,7 +11404,7 @@
             <a:endParaRPr/>
           </a:p>
           <a:p>
-            <a:pPr indent="-311150" lvl="0" marL="457200" rtl="0" algn="l">
+            <a:pPr marL="457200" lvl="0" indent="-311150" algn="l" rtl="0">
               <a:spcBef>
                 <a:spcPts val="0"/>
               </a:spcBef>
@@ -11394,7 +11421,7 @@
             <a:endParaRPr/>
           </a:p>
           <a:p>
-            <a:pPr indent="-311150" lvl="0" marL="457200" rtl="0" algn="l">
+            <a:pPr marL="457200" lvl="0" indent="-311150" algn="l" rtl="0">
               <a:spcBef>
                 <a:spcPts val="0"/>
               </a:spcBef>
@@ -11411,7 +11438,7 @@
             <a:endParaRPr/>
           </a:p>
           <a:p>
-            <a:pPr indent="-311150" lvl="0" marL="457200" rtl="0" algn="l">
+            <a:pPr marL="457200" lvl="0" indent="-311150" algn="l" rtl="0">
               <a:spcBef>
                 <a:spcPts val="0"/>
               </a:spcBef>
@@ -11446,11 +11473,11 @@
 </file>
 
 <file path=ppt/slides/slide8.xml><?xml version="1.0" encoding="utf-8"?>
-<p:sld xmlns:a="http://schemas.openxmlformats.org/drawingml/2006/main" xmlns:r="http://schemas.openxmlformats.org/officeDocument/2006/relationships" xmlns:mc="http://schemas.openxmlformats.org/markup-compatibility/2006" xmlns:mv="urn:schemas-microsoft-com:mac:vml" xmlns:p="http://schemas.openxmlformats.org/presentationml/2006/main" xmlns:c="http://schemas.openxmlformats.org/drawingml/2006/chart" xmlns:dgm="http://schemas.openxmlformats.org/drawingml/2006/diagram" xmlns:o="urn:schemas-microsoft-com:office:office" xmlns:v="urn:schemas-microsoft-com:vml" xmlns:pvml="urn:schemas-microsoft-com:office:powerpoint" xmlns:com="http://schemas.openxmlformats.org/drawingml/2006/compatibility" xmlns:p14="http://schemas.microsoft.com/office/powerpoint/2010/main" xmlns:p15="http://schemas.microsoft.com/office/powerpoint/2012/main" xmlns:ahyp="http://schemas.microsoft.com/office/drawing/2018/hyperlinkcolor">
+<p:sld xmlns:a="http://schemas.openxmlformats.org/drawingml/2006/main" xmlns:r="http://schemas.openxmlformats.org/officeDocument/2006/relationships" xmlns:p="http://schemas.openxmlformats.org/presentationml/2006/main">
   <p:cSld>
     <p:spTree>
       <p:nvGrpSpPr>
-        <p:cNvPr id="169" name="Shape 169"/>
+        <p:cNvPr id="1" name="Shape 169"/>
         <p:cNvGrpSpPr/>
         <p:nvPr/>
       </p:nvGrpSpPr>
@@ -11465,7 +11492,9 @@
       <p:sp>
         <p:nvSpPr>
           <p:cNvPr id="170" name="Google Shape;170;p20"/>
-          <p:cNvSpPr txBox="1"/>
+          <p:cNvSpPr txBox="1">
+            <a:spLocks noGrp="1"/>
+          </p:cNvSpPr>
           <p:nvPr>
             <p:ph type="title"/>
           </p:nvPr>
@@ -11480,12 +11509,12 @@
           </a:prstGeom>
         </p:spPr>
         <p:txBody>
-          <a:bodyPr anchorCtr="0" anchor="t" bIns="91425" lIns="91425" spcFirstLastPara="1" rIns="91425" wrap="square" tIns="91425">
+          <a:bodyPr spcFirstLastPara="1" wrap="square" lIns="91425" tIns="91425" rIns="91425" bIns="91425" anchor="t" anchorCtr="0">
             <a:normAutofit/>
           </a:bodyPr>
           <a:lstStyle/>
           <a:p>
-            <a:pPr indent="0" lvl="0" marL="0" rtl="0" algn="l">
+            <a:pPr marL="0" lvl="0" indent="0" algn="l" rtl="0">
               <a:spcBef>
                 <a:spcPts val="0"/>
               </a:spcBef>
@@ -11505,9 +11534,11 @@
       <p:sp>
         <p:nvSpPr>
           <p:cNvPr id="171" name="Google Shape;171;p20"/>
-          <p:cNvSpPr txBox="1"/>
+          <p:cNvSpPr txBox="1">
+            <a:spLocks noGrp="1"/>
+          </p:cNvSpPr>
           <p:nvPr>
-            <p:ph idx="1" type="body"/>
+            <p:ph type="body" idx="1"/>
           </p:nvPr>
         </p:nvSpPr>
         <p:spPr>
@@ -11520,12 +11551,12 @@
           </a:prstGeom>
         </p:spPr>
         <p:txBody>
-          <a:bodyPr anchorCtr="0" anchor="t" bIns="91425" lIns="91425" spcFirstLastPara="1" rIns="91425" wrap="square" tIns="91425">
+          <a:bodyPr spcFirstLastPara="1" wrap="square" lIns="91425" tIns="91425" rIns="91425" bIns="91425" anchor="t" anchorCtr="0">
             <a:normAutofit/>
           </a:bodyPr>
           <a:lstStyle/>
           <a:p>
-            <a:pPr indent="-311150" lvl="0" marL="457200" rtl="0" algn="l">
+            <a:pPr marL="457200" lvl="0" indent="-311150" algn="l" rtl="0">
               <a:spcBef>
                 <a:spcPts val="0"/>
               </a:spcBef>
@@ -11542,7 +11573,7 @@
             <a:endParaRPr/>
           </a:p>
           <a:p>
-            <a:pPr indent="-311150" lvl="0" marL="457200" rtl="0" algn="l">
+            <a:pPr marL="457200" lvl="0" indent="-311150" algn="l" rtl="0">
               <a:spcBef>
                 <a:spcPts val="0"/>
               </a:spcBef>
@@ -11559,7 +11590,7 @@
             <a:endParaRPr/>
           </a:p>
           <a:p>
-            <a:pPr indent="-311150" lvl="0" marL="457200" rtl="0" algn="l">
+            <a:pPr marL="457200" lvl="0" indent="-311150" algn="l" rtl="0">
               <a:spcBef>
                 <a:spcPts val="0"/>
               </a:spcBef>
@@ -11576,7 +11607,7 @@
             <a:endParaRPr/>
           </a:p>
           <a:p>
-            <a:pPr indent="-311150" lvl="0" marL="457200" rtl="0" algn="l">
+            <a:pPr marL="457200" lvl="0" indent="-311150" algn="l" rtl="0">
               <a:spcBef>
                 <a:spcPts val="0"/>
               </a:spcBef>
@@ -11593,7 +11624,7 @@
             <a:endParaRPr/>
           </a:p>
           <a:p>
-            <a:pPr indent="-311150" lvl="0" marL="457200" rtl="0" algn="l">
+            <a:pPr marL="457200" lvl="0" indent="-311150" algn="l" rtl="0">
               <a:spcBef>
                 <a:spcPts val="0"/>
               </a:spcBef>
@@ -11620,11 +11651,11 @@
 </file>
 
 <file path=ppt/slides/slide9.xml><?xml version="1.0" encoding="utf-8"?>
-<p:sld xmlns:a="http://schemas.openxmlformats.org/drawingml/2006/main" xmlns:r="http://schemas.openxmlformats.org/officeDocument/2006/relationships" xmlns:mc="http://schemas.openxmlformats.org/markup-compatibility/2006" xmlns:mv="urn:schemas-microsoft-com:mac:vml" xmlns:p="http://schemas.openxmlformats.org/presentationml/2006/main" xmlns:c="http://schemas.openxmlformats.org/drawingml/2006/chart" xmlns:dgm="http://schemas.openxmlformats.org/drawingml/2006/diagram" xmlns:o="urn:schemas-microsoft-com:office:office" xmlns:v="urn:schemas-microsoft-com:vml" xmlns:pvml="urn:schemas-microsoft-com:office:powerpoint" xmlns:com="http://schemas.openxmlformats.org/drawingml/2006/compatibility" xmlns:p14="http://schemas.microsoft.com/office/powerpoint/2010/main" xmlns:p15="http://schemas.microsoft.com/office/powerpoint/2012/main" xmlns:ahyp="http://schemas.microsoft.com/office/drawing/2018/hyperlinkcolor">
+<p:sld xmlns:a="http://schemas.openxmlformats.org/drawingml/2006/main" xmlns:r="http://schemas.openxmlformats.org/officeDocument/2006/relationships" xmlns:p="http://schemas.openxmlformats.org/presentationml/2006/main">
   <p:cSld>
     <p:spTree>
       <p:nvGrpSpPr>
-        <p:cNvPr id="175" name="Shape 175"/>
+        <p:cNvPr id="1" name="Shape 175"/>
         <p:cNvGrpSpPr/>
         <p:nvPr/>
       </p:nvGrpSpPr>
@@ -11639,7 +11670,9 @@
       <p:sp>
         <p:nvSpPr>
           <p:cNvPr id="176" name="Google Shape;176;p21"/>
-          <p:cNvSpPr txBox="1"/>
+          <p:cNvSpPr txBox="1">
+            <a:spLocks noGrp="1"/>
+          </p:cNvSpPr>
           <p:nvPr>
             <p:ph type="title"/>
           </p:nvPr>
@@ -11654,12 +11687,12 @@
           </a:prstGeom>
         </p:spPr>
         <p:txBody>
-          <a:bodyPr anchorCtr="0" anchor="t" bIns="91425" lIns="91425" spcFirstLastPara="1" rIns="91425" wrap="square" tIns="91425">
+          <a:bodyPr spcFirstLastPara="1" wrap="square" lIns="91425" tIns="91425" rIns="91425" bIns="91425" anchor="t" anchorCtr="0">
             <a:normAutofit/>
           </a:bodyPr>
           <a:lstStyle/>
           <a:p>
-            <a:pPr indent="0" lvl="0" marL="0" rtl="0" algn="l">
+            <a:pPr marL="0" lvl="0" indent="0" algn="l" rtl="0">
               <a:spcBef>
                 <a:spcPts val="0"/>
               </a:spcBef>
@@ -11679,9 +11712,11 @@
       <p:sp>
         <p:nvSpPr>
           <p:cNvPr id="177" name="Google Shape;177;p21"/>
-          <p:cNvSpPr txBox="1"/>
+          <p:cNvSpPr txBox="1">
+            <a:spLocks noGrp="1"/>
+          </p:cNvSpPr>
           <p:nvPr>
-            <p:ph idx="1" type="body"/>
+            <p:ph type="body" idx="1"/>
           </p:nvPr>
         </p:nvSpPr>
         <p:spPr>
@@ -11694,12 +11729,12 @@
           </a:prstGeom>
         </p:spPr>
         <p:txBody>
-          <a:bodyPr anchorCtr="0" anchor="t" bIns="91425" lIns="91425" spcFirstLastPara="1" rIns="91425" wrap="square" tIns="91425">
+          <a:bodyPr spcFirstLastPara="1" wrap="square" lIns="91425" tIns="91425" rIns="91425" bIns="91425" anchor="t" anchorCtr="0">
             <a:normAutofit/>
           </a:bodyPr>
           <a:lstStyle/>
           <a:p>
-            <a:pPr indent="-311150" lvl="0" marL="457200" rtl="0" algn="l">
+            <a:pPr marL="457200" lvl="0" indent="-311150" algn="l" rtl="0">
               <a:spcBef>
                 <a:spcPts val="0"/>
               </a:spcBef>
@@ -11710,13 +11745,13 @@
               <a:buChar char="●"/>
             </a:pPr>
             <a:r>
-              <a:rPr lang="en"/>
-              <a:t>Укупан буџет за реализацију основних модула овог система износи  2,931,950 евра.</a:t>
+              <a:rPr lang="en" dirty="0"/>
+              <a:t>Укупан буџет за реализацију основних модула овог система износи  2,946,950 евра.</a:t>
             </a:r>
-            <a:endParaRPr/>
-          </a:p>
-          <a:p>
-            <a:pPr indent="-311150" lvl="0" marL="457200" rtl="0" algn="l">
+            <a:endParaRPr dirty="0"/>
+          </a:p>
+          <a:p>
+            <a:pPr marL="457200" lvl="0" indent="-311150" algn="l" rtl="0">
               <a:spcBef>
                 <a:spcPts val="0"/>
               </a:spcBef>
@@ -11727,10 +11762,10 @@
               <a:buChar char="●"/>
             </a:pPr>
             <a:r>
-              <a:rPr lang="en"/>
-              <a:t>Цена месечних трошкова након реализације система износи :  20,000 евра</a:t>
+              <a:rPr lang="en" dirty="0"/>
+              <a:t>Цена месечних трошкова након реализације система износи :  20,000 евра.</a:t>
             </a:r>
-            <a:endParaRPr/>
+            <a:endParaRPr dirty="0"/>
           </a:p>
         </p:txBody>
       </p:sp>
@@ -11743,7 +11778,288 @@
 </file>
 
 <file path=ppt/theme/theme1.xml><?xml version="1.0" encoding="utf-8"?>
-<a:theme xmlns:a="http://schemas.openxmlformats.org/drawingml/2006/main" xmlns:r="http://schemas.openxmlformats.org/officeDocument/2006/relationships">
+<a:theme xmlns:a="http://schemas.openxmlformats.org/drawingml/2006/main" name="Shift">
+  <a:themeElements>
+    <a:clrScheme name="Shift">
+      <a:dk1>
+        <a:srgbClr val="FFFFFF"/>
+      </a:dk1>
+      <a:lt1>
+        <a:srgbClr val="AF7B51"/>
+      </a:lt1>
+      <a:dk2>
+        <a:srgbClr val="233A44"/>
+      </a:dk2>
+      <a:lt2>
+        <a:srgbClr val="D9D9D9"/>
+      </a:lt2>
+      <a:accent1>
+        <a:srgbClr val="00796B"/>
+      </a:accent1>
+      <a:accent2>
+        <a:srgbClr val="D9563F"/>
+      </a:accent2>
+      <a:accent3>
+        <a:srgbClr val="C4A15A"/>
+      </a:accent3>
+      <a:accent4>
+        <a:srgbClr val="14F597"/>
+      </a:accent4>
+      <a:accent5>
+        <a:srgbClr val="3D4594"/>
+      </a:accent5>
+      <a:accent6>
+        <a:srgbClr val="163EF5"/>
+      </a:accent6>
+      <a:hlink>
+        <a:srgbClr val="3D4594"/>
+      </a:hlink>
+      <a:folHlink>
+        <a:srgbClr val="3D4594"/>
+      </a:folHlink>
+    </a:clrScheme>
+    <a:fontScheme name="Office">
+      <a:majorFont>
+        <a:latin typeface="Arial"/>
+        <a:ea typeface=""/>
+        <a:cs typeface=""/>
+        <a:font script="Jpan" typeface="ＭＳ Ｐゴシック"/>
+        <a:font script="Hang" typeface="맑은 고딕"/>
+        <a:font script="Hans" typeface="宋体"/>
+        <a:font script="Hant" typeface="新細明體"/>
+        <a:font script="Arab" typeface="Times New Roman"/>
+        <a:font script="Hebr" typeface="Times New Roman"/>
+        <a:font script="Thai" typeface="Angsana New"/>
+        <a:font script="Ethi" typeface="Nyala"/>
+        <a:font script="Beng" typeface="Vrinda"/>
+        <a:font script="Gujr" typeface="Shruti"/>
+        <a:font script="Khmr" typeface="MoolBoran"/>
+        <a:font script="Knda" typeface="Tunga"/>
+        <a:font script="Guru" typeface="Raavi"/>
+        <a:font script="Cans" typeface="Euphemia"/>
+        <a:font script="Cher" typeface="Plantagenet Cherokee"/>
+        <a:font script="Yiii" typeface="Microsoft Yi Baiti"/>
+        <a:font script="Tibt" typeface="Microsoft Himalaya"/>
+        <a:font script="Thaa" typeface="MV Boli"/>
+        <a:font script="Deva" typeface="Mangal"/>
+        <a:font script="Telu" typeface="Gautami"/>
+        <a:font script="Taml" typeface="Latha"/>
+        <a:font script="Syrc" typeface="Estrangelo Edessa"/>
+        <a:font script="Orya" typeface="Kalinga"/>
+        <a:font script="Mlym" typeface="Kartika"/>
+        <a:font script="Laoo" typeface="DokChampa"/>
+        <a:font script="Sinh" typeface="Iskoola Pota"/>
+        <a:font script="Mong" typeface="Mongolian Baiti"/>
+        <a:font script="Viet" typeface="Times New Roman"/>
+        <a:font script="Uigh" typeface="Microsoft Uighur"/>
+        <a:font script="Geor" typeface="Sylfaen"/>
+      </a:majorFont>
+      <a:minorFont>
+        <a:latin typeface="Arial"/>
+        <a:ea typeface=""/>
+        <a:cs typeface=""/>
+        <a:font script="Jpan" typeface="ＭＳ Ｐゴシック"/>
+        <a:font script="Hang" typeface="맑은 고딕"/>
+        <a:font script="Hans" typeface="宋体"/>
+        <a:font script="Hant" typeface="新細明體"/>
+        <a:font script="Arab" typeface="Arial"/>
+        <a:font script="Hebr" typeface="Arial"/>
+        <a:font script="Thai" typeface="Cordia New"/>
+        <a:font script="Ethi" typeface="Nyala"/>
+        <a:font script="Beng" typeface="Vrinda"/>
+        <a:font script="Gujr" typeface="Shruti"/>
+        <a:font script="Khmr" typeface="DaunPenh"/>
+        <a:font script="Knda" typeface="Tunga"/>
+        <a:font script="Guru" typeface="Raavi"/>
+        <a:font script="Cans" typeface="Euphemia"/>
+        <a:font script="Cher" typeface="Plantagenet Cherokee"/>
+        <a:font script="Yiii" typeface="Microsoft Yi Baiti"/>
+        <a:font script="Tibt" typeface="Microsoft Himalaya"/>
+        <a:font script="Thaa" typeface="MV Boli"/>
+        <a:font script="Deva" typeface="Mangal"/>
+        <a:font script="Telu" typeface="Gautami"/>
+        <a:font script="Taml" typeface="Latha"/>
+        <a:font script="Syrc" typeface="Estrangelo Edessa"/>
+        <a:font script="Orya" typeface="Kalinga"/>
+        <a:font script="Mlym" typeface="Kartika"/>
+        <a:font script="Laoo" typeface="DokChampa"/>
+        <a:font script="Sinh" typeface="Iskoola Pota"/>
+        <a:font script="Mong" typeface="Mongolian Baiti"/>
+        <a:font script="Viet" typeface="Arial"/>
+        <a:font script="Uigh" typeface="Microsoft Uighur"/>
+        <a:font script="Geor" typeface="Sylfaen"/>
+      </a:minorFont>
+    </a:fontScheme>
+    <a:fmtScheme name="Office">
+      <a:fillStyleLst>
+        <a:solidFill>
+          <a:schemeClr val="phClr"/>
+        </a:solidFill>
+        <a:gradFill rotWithShape="1">
+          <a:gsLst>
+            <a:gs pos="0">
+              <a:schemeClr val="phClr">
+                <a:tint val="50000"/>
+                <a:satMod val="300000"/>
+              </a:schemeClr>
+            </a:gs>
+            <a:gs pos="35000">
+              <a:schemeClr val="phClr">
+                <a:tint val="37000"/>
+                <a:satMod val="300000"/>
+              </a:schemeClr>
+            </a:gs>
+            <a:gs pos="100000">
+              <a:schemeClr val="phClr">
+                <a:tint val="15000"/>
+                <a:satMod val="350000"/>
+              </a:schemeClr>
+            </a:gs>
+          </a:gsLst>
+          <a:lin ang="16200000" scaled="1"/>
+        </a:gradFill>
+        <a:gradFill rotWithShape="1">
+          <a:gsLst>
+            <a:gs pos="0">
+              <a:schemeClr val="phClr">
+                <a:tint val="100000"/>
+                <a:shade val="100000"/>
+                <a:satMod val="130000"/>
+              </a:schemeClr>
+            </a:gs>
+            <a:gs pos="100000">
+              <a:schemeClr val="phClr">
+                <a:tint val="50000"/>
+                <a:shade val="100000"/>
+                <a:satMod val="350000"/>
+              </a:schemeClr>
+            </a:gs>
+          </a:gsLst>
+          <a:lin ang="16200000" scaled="0"/>
+        </a:gradFill>
+      </a:fillStyleLst>
+      <a:lnStyleLst>
+        <a:ln w="9525" cap="flat" cmpd="sng" algn="ctr">
+          <a:solidFill>
+            <a:schemeClr val="phClr">
+              <a:shade val="95000"/>
+              <a:satMod val="105000"/>
+            </a:schemeClr>
+          </a:solidFill>
+          <a:prstDash val="solid"/>
+        </a:ln>
+        <a:ln w="25400" cap="flat" cmpd="sng" algn="ctr">
+          <a:solidFill>
+            <a:schemeClr val="phClr"/>
+          </a:solidFill>
+          <a:prstDash val="solid"/>
+        </a:ln>
+        <a:ln w="38100" cap="flat" cmpd="sng" algn="ctr">
+          <a:solidFill>
+            <a:schemeClr val="phClr"/>
+          </a:solidFill>
+          <a:prstDash val="solid"/>
+        </a:ln>
+      </a:lnStyleLst>
+      <a:effectStyleLst>
+        <a:effectStyle>
+          <a:effectLst>
+            <a:outerShdw blurRad="40000" dist="20000" dir="5400000" rotWithShape="0">
+              <a:srgbClr val="000000">
+                <a:alpha val="38000"/>
+              </a:srgbClr>
+            </a:outerShdw>
+          </a:effectLst>
+        </a:effectStyle>
+        <a:effectStyle>
+          <a:effectLst>
+            <a:outerShdw blurRad="40000" dist="23000" dir="5400000" rotWithShape="0">
+              <a:srgbClr val="000000">
+                <a:alpha val="35000"/>
+              </a:srgbClr>
+            </a:outerShdw>
+          </a:effectLst>
+        </a:effectStyle>
+        <a:effectStyle>
+          <a:effectLst>
+            <a:outerShdw blurRad="40000" dist="23000" dir="5400000" rotWithShape="0">
+              <a:srgbClr val="000000">
+                <a:alpha val="35000"/>
+              </a:srgbClr>
+            </a:outerShdw>
+          </a:effectLst>
+          <a:scene3d>
+            <a:camera prst="orthographicFront">
+              <a:rot lat="0" lon="0" rev="0"/>
+            </a:camera>
+            <a:lightRig rig="threePt" dir="t">
+              <a:rot lat="0" lon="0" rev="1200000"/>
+            </a:lightRig>
+          </a:scene3d>
+          <a:sp3d>
+            <a:bevelT w="63500" h="25400"/>
+          </a:sp3d>
+        </a:effectStyle>
+      </a:effectStyleLst>
+      <a:bgFillStyleLst>
+        <a:solidFill>
+          <a:schemeClr val="phClr"/>
+        </a:solidFill>
+        <a:gradFill rotWithShape="1">
+          <a:gsLst>
+            <a:gs pos="0">
+              <a:schemeClr val="phClr">
+                <a:tint val="40000"/>
+                <a:satMod val="350000"/>
+              </a:schemeClr>
+            </a:gs>
+            <a:gs pos="40000">
+              <a:schemeClr val="phClr">
+                <a:tint val="45000"/>
+                <a:shade val="99000"/>
+                <a:satMod val="350000"/>
+              </a:schemeClr>
+            </a:gs>
+            <a:gs pos="100000">
+              <a:schemeClr val="phClr">
+                <a:shade val="20000"/>
+                <a:satMod val="255000"/>
+              </a:schemeClr>
+            </a:gs>
+          </a:gsLst>
+          <a:path path="circle">
+            <a:fillToRect l="50000" t="-80000" r="50000" b="180000"/>
+          </a:path>
+        </a:gradFill>
+        <a:gradFill rotWithShape="1">
+          <a:gsLst>
+            <a:gs pos="0">
+              <a:schemeClr val="phClr">
+                <a:tint val="80000"/>
+                <a:satMod val="300000"/>
+              </a:schemeClr>
+            </a:gs>
+            <a:gs pos="100000">
+              <a:schemeClr val="phClr">
+                <a:shade val="30000"/>
+                <a:satMod val="200000"/>
+              </a:schemeClr>
+            </a:gs>
+          </a:gsLst>
+          <a:path path="circle">
+            <a:fillToRect l="50000" t="50000" r="50000" b="50000"/>
+          </a:path>
+        </a:gradFill>
+      </a:bgFillStyleLst>
+    </a:fmtScheme>
+  </a:themeElements>
+  <a:objectDefaults/>
+  <a:extraClrSchemeLst/>
+</a:theme>
+</file>
+
+<file path=ppt/theme/theme2.xml><?xml version="1.0" encoding="utf-8"?>
+<a:theme xmlns:a="http://schemas.openxmlformats.org/drawingml/2006/main">
   <a:themeElements>
     <a:clrScheme name="Default">
       <a:dk1>
@@ -12018,284 +12334,7 @@
       </a:bgFillStyleLst>
     </a:fmtScheme>
   </a:themeElements>
-</a:theme>
-</file>
-
-<file path=ppt/theme/theme2.xml><?xml version="1.0" encoding="utf-8"?>
-<a:theme xmlns:a="http://schemas.openxmlformats.org/drawingml/2006/main" xmlns:r="http://schemas.openxmlformats.org/officeDocument/2006/relationships" name="Shift">
-  <a:themeElements>
-    <a:clrScheme name="Shift">
-      <a:dk1>
-        <a:srgbClr val="FFFFFF"/>
-      </a:dk1>
-      <a:lt1>
-        <a:srgbClr val="AF7B51"/>
-      </a:lt1>
-      <a:dk2>
-        <a:srgbClr val="233A44"/>
-      </a:dk2>
-      <a:lt2>
-        <a:srgbClr val="D9D9D9"/>
-      </a:lt2>
-      <a:accent1>
-        <a:srgbClr val="00796B"/>
-      </a:accent1>
-      <a:accent2>
-        <a:srgbClr val="D9563F"/>
-      </a:accent2>
-      <a:accent3>
-        <a:srgbClr val="C4A15A"/>
-      </a:accent3>
-      <a:accent4>
-        <a:srgbClr val="14F597"/>
-      </a:accent4>
-      <a:accent5>
-        <a:srgbClr val="3D4594"/>
-      </a:accent5>
-      <a:accent6>
-        <a:srgbClr val="163EF5"/>
-      </a:accent6>
-      <a:hlink>
-        <a:srgbClr val="3D4594"/>
-      </a:hlink>
-      <a:folHlink>
-        <a:srgbClr val="3D4594"/>
-      </a:folHlink>
-    </a:clrScheme>
-    <a:fontScheme name="Office">
-      <a:majorFont>
-        <a:latin typeface="Arial"/>
-        <a:ea typeface=""/>
-        <a:cs typeface=""/>
-        <a:font script="Jpan" typeface="ＭＳ Ｐゴシック"/>
-        <a:font script="Hang" typeface="맑은 고딕"/>
-        <a:font script="Hans" typeface="宋体"/>
-        <a:font script="Hant" typeface="新細明體"/>
-        <a:font script="Arab" typeface="Times New Roman"/>
-        <a:font script="Hebr" typeface="Times New Roman"/>
-        <a:font script="Thai" typeface="Angsana New"/>
-        <a:font script="Ethi" typeface="Nyala"/>
-        <a:font script="Beng" typeface="Vrinda"/>
-        <a:font script="Gujr" typeface="Shruti"/>
-        <a:font script="Khmr" typeface="MoolBoran"/>
-        <a:font script="Knda" typeface="Tunga"/>
-        <a:font script="Guru" typeface="Raavi"/>
-        <a:font script="Cans" typeface="Euphemia"/>
-        <a:font script="Cher" typeface="Plantagenet Cherokee"/>
-        <a:font script="Yiii" typeface="Microsoft Yi Baiti"/>
-        <a:font script="Tibt" typeface="Microsoft Himalaya"/>
-        <a:font script="Thaa" typeface="MV Boli"/>
-        <a:font script="Deva" typeface="Mangal"/>
-        <a:font script="Telu" typeface="Gautami"/>
-        <a:font script="Taml" typeface="Latha"/>
-        <a:font script="Syrc" typeface="Estrangelo Edessa"/>
-        <a:font script="Orya" typeface="Kalinga"/>
-        <a:font script="Mlym" typeface="Kartika"/>
-        <a:font script="Laoo" typeface="DokChampa"/>
-        <a:font script="Sinh" typeface="Iskoola Pota"/>
-        <a:font script="Mong" typeface="Mongolian Baiti"/>
-        <a:font script="Viet" typeface="Times New Roman"/>
-        <a:font script="Uigh" typeface="Microsoft Uighur"/>
-        <a:font script="Geor" typeface="Sylfaen"/>
-      </a:majorFont>
-      <a:minorFont>
-        <a:latin typeface="Arial"/>
-        <a:ea typeface=""/>
-        <a:cs typeface=""/>
-        <a:font script="Jpan" typeface="ＭＳ Ｐゴシック"/>
-        <a:font script="Hang" typeface="맑은 고딕"/>
-        <a:font script="Hans" typeface="宋体"/>
-        <a:font script="Hant" typeface="新細明體"/>
-        <a:font script="Arab" typeface="Arial"/>
-        <a:font script="Hebr" typeface="Arial"/>
-        <a:font script="Thai" typeface="Cordia New"/>
-        <a:font script="Ethi" typeface="Nyala"/>
-        <a:font script="Beng" typeface="Vrinda"/>
-        <a:font script="Gujr" typeface="Shruti"/>
-        <a:font script="Khmr" typeface="DaunPenh"/>
-        <a:font script="Knda" typeface="Tunga"/>
-        <a:font script="Guru" typeface="Raavi"/>
-        <a:font script="Cans" typeface="Euphemia"/>
-        <a:font script="Cher" typeface="Plantagenet Cherokee"/>
-        <a:font script="Yiii" typeface="Microsoft Yi Baiti"/>
-        <a:font script="Tibt" typeface="Microsoft Himalaya"/>
-        <a:font script="Thaa" typeface="MV Boli"/>
-        <a:font script="Deva" typeface="Mangal"/>
-        <a:font script="Telu" typeface="Gautami"/>
-        <a:font script="Taml" typeface="Latha"/>
-        <a:font script="Syrc" typeface="Estrangelo Edessa"/>
-        <a:font script="Orya" typeface="Kalinga"/>
-        <a:font script="Mlym" typeface="Kartika"/>
-        <a:font script="Laoo" typeface="DokChampa"/>
-        <a:font script="Sinh" typeface="Iskoola Pota"/>
-        <a:font script="Mong" typeface="Mongolian Baiti"/>
-        <a:font script="Viet" typeface="Arial"/>
-        <a:font script="Uigh" typeface="Microsoft Uighur"/>
-        <a:font script="Geor" typeface="Sylfaen"/>
-      </a:minorFont>
-    </a:fontScheme>
-    <a:fmtScheme name="Office">
-      <a:fillStyleLst>
-        <a:solidFill>
-          <a:schemeClr val="phClr"/>
-        </a:solidFill>
-        <a:gradFill rotWithShape="1">
-          <a:gsLst>
-            <a:gs pos="0">
-              <a:schemeClr val="phClr">
-                <a:tint val="50000"/>
-                <a:satMod val="300000"/>
-              </a:schemeClr>
-            </a:gs>
-            <a:gs pos="35000">
-              <a:schemeClr val="phClr">
-                <a:tint val="37000"/>
-                <a:satMod val="300000"/>
-              </a:schemeClr>
-            </a:gs>
-            <a:gs pos="100000">
-              <a:schemeClr val="phClr">
-                <a:tint val="15000"/>
-                <a:satMod val="350000"/>
-              </a:schemeClr>
-            </a:gs>
-          </a:gsLst>
-          <a:lin ang="16200000" scaled="1"/>
-        </a:gradFill>
-        <a:gradFill rotWithShape="1">
-          <a:gsLst>
-            <a:gs pos="0">
-              <a:schemeClr val="phClr">
-                <a:tint val="100000"/>
-                <a:shade val="100000"/>
-                <a:satMod val="130000"/>
-              </a:schemeClr>
-            </a:gs>
-            <a:gs pos="100000">
-              <a:schemeClr val="phClr">
-                <a:tint val="50000"/>
-                <a:shade val="100000"/>
-                <a:satMod val="350000"/>
-              </a:schemeClr>
-            </a:gs>
-          </a:gsLst>
-          <a:lin ang="16200000" scaled="0"/>
-        </a:gradFill>
-      </a:fillStyleLst>
-      <a:lnStyleLst>
-        <a:ln w="9525" cap="flat" cmpd="sng" algn="ctr">
-          <a:solidFill>
-            <a:schemeClr val="phClr">
-              <a:shade val="95000"/>
-              <a:satMod val="105000"/>
-            </a:schemeClr>
-          </a:solidFill>
-          <a:prstDash val="solid"/>
-        </a:ln>
-        <a:ln w="25400" cap="flat" cmpd="sng" algn="ctr">
-          <a:solidFill>
-            <a:schemeClr val="phClr"/>
-          </a:solidFill>
-          <a:prstDash val="solid"/>
-        </a:ln>
-        <a:ln w="38100" cap="flat" cmpd="sng" algn="ctr">
-          <a:solidFill>
-            <a:schemeClr val="phClr"/>
-          </a:solidFill>
-          <a:prstDash val="solid"/>
-        </a:ln>
-      </a:lnStyleLst>
-      <a:effectStyleLst>
-        <a:effectStyle>
-          <a:effectLst>
-            <a:outerShdw blurRad="40000" dist="20000" dir="5400000" rotWithShape="0">
-              <a:srgbClr val="000000">
-                <a:alpha val="38000"/>
-              </a:srgbClr>
-            </a:outerShdw>
-          </a:effectLst>
-        </a:effectStyle>
-        <a:effectStyle>
-          <a:effectLst>
-            <a:outerShdw blurRad="40000" dist="23000" dir="5400000" rotWithShape="0">
-              <a:srgbClr val="000000">
-                <a:alpha val="35000"/>
-              </a:srgbClr>
-            </a:outerShdw>
-          </a:effectLst>
-        </a:effectStyle>
-        <a:effectStyle>
-          <a:effectLst>
-            <a:outerShdw blurRad="40000" dist="23000" dir="5400000" rotWithShape="0">
-              <a:srgbClr val="000000">
-                <a:alpha val="35000"/>
-              </a:srgbClr>
-            </a:outerShdw>
-          </a:effectLst>
-          <a:scene3d>
-            <a:camera prst="orthographicFront">
-              <a:rot lat="0" lon="0" rev="0"/>
-            </a:camera>
-            <a:lightRig rig="threePt" dir="t">
-              <a:rot lat="0" lon="0" rev="1200000"/>
-            </a:lightRig>
-          </a:scene3d>
-          <a:sp3d>
-            <a:bevelT w="63500" h="25400"/>
-          </a:sp3d>
-        </a:effectStyle>
-      </a:effectStyleLst>
-      <a:bgFillStyleLst>
-        <a:solidFill>
-          <a:schemeClr val="phClr"/>
-        </a:solidFill>
-        <a:gradFill rotWithShape="1">
-          <a:gsLst>
-            <a:gs pos="0">
-              <a:schemeClr val="phClr">
-                <a:tint val="40000"/>
-                <a:satMod val="350000"/>
-              </a:schemeClr>
-            </a:gs>
-            <a:gs pos="40000">
-              <a:schemeClr val="phClr">
-                <a:tint val="45000"/>
-                <a:shade val="99000"/>
-                <a:satMod val="350000"/>
-              </a:schemeClr>
-            </a:gs>
-            <a:gs pos="100000">
-              <a:schemeClr val="phClr">
-                <a:shade val="20000"/>
-                <a:satMod val="255000"/>
-              </a:schemeClr>
-            </a:gs>
-          </a:gsLst>
-          <a:path path="circle">
-            <a:fillToRect l="50000" t="-80000" r="50000" b="180000"/>
-          </a:path>
-        </a:gradFill>
-        <a:gradFill rotWithShape="1">
-          <a:gsLst>
-            <a:gs pos="0">
-              <a:schemeClr val="phClr">
-                <a:tint val="80000"/>
-                <a:satMod val="300000"/>
-              </a:schemeClr>
-            </a:gs>
-            <a:gs pos="100000">
-              <a:schemeClr val="phClr">
-                <a:shade val="30000"/>
-                <a:satMod val="200000"/>
-              </a:schemeClr>
-            </a:gs>
-          </a:gsLst>
-          <a:path path="circle">
-            <a:fillToRect l="50000" t="50000" r="50000" b="50000"/>
-          </a:path>
-        </a:gradFill>
-      </a:bgFillStyleLst>
-    </a:fmtScheme>
-  </a:themeElements>
+  <a:objectDefaults/>
+  <a:extraClrSchemeLst/>
 </a:theme>
 </file>